--- a/Slides/Lesson 9.pptx
+++ b/Slides/Lesson 9.pptx
@@ -8,21 +8,7 @@
     <p:sldId id="256" r:id="rId2"/>
     <p:sldId id="257" r:id="rId3"/>
     <p:sldId id="262" r:id="rId4"/>
-    <p:sldId id="263" r:id="rId5"/>
-    <p:sldId id="264" r:id="rId6"/>
-    <p:sldId id="265" r:id="rId7"/>
-    <p:sldId id="266" r:id="rId8"/>
-    <p:sldId id="267" r:id="rId9"/>
-    <p:sldId id="258" r:id="rId10"/>
-    <p:sldId id="259" r:id="rId11"/>
-    <p:sldId id="260" r:id="rId12"/>
-    <p:sldId id="261" r:id="rId13"/>
-    <p:sldId id="268" r:id="rId14"/>
-    <p:sldId id="269" r:id="rId15"/>
-    <p:sldId id="270" r:id="rId16"/>
-    <p:sldId id="271" r:id="rId17"/>
-    <p:sldId id="274" r:id="rId18"/>
-    <p:sldId id="272" r:id="rId19"/>
+    <p:sldId id="272" r:id="rId5"/>
   </p:sldIdLst>
   <p:sldSz cx="12192000" cy="6858000"/>
   <p:notesSz cx="6858000" cy="9144000"/>
@@ -186,7 +172,7 @@
           <a:noFill/>
           <a:extLst>
             <a:ext uri="{909E8E84-426E-40dd-AFC4-6F175D3DCCD1}">
-              <a14:hiddenFill xmlns="" xmlns:a14="http://schemas.microsoft.com/office/drawing/2010/main">
+              <a14:hiddenFill xmlns:a14="http://schemas.microsoft.com/office/drawing/2010/main" xmlns="">
                 <a:solidFill>
                   <a:srgbClr val="FFFFFF"/>
                 </a:solidFill>
@@ -245,7 +231,7 @@
             </a:ln>
             <a:extLst>
               <a:ext uri="{91240B29-F687-4f45-9708-019B960494DF}">
-                <a14:hiddenLine xmlns="" xmlns:a14="http://schemas.microsoft.com/office/drawing/2010/main" w="9525">
+                <a14:hiddenLine xmlns:a14="http://schemas.microsoft.com/office/drawing/2010/main" xmlns="" w="9525">
                   <a:solidFill>
                     <a:srgbClr val="000000"/>
                   </a:solidFill>
@@ -335,7 +321,7 @@
             </a:ln>
             <a:extLst>
               <a:ext uri="{91240B29-F687-4f45-9708-019B960494DF}">
-                <a14:hiddenLine xmlns="" xmlns:a14="http://schemas.microsoft.com/office/drawing/2010/main" w="9525">
+                <a14:hiddenLine xmlns:a14="http://schemas.microsoft.com/office/drawing/2010/main" xmlns="" w="9525">
                   <a:solidFill>
                     <a:srgbClr val="000000"/>
                   </a:solidFill>
@@ -425,7 +411,7 @@
             </a:ln>
             <a:extLst>
               <a:ext uri="{91240B29-F687-4f45-9708-019B960494DF}">
-                <a14:hiddenLine xmlns="" xmlns:a14="http://schemas.microsoft.com/office/drawing/2010/main" w="9525">
+                <a14:hiddenLine xmlns:a14="http://schemas.microsoft.com/office/drawing/2010/main" xmlns="" w="9525">
                   <a:solidFill>
                     <a:srgbClr val="000000"/>
                   </a:solidFill>
@@ -459,7 +445,7 @@
             </a:ln>
             <a:extLst>
               <a:ext uri="{91240B29-F687-4f45-9708-019B960494DF}">
-                <a14:hiddenLine xmlns="" xmlns:a14="http://schemas.microsoft.com/office/drawing/2010/main" w="9525">
+                <a14:hiddenLine xmlns:a14="http://schemas.microsoft.com/office/drawing/2010/main" xmlns="" w="9525">
                   <a:solidFill>
                     <a:srgbClr val="000000"/>
                   </a:solidFill>
@@ -549,7 +535,7 @@
             </a:ln>
             <a:extLst>
               <a:ext uri="{91240B29-F687-4f45-9708-019B960494DF}">
-                <a14:hiddenLine xmlns="" xmlns:a14="http://schemas.microsoft.com/office/drawing/2010/main" w="9525">
+                <a14:hiddenLine xmlns:a14="http://schemas.microsoft.com/office/drawing/2010/main" xmlns="" w="9525">
                   <a:solidFill>
                     <a:srgbClr val="000000"/>
                   </a:solidFill>
@@ -611,7 +597,7 @@
             </a:ln>
             <a:extLst>
               <a:ext uri="{91240B29-F687-4f45-9708-019B960494DF}">
-                <a14:hiddenLine xmlns="" xmlns:a14="http://schemas.microsoft.com/office/drawing/2010/main" w="9525">
+                <a14:hiddenLine xmlns:a14="http://schemas.microsoft.com/office/drawing/2010/main" xmlns="" w="9525">
                   <a:solidFill>
                     <a:srgbClr val="000000"/>
                   </a:solidFill>
@@ -673,7 +659,7 @@
             </a:ln>
             <a:extLst>
               <a:ext uri="{91240B29-F687-4f45-9708-019B960494DF}">
-                <a14:hiddenLine xmlns="" xmlns:a14="http://schemas.microsoft.com/office/drawing/2010/main" w="9525">
+                <a14:hiddenLine xmlns:a14="http://schemas.microsoft.com/office/drawing/2010/main" xmlns="" w="9525">
                   <a:solidFill>
                     <a:srgbClr val="000000"/>
                   </a:solidFill>
@@ -763,7 +749,7 @@
             </a:ln>
             <a:extLst>
               <a:ext uri="{91240B29-F687-4f45-9708-019B960494DF}">
-                <a14:hiddenLine xmlns="" xmlns:a14="http://schemas.microsoft.com/office/drawing/2010/main" w="9525">
+                <a14:hiddenLine xmlns:a14="http://schemas.microsoft.com/office/drawing/2010/main" xmlns="" w="9525">
                   <a:solidFill>
                     <a:srgbClr val="000000"/>
                   </a:solidFill>
@@ -825,7 +811,7 @@
             </a:ln>
             <a:extLst>
               <a:ext uri="{91240B29-F687-4f45-9708-019B960494DF}">
-                <a14:hiddenLine xmlns="" xmlns:a14="http://schemas.microsoft.com/office/drawing/2010/main" w="9525">
+                <a14:hiddenLine xmlns:a14="http://schemas.microsoft.com/office/drawing/2010/main" xmlns="" w="9525">
                   <a:solidFill>
                     <a:srgbClr val="000000"/>
                   </a:solidFill>
@@ -887,7 +873,7 @@
             </a:ln>
             <a:extLst>
               <a:ext uri="{91240B29-F687-4f45-9708-019B960494DF}">
-                <a14:hiddenLine xmlns="" xmlns:a14="http://schemas.microsoft.com/office/drawing/2010/main" w="9525">
+                <a14:hiddenLine xmlns:a14="http://schemas.microsoft.com/office/drawing/2010/main" xmlns="" w="9525">
                   <a:solidFill>
                     <a:srgbClr val="000000"/>
                   </a:solidFill>
@@ -977,7 +963,7 @@
             </a:ln>
             <a:extLst>
               <a:ext uri="{91240B29-F687-4f45-9708-019B960494DF}">
-                <a14:hiddenLine xmlns="" xmlns:a14="http://schemas.microsoft.com/office/drawing/2010/main" w="9525">
+                <a14:hiddenLine xmlns:a14="http://schemas.microsoft.com/office/drawing/2010/main" xmlns="" w="9525">
                   <a:solidFill>
                     <a:srgbClr val="000000"/>
                   </a:solidFill>
@@ -1067,7 +1053,7 @@
             </a:ln>
             <a:extLst>
               <a:ext uri="{91240B29-F687-4f45-9708-019B960494DF}">
-                <a14:hiddenLine xmlns="" xmlns:a14="http://schemas.microsoft.com/office/drawing/2010/main" w="9525">
+                <a14:hiddenLine xmlns:a14="http://schemas.microsoft.com/office/drawing/2010/main" xmlns="" w="9525">
                   <a:solidFill>
                     <a:srgbClr val="000000"/>
                   </a:solidFill>
@@ -1129,7 +1115,7 @@
             </a:ln>
             <a:extLst>
               <a:ext uri="{91240B29-F687-4f45-9708-019B960494DF}">
-                <a14:hiddenLine xmlns="" xmlns:a14="http://schemas.microsoft.com/office/drawing/2010/main" w="9525">
+                <a14:hiddenLine xmlns:a14="http://schemas.microsoft.com/office/drawing/2010/main" xmlns="" w="9525">
                   <a:solidFill>
                     <a:srgbClr val="000000"/>
                   </a:solidFill>
@@ -1239,7 +1225,7 @@
             </a:ln>
             <a:extLst>
               <a:ext uri="{91240B29-F687-4f45-9708-019B960494DF}">
-                <a14:hiddenLine xmlns="" xmlns:a14="http://schemas.microsoft.com/office/drawing/2010/main" w="9525">
+                <a14:hiddenLine xmlns:a14="http://schemas.microsoft.com/office/drawing/2010/main" xmlns="" w="9525">
                   <a:solidFill>
                     <a:srgbClr val="000000"/>
                   </a:solidFill>
@@ -1301,7 +1287,7 @@
             </a:ln>
             <a:extLst>
               <a:ext uri="{91240B29-F687-4f45-9708-019B960494DF}">
-                <a14:hiddenLine xmlns="" xmlns:a14="http://schemas.microsoft.com/office/drawing/2010/main" w="9525">
+                <a14:hiddenLine xmlns:a14="http://schemas.microsoft.com/office/drawing/2010/main" xmlns="" w="9525">
                   <a:solidFill>
                     <a:srgbClr val="000000"/>
                   </a:solidFill>
@@ -1391,7 +1377,7 @@
             </a:ln>
             <a:extLst>
               <a:ext uri="{91240B29-F687-4f45-9708-019B960494DF}">
-                <a14:hiddenLine xmlns="" xmlns:a14="http://schemas.microsoft.com/office/drawing/2010/main" w="9525">
+                <a14:hiddenLine xmlns:a14="http://schemas.microsoft.com/office/drawing/2010/main" xmlns="" w="9525">
                   <a:solidFill>
                     <a:srgbClr val="000000"/>
                   </a:solidFill>
@@ -1481,7 +1467,7 @@
             </a:ln>
             <a:extLst>
               <a:ext uri="{91240B29-F687-4f45-9708-019B960494DF}">
-                <a14:hiddenLine xmlns="" xmlns:a14="http://schemas.microsoft.com/office/drawing/2010/main" w="9525">
+                <a14:hiddenLine xmlns:a14="http://schemas.microsoft.com/office/drawing/2010/main" xmlns="" w="9525">
                   <a:solidFill>
                     <a:srgbClr val="000000"/>
                   </a:solidFill>
@@ -1543,7 +1529,7 @@
             </a:ln>
             <a:extLst>
               <a:ext uri="{91240B29-F687-4f45-9708-019B960494DF}">
-                <a14:hiddenLine xmlns="" xmlns:a14="http://schemas.microsoft.com/office/drawing/2010/main" w="9525">
+                <a14:hiddenLine xmlns:a14="http://schemas.microsoft.com/office/drawing/2010/main" xmlns="" w="9525">
                   <a:solidFill>
                     <a:srgbClr val="000000"/>
                   </a:solidFill>
@@ -1633,7 +1619,7 @@
             </a:ln>
             <a:extLst>
               <a:ext uri="{91240B29-F687-4f45-9708-019B960494DF}">
-                <a14:hiddenLine xmlns="" xmlns:a14="http://schemas.microsoft.com/office/drawing/2010/main" w="9525">
+                <a14:hiddenLine xmlns:a14="http://schemas.microsoft.com/office/drawing/2010/main" xmlns="" w="9525">
                   <a:solidFill>
                     <a:srgbClr val="000000"/>
                   </a:solidFill>
@@ -1723,7 +1709,7 @@
             </a:ln>
             <a:extLst>
               <a:ext uri="{91240B29-F687-4f45-9708-019B960494DF}">
-                <a14:hiddenLine xmlns="" xmlns:a14="http://schemas.microsoft.com/office/drawing/2010/main" w="9525">
+                <a14:hiddenLine xmlns:a14="http://schemas.microsoft.com/office/drawing/2010/main" xmlns="" w="9525">
                   <a:solidFill>
                     <a:srgbClr val="000000"/>
                   </a:solidFill>
@@ -1779,7 +1765,7 @@
             </a:ln>
             <a:extLst>
               <a:ext uri="{91240B29-F687-4f45-9708-019B960494DF}">
-                <a14:hiddenLine xmlns="" xmlns:a14="http://schemas.microsoft.com/office/drawing/2010/main" w="9525">
+                <a14:hiddenLine xmlns:a14="http://schemas.microsoft.com/office/drawing/2010/main" xmlns="" w="9525">
                   <a:solidFill>
                     <a:srgbClr val="000000"/>
                   </a:solidFill>
@@ -1869,7 +1855,7 @@
             </a:ln>
             <a:extLst>
               <a:ext uri="{91240B29-F687-4f45-9708-019B960494DF}">
-                <a14:hiddenLine xmlns="" xmlns:a14="http://schemas.microsoft.com/office/drawing/2010/main" w="9525">
+                <a14:hiddenLine xmlns:a14="http://schemas.microsoft.com/office/drawing/2010/main" xmlns="" w="9525">
                   <a:solidFill>
                     <a:srgbClr val="000000"/>
                   </a:solidFill>
@@ -1925,7 +1911,7 @@
             </a:ln>
             <a:extLst>
               <a:ext uri="{91240B29-F687-4f45-9708-019B960494DF}">
-                <a14:hiddenLine xmlns="" xmlns:a14="http://schemas.microsoft.com/office/drawing/2010/main" w="9525">
+                <a14:hiddenLine xmlns:a14="http://schemas.microsoft.com/office/drawing/2010/main" xmlns="" w="9525">
                   <a:solidFill>
                     <a:srgbClr val="000000"/>
                   </a:solidFill>
@@ -2015,7 +2001,7 @@
             </a:ln>
             <a:extLst>
               <a:ext uri="{91240B29-F687-4f45-9708-019B960494DF}">
-                <a14:hiddenLine xmlns="" xmlns:a14="http://schemas.microsoft.com/office/drawing/2010/main" w="9525">
+                <a14:hiddenLine xmlns:a14="http://schemas.microsoft.com/office/drawing/2010/main" xmlns="" w="9525">
                   <a:solidFill>
                     <a:srgbClr val="000000"/>
                   </a:solidFill>
@@ -2083,7 +2069,7 @@
             </a:ln>
             <a:extLst>
               <a:ext uri="{91240B29-F687-4f45-9708-019B960494DF}">
-                <a14:hiddenLine xmlns="" xmlns:a14="http://schemas.microsoft.com/office/drawing/2010/main" w="9525">
+                <a14:hiddenLine xmlns:a14="http://schemas.microsoft.com/office/drawing/2010/main" xmlns="" w="9525">
                   <a:solidFill>
                     <a:srgbClr val="000000"/>
                   </a:solidFill>
@@ -2173,7 +2159,7 @@
             </a:ln>
             <a:extLst>
               <a:ext uri="{91240B29-F687-4f45-9708-019B960494DF}">
-                <a14:hiddenLine xmlns="" xmlns:a14="http://schemas.microsoft.com/office/drawing/2010/main" w="9525">
+                <a14:hiddenLine xmlns:a14="http://schemas.microsoft.com/office/drawing/2010/main" xmlns="" w="9525">
                   <a:solidFill>
                     <a:srgbClr val="000000"/>
                   </a:solidFill>
@@ -2241,7 +2227,7 @@
             </a:ln>
             <a:extLst>
               <a:ext uri="{91240B29-F687-4f45-9708-019B960494DF}">
-                <a14:hiddenLine xmlns="" xmlns:a14="http://schemas.microsoft.com/office/drawing/2010/main" w="9525">
+                <a14:hiddenLine xmlns:a14="http://schemas.microsoft.com/office/drawing/2010/main" xmlns="" w="9525">
                   <a:solidFill>
                     <a:srgbClr val="000000"/>
                   </a:solidFill>
@@ -2331,7 +2317,7 @@
             </a:ln>
             <a:extLst>
               <a:ext uri="{91240B29-F687-4f45-9708-019B960494DF}">
-                <a14:hiddenLine xmlns="" xmlns:a14="http://schemas.microsoft.com/office/drawing/2010/main" w="9525">
+                <a14:hiddenLine xmlns:a14="http://schemas.microsoft.com/office/drawing/2010/main" xmlns="" w="9525">
                   <a:solidFill>
                     <a:srgbClr val="000000"/>
                   </a:solidFill>
@@ -2365,7 +2351,7 @@
             </a:ln>
             <a:extLst>
               <a:ext uri="{91240B29-F687-4f45-9708-019B960494DF}">
-                <a14:hiddenLine xmlns="" xmlns:a14="http://schemas.microsoft.com/office/drawing/2010/main" w="9525">
+                <a14:hiddenLine xmlns:a14="http://schemas.microsoft.com/office/drawing/2010/main" xmlns="" w="9525">
                   <a:solidFill>
                     <a:srgbClr val="000000"/>
                   </a:solidFill>
@@ -2455,7 +2441,7 @@
             </a:ln>
             <a:extLst>
               <a:ext uri="{91240B29-F687-4f45-9708-019B960494DF}">
-                <a14:hiddenLine xmlns="" xmlns:a14="http://schemas.microsoft.com/office/drawing/2010/main" w="9525">
+                <a14:hiddenLine xmlns:a14="http://schemas.microsoft.com/office/drawing/2010/main" xmlns="" w="9525">
                   <a:solidFill>
                     <a:srgbClr val="000000"/>
                   </a:solidFill>
@@ -2517,7 +2503,7 @@
             </a:ln>
             <a:extLst>
               <a:ext uri="{91240B29-F687-4f45-9708-019B960494DF}">
-                <a14:hiddenLine xmlns="" xmlns:a14="http://schemas.microsoft.com/office/drawing/2010/main" w="9525">
+                <a14:hiddenLine xmlns:a14="http://schemas.microsoft.com/office/drawing/2010/main" xmlns="" w="9525">
                   <a:solidFill>
                     <a:srgbClr val="000000"/>
                   </a:solidFill>
@@ -2579,7 +2565,7 @@
             </a:ln>
             <a:extLst>
               <a:ext uri="{91240B29-F687-4f45-9708-019B960494DF}">
-                <a14:hiddenLine xmlns="" xmlns:a14="http://schemas.microsoft.com/office/drawing/2010/main" w="9525">
+                <a14:hiddenLine xmlns:a14="http://schemas.microsoft.com/office/drawing/2010/main" xmlns="" w="9525">
                   <a:solidFill>
                     <a:srgbClr val="000000"/>
                   </a:solidFill>
@@ -2669,7 +2655,7 @@
             </a:ln>
             <a:extLst>
               <a:ext uri="{91240B29-F687-4f45-9708-019B960494DF}">
-                <a14:hiddenLine xmlns="" xmlns:a14="http://schemas.microsoft.com/office/drawing/2010/main" w="9525">
+                <a14:hiddenLine xmlns:a14="http://schemas.microsoft.com/office/drawing/2010/main" xmlns="" w="9525">
                   <a:solidFill>
                     <a:srgbClr val="000000"/>
                   </a:solidFill>
@@ -2737,7 +2723,7 @@
             </a:ln>
             <a:extLst>
               <a:ext uri="{91240B29-F687-4f45-9708-019B960494DF}">
-                <a14:hiddenLine xmlns="" xmlns:a14="http://schemas.microsoft.com/office/drawing/2010/main" w="9525">
+                <a14:hiddenLine xmlns:a14="http://schemas.microsoft.com/office/drawing/2010/main" xmlns="" w="9525">
                   <a:solidFill>
                     <a:srgbClr val="000000"/>
                   </a:solidFill>
@@ -2799,7 +2785,7 @@
             </a:ln>
             <a:extLst>
               <a:ext uri="{91240B29-F687-4f45-9708-019B960494DF}">
-                <a14:hiddenLine xmlns="" xmlns:a14="http://schemas.microsoft.com/office/drawing/2010/main" w="9525">
+                <a14:hiddenLine xmlns:a14="http://schemas.microsoft.com/office/drawing/2010/main" xmlns="" w="9525">
                   <a:solidFill>
                     <a:srgbClr val="000000"/>
                   </a:solidFill>
@@ -2889,7 +2875,7 @@
             </a:ln>
             <a:extLst>
               <a:ext uri="{91240B29-F687-4f45-9708-019B960494DF}">
-                <a14:hiddenLine xmlns="" xmlns:a14="http://schemas.microsoft.com/office/drawing/2010/main" w="9525">
+                <a14:hiddenLine xmlns:a14="http://schemas.microsoft.com/office/drawing/2010/main" xmlns="" w="9525">
                   <a:solidFill>
                     <a:srgbClr val="000000"/>
                   </a:solidFill>
@@ -2951,7 +2937,7 @@
             </a:ln>
             <a:extLst>
               <a:ext uri="{91240B29-F687-4f45-9708-019B960494DF}">
-                <a14:hiddenLine xmlns="" xmlns:a14="http://schemas.microsoft.com/office/drawing/2010/main" w="9525">
+                <a14:hiddenLine xmlns:a14="http://schemas.microsoft.com/office/drawing/2010/main" xmlns="" w="9525">
                   <a:solidFill>
                     <a:srgbClr val="000000"/>
                   </a:solidFill>
@@ -3041,7 +3027,7 @@
             </a:ln>
             <a:extLst>
               <a:ext uri="{91240B29-F687-4f45-9708-019B960494DF}">
-                <a14:hiddenLine xmlns="" xmlns:a14="http://schemas.microsoft.com/office/drawing/2010/main" w="9525">
+                <a14:hiddenLine xmlns:a14="http://schemas.microsoft.com/office/drawing/2010/main" xmlns="" w="9525">
                   <a:solidFill>
                     <a:srgbClr val="000000"/>
                   </a:solidFill>
@@ -3103,7 +3089,7 @@
             </a:ln>
             <a:extLst>
               <a:ext uri="{91240B29-F687-4f45-9708-019B960494DF}">
-                <a14:hiddenLine xmlns="" xmlns:a14="http://schemas.microsoft.com/office/drawing/2010/main" w="9525">
+                <a14:hiddenLine xmlns:a14="http://schemas.microsoft.com/office/drawing/2010/main" xmlns="" w="9525">
                   <a:solidFill>
                     <a:srgbClr val="000000"/>
                   </a:solidFill>
@@ -3193,7 +3179,7 @@
             </a:ln>
             <a:extLst>
               <a:ext uri="{91240B29-F687-4f45-9708-019B960494DF}">
-                <a14:hiddenLine xmlns="" xmlns:a14="http://schemas.microsoft.com/office/drawing/2010/main" w="9525">
+                <a14:hiddenLine xmlns:a14="http://schemas.microsoft.com/office/drawing/2010/main" xmlns="" w="9525">
                   <a:solidFill>
                     <a:srgbClr val="000000"/>
                   </a:solidFill>
@@ -3227,7 +3213,7 @@
             </a:ln>
             <a:extLst>
               <a:ext uri="{91240B29-F687-4f45-9708-019B960494DF}">
-                <a14:hiddenLine xmlns="" xmlns:a14="http://schemas.microsoft.com/office/drawing/2010/main" w="9525">
+                <a14:hiddenLine xmlns:a14="http://schemas.microsoft.com/office/drawing/2010/main" xmlns="" w="9525">
                   <a:solidFill>
                     <a:srgbClr val="000000"/>
                   </a:solidFill>
@@ -3292,7 +3278,7 @@
             </a:ln>
             <a:extLst>
               <a:ext uri="{91240B29-F687-4f45-9708-019B960494DF}">
-                <a14:hiddenLine xmlns="" xmlns:a14="http://schemas.microsoft.com/office/drawing/2010/main" w="9525">
+                <a14:hiddenLine xmlns:a14="http://schemas.microsoft.com/office/drawing/2010/main" xmlns="" w="9525">
                   <a:solidFill>
                     <a:srgbClr val="000000"/>
                   </a:solidFill>
@@ -3382,7 +3368,7 @@
             </a:ln>
             <a:extLst>
               <a:ext uri="{91240B29-F687-4f45-9708-019B960494DF}">
-                <a14:hiddenLine xmlns="" xmlns:a14="http://schemas.microsoft.com/office/drawing/2010/main" w="9525">
+                <a14:hiddenLine xmlns:a14="http://schemas.microsoft.com/office/drawing/2010/main" xmlns="" w="9525">
                   <a:solidFill>
                     <a:srgbClr val="000000"/>
                   </a:solidFill>
@@ -3444,7 +3430,7 @@
             </a:ln>
             <a:extLst>
               <a:ext uri="{91240B29-F687-4f45-9708-019B960494DF}">
-                <a14:hiddenLine xmlns="" xmlns:a14="http://schemas.microsoft.com/office/drawing/2010/main" w="9525">
+                <a14:hiddenLine xmlns:a14="http://schemas.microsoft.com/office/drawing/2010/main" xmlns="" w="9525">
                   <a:solidFill>
                     <a:srgbClr val="000000"/>
                   </a:solidFill>
@@ -3534,7 +3520,7 @@
             </a:ln>
             <a:extLst>
               <a:ext uri="{91240B29-F687-4f45-9708-019B960494DF}">
-                <a14:hiddenLine xmlns="" xmlns:a14="http://schemas.microsoft.com/office/drawing/2010/main" w="9525">
+                <a14:hiddenLine xmlns:a14="http://schemas.microsoft.com/office/drawing/2010/main" xmlns="" w="9525">
                   <a:solidFill>
                     <a:srgbClr val="000000"/>
                   </a:solidFill>
@@ -3624,7 +3610,7 @@
             </a:ln>
             <a:extLst>
               <a:ext uri="{91240B29-F687-4f45-9708-019B960494DF}">
-                <a14:hiddenLine xmlns="" xmlns:a14="http://schemas.microsoft.com/office/drawing/2010/main" w="9525">
+                <a14:hiddenLine xmlns:a14="http://schemas.microsoft.com/office/drawing/2010/main" xmlns="" w="9525">
                   <a:solidFill>
                     <a:srgbClr val="000000"/>
                   </a:solidFill>
@@ -3689,7 +3675,7 @@
             </a:ln>
             <a:extLst>
               <a:ext uri="{91240B29-F687-4f45-9708-019B960494DF}">
-                <a14:hiddenLine xmlns="" xmlns:a14="http://schemas.microsoft.com/office/drawing/2010/main" w="9525">
+                <a14:hiddenLine xmlns:a14="http://schemas.microsoft.com/office/drawing/2010/main" xmlns="" w="9525">
                   <a:solidFill>
                     <a:srgbClr val="000000"/>
                   </a:solidFill>
@@ -3751,7 +3737,7 @@
             </a:ln>
             <a:extLst>
               <a:ext uri="{91240B29-F687-4f45-9708-019B960494DF}">
-                <a14:hiddenLine xmlns="" xmlns:a14="http://schemas.microsoft.com/office/drawing/2010/main" w="9525">
+                <a14:hiddenLine xmlns:a14="http://schemas.microsoft.com/office/drawing/2010/main" xmlns="" w="9525">
                   <a:solidFill>
                     <a:srgbClr val="000000"/>
                   </a:solidFill>
@@ -3841,7 +3827,7 @@
             </a:ln>
             <a:extLst>
               <a:ext uri="{91240B29-F687-4f45-9708-019B960494DF}">
-                <a14:hiddenLine xmlns="" xmlns:a14="http://schemas.microsoft.com/office/drawing/2010/main" w="9525">
+                <a14:hiddenLine xmlns:a14="http://schemas.microsoft.com/office/drawing/2010/main" xmlns="" w="9525">
                   <a:solidFill>
                     <a:srgbClr val="000000"/>
                   </a:solidFill>
@@ -3931,7 +3917,7 @@
             </a:ln>
             <a:extLst>
               <a:ext uri="{91240B29-F687-4f45-9708-019B960494DF}">
-                <a14:hiddenLine xmlns="" xmlns:a14="http://schemas.microsoft.com/office/drawing/2010/main" w="9525">
+                <a14:hiddenLine xmlns:a14="http://schemas.microsoft.com/office/drawing/2010/main" xmlns="" w="9525">
                   <a:solidFill>
                     <a:srgbClr val="000000"/>
                   </a:solidFill>
@@ -3993,7 +3979,7 @@
             </a:ln>
             <a:extLst>
               <a:ext uri="{91240B29-F687-4f45-9708-019B960494DF}">
-                <a14:hiddenLine xmlns="" xmlns:a14="http://schemas.microsoft.com/office/drawing/2010/main" w="9525">
+                <a14:hiddenLine xmlns:a14="http://schemas.microsoft.com/office/drawing/2010/main" xmlns="" w="9525">
                   <a:solidFill>
                     <a:srgbClr val="000000"/>
                   </a:solidFill>
@@ -4113,7 +4099,7 @@
             </a:ln>
             <a:extLst>
               <a:ext uri="{91240B29-F687-4f45-9708-019B960494DF}">
-                <a14:hiddenLine xmlns="" xmlns:a14="http://schemas.microsoft.com/office/drawing/2010/main" w="9525">
+                <a14:hiddenLine xmlns:a14="http://schemas.microsoft.com/office/drawing/2010/main" xmlns="" w="9525">
                   <a:solidFill>
                     <a:srgbClr val="000000"/>
                   </a:solidFill>
@@ -4181,7 +4167,7 @@
             </a:ln>
             <a:extLst>
               <a:ext uri="{91240B29-F687-4f45-9708-019B960494DF}">
-                <a14:hiddenLine xmlns="" xmlns:a14="http://schemas.microsoft.com/office/drawing/2010/main" w="9525">
+                <a14:hiddenLine xmlns:a14="http://schemas.microsoft.com/office/drawing/2010/main" xmlns="" w="9525">
                   <a:solidFill>
                     <a:srgbClr val="000000"/>
                   </a:solidFill>
@@ -4271,7 +4257,7 @@
             </a:ln>
             <a:extLst>
               <a:ext uri="{91240B29-F687-4f45-9708-019B960494DF}">
-                <a14:hiddenLine xmlns="" xmlns:a14="http://schemas.microsoft.com/office/drawing/2010/main" w="9525">
+                <a14:hiddenLine xmlns:a14="http://schemas.microsoft.com/office/drawing/2010/main" xmlns="" w="9525">
                   <a:solidFill>
                     <a:srgbClr val="000000"/>
                   </a:solidFill>
@@ -9085,7 +9071,7 @@
           <a:noFill/>
           <a:extLst>
             <a:ext uri="{909E8E84-426E-40dd-AFC4-6F175D3DCCD1}">
-              <a14:hiddenFill xmlns="" xmlns:a14="http://schemas.microsoft.com/office/drawing/2010/main">
+              <a14:hiddenFill xmlns:a14="http://schemas.microsoft.com/office/drawing/2010/main" xmlns="">
                 <a:solidFill>
                   <a:srgbClr val="FFFFFF"/>
                 </a:solidFill>
@@ -9159,7 +9145,7 @@
               </a:ln>
               <a:extLst>
                 <a:ext uri="{91240B29-F687-4f45-9708-019B960494DF}">
-                  <a14:hiddenLine xmlns="" xmlns:a14="http://schemas.microsoft.com/office/drawing/2010/main" w="9525">
+                  <a14:hiddenLine xmlns:a14="http://schemas.microsoft.com/office/drawing/2010/main" xmlns="" w="9525">
                     <a:solidFill>
                       <a:srgbClr val="000000"/>
                     </a:solidFill>
@@ -9249,7 +9235,7 @@
               </a:ln>
               <a:extLst>
                 <a:ext uri="{91240B29-F687-4f45-9708-019B960494DF}">
-                  <a14:hiddenLine xmlns="" xmlns:a14="http://schemas.microsoft.com/office/drawing/2010/main" w="9525">
+                  <a14:hiddenLine xmlns:a14="http://schemas.microsoft.com/office/drawing/2010/main" xmlns="" w="9525">
                     <a:solidFill>
                       <a:srgbClr val="000000"/>
                     </a:solidFill>
@@ -9339,7 +9325,7 @@
               </a:ln>
               <a:extLst>
                 <a:ext uri="{91240B29-F687-4f45-9708-019B960494DF}">
-                  <a14:hiddenLine xmlns="" xmlns:a14="http://schemas.microsoft.com/office/drawing/2010/main" w="9525">
+                  <a14:hiddenLine xmlns:a14="http://schemas.microsoft.com/office/drawing/2010/main" xmlns="" w="9525">
                     <a:solidFill>
                       <a:srgbClr val="000000"/>
                     </a:solidFill>
@@ -9401,7 +9387,7 @@
               </a:ln>
               <a:extLst>
                 <a:ext uri="{91240B29-F687-4f45-9708-019B960494DF}">
-                  <a14:hiddenLine xmlns="" xmlns:a14="http://schemas.microsoft.com/office/drawing/2010/main" w="9525">
+                  <a14:hiddenLine xmlns:a14="http://schemas.microsoft.com/office/drawing/2010/main" xmlns="" w="9525">
                     <a:solidFill>
                       <a:srgbClr val="000000"/>
                     </a:solidFill>
@@ -9491,7 +9477,7 @@
               </a:ln>
               <a:extLst>
                 <a:ext uri="{91240B29-F687-4f45-9708-019B960494DF}">
-                  <a14:hiddenLine xmlns="" xmlns:a14="http://schemas.microsoft.com/office/drawing/2010/main" w="9525">
+                  <a14:hiddenLine xmlns:a14="http://schemas.microsoft.com/office/drawing/2010/main" xmlns="" w="9525">
                     <a:solidFill>
                       <a:srgbClr val="000000"/>
                     </a:solidFill>
@@ -9553,7 +9539,7 @@
               </a:ln>
               <a:extLst>
                 <a:ext uri="{91240B29-F687-4f45-9708-019B960494DF}">
-                  <a14:hiddenLine xmlns="" xmlns:a14="http://schemas.microsoft.com/office/drawing/2010/main" w="9525">
+                  <a14:hiddenLine xmlns:a14="http://schemas.microsoft.com/office/drawing/2010/main" xmlns="" w="9525">
                     <a:solidFill>
                       <a:srgbClr val="000000"/>
                     </a:solidFill>
@@ -9615,7 +9601,7 @@
               </a:ln>
               <a:extLst>
                 <a:ext uri="{91240B29-F687-4f45-9708-019B960494DF}">
-                  <a14:hiddenLine xmlns="" xmlns:a14="http://schemas.microsoft.com/office/drawing/2010/main" w="9525">
+                  <a14:hiddenLine xmlns:a14="http://schemas.microsoft.com/office/drawing/2010/main" xmlns="" w="9525">
                     <a:solidFill>
                       <a:srgbClr val="000000"/>
                     </a:solidFill>
@@ -9705,7 +9691,7 @@
               </a:ln>
               <a:extLst>
                 <a:ext uri="{91240B29-F687-4f45-9708-019B960494DF}">
-                  <a14:hiddenLine xmlns="" xmlns:a14="http://schemas.microsoft.com/office/drawing/2010/main" w="9525">
+                  <a14:hiddenLine xmlns:a14="http://schemas.microsoft.com/office/drawing/2010/main" xmlns="" w="9525">
                     <a:solidFill>
                       <a:srgbClr val="000000"/>
                     </a:solidFill>
@@ -9795,7 +9781,7 @@
               </a:ln>
               <a:extLst>
                 <a:ext uri="{91240B29-F687-4f45-9708-019B960494DF}">
-                  <a14:hiddenLine xmlns="" xmlns:a14="http://schemas.microsoft.com/office/drawing/2010/main" w="9525">
+                  <a14:hiddenLine xmlns:a14="http://schemas.microsoft.com/office/drawing/2010/main" xmlns="" w="9525">
                     <a:solidFill>
                       <a:srgbClr val="000000"/>
                     </a:solidFill>
@@ -9857,7 +9843,7 @@
               </a:ln>
               <a:extLst>
                 <a:ext uri="{91240B29-F687-4f45-9708-019B960494DF}">
-                  <a14:hiddenLine xmlns="" xmlns:a14="http://schemas.microsoft.com/office/drawing/2010/main" w="9525">
+                  <a14:hiddenLine xmlns:a14="http://schemas.microsoft.com/office/drawing/2010/main" xmlns="" w="9525">
                     <a:solidFill>
                       <a:srgbClr val="000000"/>
                     </a:solidFill>
@@ -9967,7 +9953,7 @@
               </a:ln>
               <a:extLst>
                 <a:ext uri="{91240B29-F687-4f45-9708-019B960494DF}">
-                  <a14:hiddenLine xmlns="" xmlns:a14="http://schemas.microsoft.com/office/drawing/2010/main" w="9525">
+                  <a14:hiddenLine xmlns:a14="http://schemas.microsoft.com/office/drawing/2010/main" xmlns="" w="9525">
                     <a:solidFill>
                       <a:srgbClr val="000000"/>
                     </a:solidFill>
@@ -10051,7 +10037,7 @@
               </a:ln>
               <a:extLst>
                 <a:ext uri="{91240B29-F687-4f45-9708-019B960494DF}">
-                  <a14:hiddenLine xmlns="" xmlns:a14="http://schemas.microsoft.com/office/drawing/2010/main" w="9525">
+                  <a14:hiddenLine xmlns:a14="http://schemas.microsoft.com/office/drawing/2010/main" xmlns="" w="9525">
                     <a:solidFill>
                       <a:srgbClr val="000000"/>
                     </a:solidFill>
@@ -10113,7 +10099,7 @@
               </a:ln>
               <a:extLst>
                 <a:ext uri="{91240B29-F687-4f45-9708-019B960494DF}">
-                  <a14:hiddenLine xmlns="" xmlns:a14="http://schemas.microsoft.com/office/drawing/2010/main" w="9525">
+                  <a14:hiddenLine xmlns:a14="http://schemas.microsoft.com/office/drawing/2010/main" xmlns="" w="9525">
                     <a:solidFill>
                       <a:srgbClr val="000000"/>
                     </a:solidFill>
@@ -10175,7 +10161,7 @@
               </a:ln>
               <a:extLst>
                 <a:ext uri="{91240B29-F687-4f45-9708-019B960494DF}">
-                  <a14:hiddenLine xmlns="" xmlns:a14="http://schemas.microsoft.com/office/drawing/2010/main" w="9525">
+                  <a14:hiddenLine xmlns:a14="http://schemas.microsoft.com/office/drawing/2010/main" xmlns="" w="9525">
                     <a:solidFill>
                       <a:srgbClr val="000000"/>
                     </a:solidFill>
@@ -10265,7 +10251,7 @@
               </a:ln>
               <a:extLst>
                 <a:ext uri="{91240B29-F687-4f45-9708-019B960494DF}">
-                  <a14:hiddenLine xmlns="" xmlns:a14="http://schemas.microsoft.com/office/drawing/2010/main" w="9525">
+                  <a14:hiddenLine xmlns:a14="http://schemas.microsoft.com/office/drawing/2010/main" xmlns="" w="9525">
                     <a:solidFill>
                       <a:srgbClr val="000000"/>
                     </a:solidFill>
@@ -10299,7 +10285,7 @@
               </a:ln>
               <a:extLst>
                 <a:ext uri="{91240B29-F687-4f45-9708-019B960494DF}">
-                  <a14:hiddenLine xmlns="" xmlns:a14="http://schemas.microsoft.com/office/drawing/2010/main" w="9525">
+                  <a14:hiddenLine xmlns:a14="http://schemas.microsoft.com/office/drawing/2010/main" xmlns="" w="9525">
                     <a:solidFill>
                       <a:srgbClr val="000000"/>
                     </a:solidFill>
@@ -10364,7 +10350,7 @@
               </a:ln>
               <a:extLst>
                 <a:ext uri="{91240B29-F687-4f45-9708-019B960494DF}">
-                  <a14:hiddenLine xmlns="" xmlns:a14="http://schemas.microsoft.com/office/drawing/2010/main" w="9525">
+                  <a14:hiddenLine xmlns:a14="http://schemas.microsoft.com/office/drawing/2010/main" xmlns="" w="9525">
                     <a:solidFill>
                       <a:srgbClr val="000000"/>
                     </a:solidFill>
@@ -10454,7 +10440,7 @@
               </a:ln>
               <a:extLst>
                 <a:ext uri="{91240B29-F687-4f45-9708-019B960494DF}">
-                  <a14:hiddenLine xmlns="" xmlns:a14="http://schemas.microsoft.com/office/drawing/2010/main" w="9525">
+                  <a14:hiddenLine xmlns:a14="http://schemas.microsoft.com/office/drawing/2010/main" xmlns="" w="9525">
                     <a:solidFill>
                       <a:srgbClr val="000000"/>
                     </a:solidFill>
@@ -10516,7 +10502,7 @@
               </a:ln>
               <a:extLst>
                 <a:ext uri="{91240B29-F687-4f45-9708-019B960494DF}">
-                  <a14:hiddenLine xmlns="" xmlns:a14="http://schemas.microsoft.com/office/drawing/2010/main" w="9525">
+                  <a14:hiddenLine xmlns:a14="http://schemas.microsoft.com/office/drawing/2010/main" xmlns="" w="9525">
                     <a:solidFill>
                       <a:srgbClr val="000000"/>
                     </a:solidFill>
@@ -10606,7 +10592,7 @@
               </a:ln>
               <a:extLst>
                 <a:ext uri="{91240B29-F687-4f45-9708-019B960494DF}">
-                  <a14:hiddenLine xmlns="" xmlns:a14="http://schemas.microsoft.com/office/drawing/2010/main" w="9525">
+                  <a14:hiddenLine xmlns:a14="http://schemas.microsoft.com/office/drawing/2010/main" xmlns="" w="9525">
                     <a:solidFill>
                       <a:srgbClr val="000000"/>
                     </a:solidFill>
@@ -10671,7 +10657,7 @@
               </a:ln>
               <a:extLst>
                 <a:ext uri="{91240B29-F687-4f45-9708-019B960494DF}">
-                  <a14:hiddenLine xmlns="" xmlns:a14="http://schemas.microsoft.com/office/drawing/2010/main" w="9525">
+                  <a14:hiddenLine xmlns:a14="http://schemas.microsoft.com/office/drawing/2010/main" xmlns="" w="9525">
                     <a:solidFill>
                       <a:srgbClr val="000000"/>
                     </a:solidFill>
@@ -10733,7 +10719,7 @@
               </a:ln>
               <a:extLst>
                 <a:ext uri="{91240B29-F687-4f45-9708-019B960494DF}">
-                  <a14:hiddenLine xmlns="" xmlns:a14="http://schemas.microsoft.com/office/drawing/2010/main" w="9525">
+                  <a14:hiddenLine xmlns:a14="http://schemas.microsoft.com/office/drawing/2010/main" xmlns="" w="9525">
                     <a:solidFill>
                       <a:srgbClr val="000000"/>
                     </a:solidFill>
@@ -10823,7 +10809,7 @@
               </a:ln>
               <a:extLst>
                 <a:ext uri="{91240B29-F687-4f45-9708-019B960494DF}">
-                  <a14:hiddenLine xmlns="" xmlns:a14="http://schemas.microsoft.com/office/drawing/2010/main" w="9525">
+                  <a14:hiddenLine xmlns:a14="http://schemas.microsoft.com/office/drawing/2010/main" xmlns="" w="9525">
                     <a:solidFill>
                       <a:srgbClr val="000000"/>
                     </a:solidFill>
@@ -10913,7 +10899,7 @@
               </a:ln>
               <a:extLst>
                 <a:ext uri="{91240B29-F687-4f45-9708-019B960494DF}">
-                  <a14:hiddenLine xmlns="" xmlns:a14="http://schemas.microsoft.com/office/drawing/2010/main" w="9525">
+                  <a14:hiddenLine xmlns:a14="http://schemas.microsoft.com/office/drawing/2010/main" xmlns="" w="9525">
                     <a:solidFill>
                       <a:srgbClr val="000000"/>
                     </a:solidFill>
@@ -10978,7 +10964,7 @@
               </a:ln>
               <a:extLst>
                 <a:ext uri="{91240B29-F687-4f45-9708-019B960494DF}">
-                  <a14:hiddenLine xmlns="" xmlns:a14="http://schemas.microsoft.com/office/drawing/2010/main" w="9525">
+                  <a14:hiddenLine xmlns:a14="http://schemas.microsoft.com/office/drawing/2010/main" xmlns="" w="9525">
                     <a:solidFill>
                       <a:srgbClr val="000000"/>
                     </a:solidFill>
@@ -11098,7 +11084,7 @@
               </a:ln>
               <a:extLst>
                 <a:ext uri="{91240B29-F687-4f45-9708-019B960494DF}">
-                  <a14:hiddenLine xmlns="" xmlns:a14="http://schemas.microsoft.com/office/drawing/2010/main" w="9525">
+                  <a14:hiddenLine xmlns:a14="http://schemas.microsoft.com/office/drawing/2010/main" xmlns="" w="9525">
                     <a:solidFill>
                       <a:srgbClr val="000000"/>
                     </a:solidFill>
@@ -11179,7 +11165,7 @@
               </a:ln>
               <a:extLst>
                 <a:ext uri="{91240B29-F687-4f45-9708-019B960494DF}">
-                  <a14:hiddenLine xmlns="" xmlns:a14="http://schemas.microsoft.com/office/drawing/2010/main" w="9525">
+                  <a14:hiddenLine xmlns:a14="http://schemas.microsoft.com/office/drawing/2010/main" xmlns="" w="9525">
                     <a:solidFill>
                       <a:srgbClr val="000000"/>
                     </a:solidFill>
@@ -11294,7 +11280,7 @@
               </a:ln>
               <a:extLst>
                 <a:ext uri="{91240B29-F687-4f45-9708-019B960494DF}">
-                  <a14:hiddenLine xmlns="" xmlns:a14="http://schemas.microsoft.com/office/drawing/2010/main" w="9525">
+                  <a14:hiddenLine xmlns:a14="http://schemas.microsoft.com/office/drawing/2010/main" xmlns="" w="9525">
                     <a:solidFill>
                       <a:srgbClr val="000000"/>
                     </a:solidFill>
@@ -11384,7 +11370,7 @@
               </a:ln>
               <a:extLst>
                 <a:ext uri="{91240B29-F687-4f45-9708-019B960494DF}">
-                  <a14:hiddenLine xmlns="" xmlns:a14="http://schemas.microsoft.com/office/drawing/2010/main" w="9525">
+                  <a14:hiddenLine xmlns:a14="http://schemas.microsoft.com/office/drawing/2010/main" xmlns="" w="9525">
                     <a:solidFill>
                       <a:srgbClr val="000000"/>
                     </a:solidFill>
@@ -11449,7 +11435,7 @@
               </a:ln>
               <a:extLst>
                 <a:ext uri="{91240B29-F687-4f45-9708-019B960494DF}">
-                  <a14:hiddenLine xmlns="" xmlns:a14="http://schemas.microsoft.com/office/drawing/2010/main" w="9525">
+                  <a14:hiddenLine xmlns:a14="http://schemas.microsoft.com/office/drawing/2010/main" xmlns="" w="9525">
                     <a:solidFill>
                       <a:srgbClr val="000000"/>
                     </a:solidFill>
@@ -11539,7 +11525,7 @@
               </a:ln>
               <a:extLst>
                 <a:ext uri="{91240B29-F687-4f45-9708-019B960494DF}">
-                  <a14:hiddenLine xmlns="" xmlns:a14="http://schemas.microsoft.com/office/drawing/2010/main" w="9525">
+                  <a14:hiddenLine xmlns:a14="http://schemas.microsoft.com/office/drawing/2010/main" xmlns="" w="9525">
                     <a:solidFill>
                       <a:srgbClr val="000000"/>
                     </a:solidFill>
@@ -11607,7 +11593,7 @@
               </a:ln>
               <a:extLst>
                 <a:ext uri="{91240B29-F687-4f45-9708-019B960494DF}">
-                  <a14:hiddenLine xmlns="" xmlns:a14="http://schemas.microsoft.com/office/drawing/2010/main" w="9525">
+                  <a14:hiddenLine xmlns:a14="http://schemas.microsoft.com/office/drawing/2010/main" xmlns="" w="9525">
                     <a:solidFill>
                       <a:srgbClr val="000000"/>
                     </a:solidFill>
@@ -11697,7 +11683,7 @@
               </a:ln>
               <a:extLst>
                 <a:ext uri="{91240B29-F687-4f45-9708-019B960494DF}">
-                  <a14:hiddenLine xmlns="" xmlns:a14="http://schemas.microsoft.com/office/drawing/2010/main" w="9525">
+                  <a14:hiddenLine xmlns:a14="http://schemas.microsoft.com/office/drawing/2010/main" xmlns="" w="9525">
                     <a:solidFill>
                       <a:srgbClr val="000000"/>
                     </a:solidFill>
@@ -11765,7 +11751,7 @@
               </a:ln>
               <a:extLst>
                 <a:ext uri="{91240B29-F687-4f45-9708-019B960494DF}">
-                  <a14:hiddenLine xmlns="" xmlns:a14="http://schemas.microsoft.com/office/drawing/2010/main" w="9525">
+                  <a14:hiddenLine xmlns:a14="http://schemas.microsoft.com/office/drawing/2010/main" xmlns="" w="9525">
                     <a:solidFill>
                       <a:srgbClr val="000000"/>
                     </a:solidFill>
@@ -11855,7 +11841,7 @@
               </a:ln>
               <a:extLst>
                 <a:ext uri="{91240B29-F687-4f45-9708-019B960494DF}">
-                  <a14:hiddenLine xmlns="" xmlns:a14="http://schemas.microsoft.com/office/drawing/2010/main" w="9525">
+                  <a14:hiddenLine xmlns:a14="http://schemas.microsoft.com/office/drawing/2010/main" xmlns="" w="9525">
                     <a:solidFill>
                       <a:srgbClr val="000000"/>
                     </a:solidFill>
@@ -11889,7 +11875,7 @@
               </a:ln>
               <a:extLst>
                 <a:ext uri="{91240B29-F687-4f45-9708-019B960494DF}">
-                  <a14:hiddenLine xmlns="" xmlns:a14="http://schemas.microsoft.com/office/drawing/2010/main" w="9525">
+                  <a14:hiddenLine xmlns:a14="http://schemas.microsoft.com/office/drawing/2010/main" xmlns="" w="9525">
                     <a:solidFill>
                       <a:srgbClr val="000000"/>
                     </a:solidFill>
@@ -12564,1625 +12550,6 @@
 </p:sld>
 </file>
 
-<file path=ppt/slides/slide10.xml><?xml version="1.0" encoding="utf-8"?>
-<p:sld xmlns:a="http://schemas.openxmlformats.org/drawingml/2006/main" xmlns:r="http://schemas.openxmlformats.org/officeDocument/2006/relationships" xmlns:p="http://schemas.openxmlformats.org/presentationml/2006/main">
-  <p:cSld>
-    <p:spTree>
-      <p:nvGrpSpPr>
-        <p:cNvPr id="1" name=""/>
-        <p:cNvGrpSpPr/>
-        <p:nvPr/>
-      </p:nvGrpSpPr>
-      <p:grpSpPr>
-        <a:xfrm>
-          <a:off x="0" y="0"/>
-          <a:ext cx="0" cy="0"/>
-          <a:chOff x="0" y="0"/>
-          <a:chExt cx="0" cy="0"/>
-        </a:xfrm>
-      </p:grpSpPr>
-      <p:sp>
-        <p:nvSpPr>
-          <p:cNvPr id="5" name="Title 4"/>
-          <p:cNvSpPr>
-            <a:spLocks noGrp="1"/>
-          </p:cNvSpPr>
-          <p:nvPr>
-            <p:ph type="title"/>
-          </p:nvPr>
-        </p:nvSpPr>
-        <p:spPr/>
-        <p:txBody>
-          <a:bodyPr/>
-          <a:lstStyle/>
-          <a:p>
-            <a:r>
-              <a:rPr lang="en-US" dirty="0" smtClean="0"/>
-              <a:t>Tags</a:t>
-            </a:r>
-            <a:endParaRPr lang="en-US" dirty="0"/>
-          </a:p>
-        </p:txBody>
-      </p:sp>
-      <p:sp>
-        <p:nvSpPr>
-          <p:cNvPr id="6" name="Content Placeholder 5"/>
-          <p:cNvSpPr>
-            <a:spLocks noGrp="1"/>
-          </p:cNvSpPr>
-          <p:nvPr>
-            <p:ph idx="1"/>
-          </p:nvPr>
-        </p:nvSpPr>
-        <p:spPr/>
-        <p:txBody>
-          <a:bodyPr/>
-          <a:lstStyle/>
-          <a:p>
-            <a:r>
-              <a:rPr lang="en-US" dirty="0" smtClean="0"/>
-              <a:t>Tags always surrounded by &lt; and &gt;</a:t>
-            </a:r>
-          </a:p>
-          <a:p>
-            <a:r>
-              <a:rPr lang="en-US" dirty="0" smtClean="0"/>
-              <a:t>Different tags designate different things:</a:t>
-            </a:r>
-          </a:p>
-          <a:p>
-            <a:pPr lvl="1"/>
-            <a:r>
-              <a:rPr lang="en-US" dirty="0" smtClean="0"/>
-              <a:t>&lt;p&gt; designates a paragraph</a:t>
-            </a:r>
-          </a:p>
-          <a:p>
-            <a:pPr lvl="1"/>
-            <a:r>
-              <a:rPr lang="en-US" dirty="0" smtClean="0"/>
-              <a:t>&lt;title&gt; designates the web page title</a:t>
-            </a:r>
-          </a:p>
-          <a:p>
-            <a:pPr lvl="1"/>
-            <a:r>
-              <a:rPr lang="en-US" dirty="0" smtClean="0"/>
-              <a:t>&lt;h1&gt; designates a level-1 header</a:t>
-            </a:r>
-            <a:endParaRPr lang="en-US" dirty="0"/>
-          </a:p>
-        </p:txBody>
-      </p:sp>
-    </p:spTree>
-    <p:extLst>
-      <p:ext uri="{BB962C8B-B14F-4D97-AF65-F5344CB8AC3E}">
-        <p14:creationId xmlns:p14="http://schemas.microsoft.com/office/powerpoint/2010/main" val="2584072282"/>
-      </p:ext>
-    </p:extLst>
-  </p:cSld>
-  <p:clrMapOvr>
-    <a:masterClrMapping/>
-  </p:clrMapOvr>
-</p:sld>
-</file>
-
-<file path=ppt/slides/slide11.xml><?xml version="1.0" encoding="utf-8"?>
-<p:sld xmlns:a="http://schemas.openxmlformats.org/drawingml/2006/main" xmlns:r="http://schemas.openxmlformats.org/officeDocument/2006/relationships" xmlns:p="http://schemas.openxmlformats.org/presentationml/2006/main">
-  <p:cSld>
-    <p:spTree>
-      <p:nvGrpSpPr>
-        <p:cNvPr id="1" name=""/>
-        <p:cNvGrpSpPr/>
-        <p:nvPr/>
-      </p:nvGrpSpPr>
-      <p:grpSpPr>
-        <a:xfrm>
-          <a:off x="0" y="0"/>
-          <a:ext cx="0" cy="0"/>
-          <a:chOff x="0" y="0"/>
-          <a:chExt cx="0" cy="0"/>
-        </a:xfrm>
-      </p:grpSpPr>
-      <p:sp>
-        <p:nvSpPr>
-          <p:cNvPr id="2" name="Title 1"/>
-          <p:cNvSpPr>
-            <a:spLocks noGrp="1"/>
-          </p:cNvSpPr>
-          <p:nvPr>
-            <p:ph type="title"/>
-          </p:nvPr>
-        </p:nvSpPr>
-        <p:spPr/>
-        <p:txBody>
-          <a:bodyPr/>
-          <a:lstStyle/>
-          <a:p>
-            <a:r>
-              <a:rPr lang="en-US" dirty="0" smtClean="0"/>
-              <a:t>Opening and Closing Tags</a:t>
-            </a:r>
-            <a:endParaRPr lang="en-US" dirty="0"/>
-          </a:p>
-        </p:txBody>
-      </p:sp>
-      <p:sp>
-        <p:nvSpPr>
-          <p:cNvPr id="3" name="Content Placeholder 2"/>
-          <p:cNvSpPr>
-            <a:spLocks noGrp="1"/>
-          </p:cNvSpPr>
-          <p:nvPr>
-            <p:ph idx="1"/>
-          </p:nvPr>
-        </p:nvSpPr>
-        <p:spPr/>
-        <p:txBody>
-          <a:bodyPr/>
-          <a:lstStyle/>
-          <a:p>
-            <a:r>
-              <a:rPr lang="en-US" dirty="0" smtClean="0"/>
-              <a:t>Most tags require an “opening” tag:</a:t>
-            </a:r>
-            <a:br>
-              <a:rPr lang="en-US" dirty="0" smtClean="0"/>
-            </a:br>
-            <a:r>
-              <a:rPr lang="en-US" dirty="0" smtClean="0"/>
-              <a:t>&lt;title&gt;</a:t>
-            </a:r>
-            <a:r>
-              <a:rPr lang="en-US" dirty="0"/>
-              <a:t/>
-            </a:r>
-            <a:br>
-              <a:rPr lang="en-US" dirty="0"/>
-            </a:br>
-            <a:r>
-              <a:rPr lang="en-US" dirty="0" smtClean="0"/>
-              <a:t>and an “closing” tag:</a:t>
-            </a:r>
-            <a:br>
-              <a:rPr lang="en-US" dirty="0" smtClean="0"/>
-            </a:br>
-            <a:r>
-              <a:rPr lang="en-US" dirty="0" smtClean="0"/>
-              <a:t>&lt;/title&gt;</a:t>
-            </a:r>
-          </a:p>
-          <a:p>
-            <a:r>
-              <a:rPr lang="en-US" dirty="0" smtClean="0"/>
-              <a:t>The content goes between them:</a:t>
-            </a:r>
-            <a:br>
-              <a:rPr lang="en-US" dirty="0" smtClean="0"/>
-            </a:br>
-            <a:r>
-              <a:rPr lang="en-US" dirty="0" smtClean="0"/>
-              <a:t>&lt;title&gt;My Web Page Title&lt;/title&gt;</a:t>
-            </a:r>
-          </a:p>
-        </p:txBody>
-      </p:sp>
-    </p:spTree>
-    <p:extLst>
-      <p:ext uri="{BB962C8B-B14F-4D97-AF65-F5344CB8AC3E}">
-        <p14:creationId xmlns:p14="http://schemas.microsoft.com/office/powerpoint/2010/main" val="1686527075"/>
-      </p:ext>
-    </p:extLst>
-  </p:cSld>
-  <p:clrMapOvr>
-    <a:masterClrMapping/>
-  </p:clrMapOvr>
-</p:sld>
-</file>
-
-<file path=ppt/slides/slide12.xml><?xml version="1.0" encoding="utf-8"?>
-<p:sld xmlns:a="http://schemas.openxmlformats.org/drawingml/2006/main" xmlns:r="http://schemas.openxmlformats.org/officeDocument/2006/relationships" xmlns:p="http://schemas.openxmlformats.org/presentationml/2006/main">
-  <p:cSld>
-    <p:spTree>
-      <p:nvGrpSpPr>
-        <p:cNvPr id="1" name=""/>
-        <p:cNvGrpSpPr/>
-        <p:nvPr/>
-      </p:nvGrpSpPr>
-      <p:grpSpPr>
-        <a:xfrm>
-          <a:off x="0" y="0"/>
-          <a:ext cx="0" cy="0"/>
-          <a:chOff x="0" y="0"/>
-          <a:chExt cx="0" cy="0"/>
-        </a:xfrm>
-      </p:grpSpPr>
-      <p:sp>
-        <p:nvSpPr>
-          <p:cNvPr id="2" name="Title 1"/>
-          <p:cNvSpPr>
-            <a:spLocks noGrp="1"/>
-          </p:cNvSpPr>
-          <p:nvPr>
-            <p:ph type="title"/>
-          </p:nvPr>
-        </p:nvSpPr>
-        <p:spPr/>
-        <p:txBody>
-          <a:bodyPr/>
-          <a:lstStyle/>
-          <a:p>
-            <a:r>
-              <a:rPr lang="en-US" dirty="0" smtClean="0"/>
-              <a:t>Elements</a:t>
-            </a:r>
-            <a:endParaRPr lang="en-US" dirty="0"/>
-          </a:p>
-        </p:txBody>
-      </p:sp>
-      <p:sp>
-        <p:nvSpPr>
-          <p:cNvPr id="3" name="Content Placeholder 2"/>
-          <p:cNvSpPr>
-            <a:spLocks noGrp="1"/>
-          </p:cNvSpPr>
-          <p:nvPr>
-            <p:ph idx="1"/>
-          </p:nvPr>
-        </p:nvSpPr>
-        <p:spPr/>
-        <p:txBody>
-          <a:bodyPr/>
-          <a:lstStyle/>
-          <a:p>
-            <a:r>
-              <a:rPr lang="en-US" dirty="0" smtClean="0"/>
-              <a:t>The Opening and Closing tags, and everything in between them, is considered an </a:t>
-            </a:r>
-            <a:r>
-              <a:rPr lang="en-US" i="1" dirty="0" smtClean="0"/>
-              <a:t>Element</a:t>
-            </a:r>
-            <a:r>
-              <a:rPr lang="en-US" dirty="0" smtClean="0"/>
-              <a:t>.</a:t>
-            </a:r>
-          </a:p>
-          <a:p>
-            <a:r>
-              <a:rPr lang="en-US" dirty="0" smtClean="0"/>
-              <a:t>P element:  &lt;p&gt;My paragraph of text.&lt;/p&gt;</a:t>
-            </a:r>
-          </a:p>
-          <a:p>
-            <a:r>
-              <a:rPr lang="en-US" dirty="0" smtClean="0"/>
-              <a:t>Button element: &lt;button&gt;Click me!&lt;/button&gt;</a:t>
-            </a:r>
-            <a:endParaRPr lang="en-US" dirty="0"/>
-          </a:p>
-        </p:txBody>
-      </p:sp>
-    </p:spTree>
-    <p:extLst>
-      <p:ext uri="{BB962C8B-B14F-4D97-AF65-F5344CB8AC3E}">
-        <p14:creationId xmlns:p14="http://schemas.microsoft.com/office/powerpoint/2010/main" val="3160426877"/>
-      </p:ext>
-    </p:extLst>
-  </p:cSld>
-  <p:clrMapOvr>
-    <a:masterClrMapping/>
-  </p:clrMapOvr>
-</p:sld>
-</file>
-
-<file path=ppt/slides/slide13.xml><?xml version="1.0" encoding="utf-8"?>
-<p:sld xmlns:a="http://schemas.openxmlformats.org/drawingml/2006/main" xmlns:r="http://schemas.openxmlformats.org/officeDocument/2006/relationships" xmlns:p="http://schemas.openxmlformats.org/presentationml/2006/main">
-  <p:cSld>
-    <p:spTree>
-      <p:nvGrpSpPr>
-        <p:cNvPr id="1" name=""/>
-        <p:cNvGrpSpPr/>
-        <p:nvPr/>
-      </p:nvGrpSpPr>
-      <p:grpSpPr>
-        <a:xfrm>
-          <a:off x="0" y="0"/>
-          <a:ext cx="0" cy="0"/>
-          <a:chOff x="0" y="0"/>
-          <a:chExt cx="0" cy="0"/>
-        </a:xfrm>
-      </p:grpSpPr>
-      <p:sp>
-        <p:nvSpPr>
-          <p:cNvPr id="2" name="Title 1"/>
-          <p:cNvSpPr>
-            <a:spLocks noGrp="1"/>
-          </p:cNvSpPr>
-          <p:nvPr>
-            <p:ph type="title"/>
-          </p:nvPr>
-        </p:nvSpPr>
-        <p:spPr/>
-        <p:txBody>
-          <a:bodyPr/>
-          <a:lstStyle/>
-          <a:p>
-            <a:r>
-              <a:rPr lang="en-US" dirty="0" smtClean="0"/>
-              <a:t>Attributes</a:t>
-            </a:r>
-            <a:endParaRPr lang="en-US" dirty="0"/>
-          </a:p>
-        </p:txBody>
-      </p:sp>
-      <p:sp>
-        <p:nvSpPr>
-          <p:cNvPr id="3" name="Content Placeholder 2"/>
-          <p:cNvSpPr>
-            <a:spLocks noGrp="1"/>
-          </p:cNvSpPr>
-          <p:nvPr>
-            <p:ph idx="1"/>
-          </p:nvPr>
-        </p:nvSpPr>
-        <p:spPr/>
-        <p:txBody>
-          <a:bodyPr/>
-          <a:lstStyle/>
-          <a:p>
-            <a:r>
-              <a:rPr lang="en-US" dirty="0" smtClean="0"/>
-              <a:t>Attributes go inside a tag to further define it:</a:t>
-            </a:r>
-            <a:br>
-              <a:rPr lang="en-US" dirty="0" smtClean="0"/>
-            </a:br>
-            <a:r>
-              <a:rPr lang="en-US" dirty="0" smtClean="0"/>
-              <a:t>&lt;div class="text-center"&gt;</a:t>
-            </a:r>
-            <a:br>
-              <a:rPr lang="en-US" dirty="0" smtClean="0"/>
-            </a:br>
-            <a:r>
-              <a:rPr lang="en-US" dirty="0" smtClean="0"/>
-              <a:t>&lt;</a:t>
-            </a:r>
-            <a:r>
-              <a:rPr lang="en-US" dirty="0" err="1" smtClean="0"/>
-              <a:t>img</a:t>
-            </a:r>
-            <a:r>
-              <a:rPr lang="en-US" dirty="0" smtClean="0"/>
-              <a:t> </a:t>
-            </a:r>
-            <a:r>
-              <a:rPr lang="en-US" dirty="0" err="1" smtClean="0"/>
-              <a:t>src</a:t>
-            </a:r>
-            <a:r>
-              <a:rPr lang="en-US" dirty="0" smtClean="0"/>
-              <a:t>="images/logo.png"&gt;</a:t>
-            </a:r>
-          </a:p>
-          <a:p>
-            <a:r>
-              <a:rPr lang="en-US" dirty="0" smtClean="0"/>
-              <a:t>Attributes are always put on opening tags; never on closing tags</a:t>
-            </a:r>
-            <a:endParaRPr lang="en-US" dirty="0"/>
-          </a:p>
-        </p:txBody>
-      </p:sp>
-    </p:spTree>
-    <p:extLst>
-      <p:ext uri="{BB962C8B-B14F-4D97-AF65-F5344CB8AC3E}">
-        <p14:creationId xmlns:p14="http://schemas.microsoft.com/office/powerpoint/2010/main" val="325708060"/>
-      </p:ext>
-    </p:extLst>
-  </p:cSld>
-  <p:clrMapOvr>
-    <a:masterClrMapping/>
-  </p:clrMapOvr>
-</p:sld>
-</file>
-
-<file path=ppt/slides/slide14.xml><?xml version="1.0" encoding="utf-8"?>
-<p:sld xmlns:a="http://schemas.openxmlformats.org/drawingml/2006/main" xmlns:r="http://schemas.openxmlformats.org/officeDocument/2006/relationships" xmlns:p="http://schemas.openxmlformats.org/presentationml/2006/main">
-  <p:cSld>
-    <p:spTree>
-      <p:nvGrpSpPr>
-        <p:cNvPr id="1" name=""/>
-        <p:cNvGrpSpPr/>
-        <p:nvPr/>
-      </p:nvGrpSpPr>
-      <p:grpSpPr>
-        <a:xfrm>
-          <a:off x="0" y="0"/>
-          <a:ext cx="0" cy="0"/>
-          <a:chOff x="0" y="0"/>
-          <a:chExt cx="0" cy="0"/>
-        </a:xfrm>
-      </p:grpSpPr>
-      <p:sp>
-        <p:nvSpPr>
-          <p:cNvPr id="2" name="Title 1"/>
-          <p:cNvSpPr>
-            <a:spLocks noGrp="1"/>
-          </p:cNvSpPr>
-          <p:nvPr>
-            <p:ph type="title"/>
-          </p:nvPr>
-        </p:nvSpPr>
-        <p:spPr/>
-        <p:txBody>
-          <a:bodyPr/>
-          <a:lstStyle/>
-          <a:p>
-            <a:r>
-              <a:rPr lang="en-US" dirty="0" smtClean="0"/>
-              <a:t>Summary of HTML pieces</a:t>
-            </a:r>
-            <a:br>
-              <a:rPr lang="en-US" dirty="0" smtClean="0"/>
-            </a:br>
-            <a:endParaRPr lang="en-US" dirty="0"/>
-          </a:p>
-        </p:txBody>
-      </p:sp>
-      <p:sp>
-        <p:nvSpPr>
-          <p:cNvPr id="3" name="Content Placeholder 2"/>
-          <p:cNvSpPr>
-            <a:spLocks noGrp="1"/>
-          </p:cNvSpPr>
-          <p:nvPr>
-            <p:ph idx="1"/>
-          </p:nvPr>
-        </p:nvSpPr>
-        <p:spPr>
-          <a:xfrm>
-            <a:off x="963612" y="2986087"/>
-            <a:ext cx="9905999" cy="887413"/>
-          </a:xfrm>
-        </p:spPr>
-        <p:txBody>
-          <a:bodyPr>
-            <a:normAutofit/>
-          </a:bodyPr>
-          <a:lstStyle/>
-          <a:p>
-            <a:pPr marL="0" indent="0">
-              <a:buNone/>
-            </a:pPr>
-            <a:r>
-              <a:rPr lang="en-US" sz="4000" dirty="0"/>
-              <a:t>&lt;div class="text-center</a:t>
-            </a:r>
-            <a:r>
-              <a:rPr lang="en-US" sz="4000" dirty="0" smtClean="0"/>
-              <a:t>"&gt;Hello World!&lt;/div&gt;</a:t>
-            </a:r>
-            <a:endParaRPr lang="en-US" sz="4000" dirty="0"/>
-          </a:p>
-        </p:txBody>
-      </p:sp>
-      <p:sp>
-        <p:nvSpPr>
-          <p:cNvPr id="5" name="Left Brace 4"/>
-          <p:cNvSpPr/>
-          <p:nvPr/>
-        </p:nvSpPr>
-        <p:spPr>
-          <a:xfrm rot="5400000">
-            <a:off x="3313112" y="88899"/>
-            <a:ext cx="547688" cy="5246688"/>
-          </a:xfrm>
-          <a:prstGeom prst="leftBrace">
-            <a:avLst/>
-          </a:prstGeom>
-          <a:ln w="57150"/>
-        </p:spPr>
-        <p:style>
-          <a:lnRef idx="1">
-            <a:schemeClr val="accent1"/>
-          </a:lnRef>
-          <a:fillRef idx="0">
-            <a:schemeClr val="accent1"/>
-          </a:fillRef>
-          <a:effectRef idx="0">
-            <a:schemeClr val="accent1"/>
-          </a:effectRef>
-          <a:fontRef idx="minor">
-            <a:schemeClr val="tx1"/>
-          </a:fontRef>
-        </p:style>
-        <p:txBody>
-          <a:bodyPr rtlCol="0" anchor="ctr"/>
-          <a:lstStyle/>
-          <a:p>
-            <a:pPr algn="ctr"/>
-            <a:endParaRPr lang="en-US"/>
-          </a:p>
-        </p:txBody>
-      </p:sp>
-      <p:sp>
-        <p:nvSpPr>
-          <p:cNvPr id="6" name="TextBox 5"/>
-          <p:cNvSpPr txBox="1"/>
-          <p:nvPr/>
-        </p:nvSpPr>
-        <p:spPr>
-          <a:xfrm>
-            <a:off x="2894715" y="1986796"/>
-            <a:ext cx="1384482" cy="369332"/>
-          </a:xfrm>
-          <a:prstGeom prst="rect">
-            <a:avLst/>
-          </a:prstGeom>
-          <a:noFill/>
-        </p:spPr>
-        <p:txBody>
-          <a:bodyPr wrap="none" rtlCol="0">
-            <a:spAutoFit/>
-          </a:bodyPr>
-          <a:lstStyle/>
-          <a:p>
-            <a:r>
-              <a:rPr lang="en-US" dirty="0" smtClean="0"/>
-              <a:t>Opening Tag</a:t>
-            </a:r>
-            <a:endParaRPr lang="en-US" dirty="0"/>
-          </a:p>
-        </p:txBody>
-      </p:sp>
-      <p:sp>
-        <p:nvSpPr>
-          <p:cNvPr id="7" name="Left Brace 6"/>
-          <p:cNvSpPr/>
-          <p:nvPr/>
-        </p:nvSpPr>
-        <p:spPr>
-          <a:xfrm rot="5400000">
-            <a:off x="9397206" y="1918493"/>
-            <a:ext cx="547688" cy="1587500"/>
-          </a:xfrm>
-          <a:prstGeom prst="leftBrace">
-            <a:avLst/>
-          </a:prstGeom>
-          <a:ln w="57150"/>
-        </p:spPr>
-        <p:style>
-          <a:lnRef idx="1">
-            <a:schemeClr val="accent1"/>
-          </a:lnRef>
-          <a:fillRef idx="0">
-            <a:schemeClr val="accent1"/>
-          </a:fillRef>
-          <a:effectRef idx="0">
-            <a:schemeClr val="accent1"/>
-          </a:effectRef>
-          <a:fontRef idx="minor">
-            <a:schemeClr val="tx1"/>
-          </a:fontRef>
-        </p:style>
-        <p:txBody>
-          <a:bodyPr rtlCol="0" anchor="ctr"/>
-          <a:lstStyle/>
-          <a:p>
-            <a:pPr algn="ctr"/>
-            <a:endParaRPr lang="en-US"/>
-          </a:p>
-        </p:txBody>
-      </p:sp>
-      <p:sp>
-        <p:nvSpPr>
-          <p:cNvPr id="8" name="TextBox 7"/>
-          <p:cNvSpPr txBox="1"/>
-          <p:nvPr/>
-        </p:nvSpPr>
-        <p:spPr>
-          <a:xfrm>
-            <a:off x="8978809" y="1979889"/>
-            <a:ext cx="1246623" cy="369332"/>
-          </a:xfrm>
-          <a:prstGeom prst="rect">
-            <a:avLst/>
-          </a:prstGeom>
-          <a:noFill/>
-        </p:spPr>
-        <p:txBody>
-          <a:bodyPr wrap="none" rtlCol="0">
-            <a:spAutoFit/>
-          </a:bodyPr>
-          <a:lstStyle/>
-          <a:p>
-            <a:r>
-              <a:rPr lang="en-US" dirty="0" smtClean="0"/>
-              <a:t>Closing Tag</a:t>
-            </a:r>
-            <a:endParaRPr lang="en-US" dirty="0"/>
-          </a:p>
-        </p:txBody>
-      </p:sp>
-      <p:sp>
-        <p:nvSpPr>
-          <p:cNvPr id="10" name="Left Brace 9"/>
-          <p:cNvSpPr/>
-          <p:nvPr/>
-        </p:nvSpPr>
-        <p:spPr>
-          <a:xfrm rot="16200000">
-            <a:off x="3853649" y="2038986"/>
-            <a:ext cx="441048" cy="3815061"/>
-          </a:xfrm>
-          <a:prstGeom prst="leftBrace">
-            <a:avLst/>
-          </a:prstGeom>
-          <a:ln w="57150"/>
-        </p:spPr>
-        <p:style>
-          <a:lnRef idx="1">
-            <a:schemeClr val="accent1"/>
-          </a:lnRef>
-          <a:fillRef idx="0">
-            <a:schemeClr val="accent1"/>
-          </a:fillRef>
-          <a:effectRef idx="0">
-            <a:schemeClr val="accent1"/>
-          </a:effectRef>
-          <a:fontRef idx="minor">
-            <a:schemeClr val="tx1"/>
-          </a:fontRef>
-        </p:style>
-        <p:txBody>
-          <a:bodyPr rtlCol="0" anchor="ctr"/>
-          <a:lstStyle/>
-          <a:p>
-            <a:pPr algn="ctr"/>
-            <a:endParaRPr lang="en-US"/>
-          </a:p>
-        </p:txBody>
-      </p:sp>
-      <p:sp>
-        <p:nvSpPr>
-          <p:cNvPr id="11" name="TextBox 10"/>
-          <p:cNvSpPr txBox="1"/>
-          <p:nvPr/>
-        </p:nvSpPr>
-        <p:spPr>
-          <a:xfrm>
-            <a:off x="3582692" y="4232813"/>
-            <a:ext cx="982961" cy="369332"/>
-          </a:xfrm>
-          <a:prstGeom prst="rect">
-            <a:avLst/>
-          </a:prstGeom>
-          <a:noFill/>
-        </p:spPr>
-        <p:txBody>
-          <a:bodyPr wrap="none" rtlCol="0">
-            <a:spAutoFit/>
-          </a:bodyPr>
-          <a:lstStyle/>
-          <a:p>
-            <a:r>
-              <a:rPr lang="en-US" dirty="0" smtClean="0"/>
-              <a:t>Attribute</a:t>
-            </a:r>
-            <a:endParaRPr lang="en-US" dirty="0"/>
-          </a:p>
-        </p:txBody>
-      </p:sp>
-      <p:sp>
-        <p:nvSpPr>
-          <p:cNvPr id="12" name="Left Brace 11"/>
-          <p:cNvSpPr/>
-          <p:nvPr/>
-        </p:nvSpPr>
-        <p:spPr>
-          <a:xfrm rot="16200000">
-            <a:off x="5505470" y="235375"/>
-            <a:ext cx="441048" cy="9477617"/>
-          </a:xfrm>
-          <a:prstGeom prst="leftBrace">
-            <a:avLst/>
-          </a:prstGeom>
-          <a:ln w="57150"/>
-        </p:spPr>
-        <p:style>
-          <a:lnRef idx="1">
-            <a:schemeClr val="accent1"/>
-          </a:lnRef>
-          <a:fillRef idx="0">
-            <a:schemeClr val="accent1"/>
-          </a:fillRef>
-          <a:effectRef idx="0">
-            <a:schemeClr val="accent1"/>
-          </a:effectRef>
-          <a:fontRef idx="minor">
-            <a:schemeClr val="tx1"/>
-          </a:fontRef>
-        </p:style>
-        <p:txBody>
-          <a:bodyPr rtlCol="0" anchor="ctr"/>
-          <a:lstStyle/>
-          <a:p>
-            <a:pPr algn="ctr"/>
-            <a:endParaRPr lang="en-US"/>
-          </a:p>
-        </p:txBody>
-      </p:sp>
-      <p:sp>
-        <p:nvSpPr>
-          <p:cNvPr id="13" name="TextBox 12"/>
-          <p:cNvSpPr txBox="1"/>
-          <p:nvPr/>
-        </p:nvSpPr>
-        <p:spPr>
-          <a:xfrm>
-            <a:off x="5234513" y="5194708"/>
-            <a:ext cx="885179" cy="369332"/>
-          </a:xfrm>
-          <a:prstGeom prst="rect">
-            <a:avLst/>
-          </a:prstGeom>
-          <a:noFill/>
-        </p:spPr>
-        <p:txBody>
-          <a:bodyPr wrap="none" rtlCol="0">
-            <a:spAutoFit/>
-          </a:bodyPr>
-          <a:lstStyle/>
-          <a:p>
-            <a:r>
-              <a:rPr lang="en-US" dirty="0" smtClean="0"/>
-              <a:t>Element</a:t>
-            </a:r>
-            <a:endParaRPr lang="en-US" dirty="0"/>
-          </a:p>
-        </p:txBody>
-      </p:sp>
-      <p:sp>
-        <p:nvSpPr>
-          <p:cNvPr id="14" name="Left Brace 13"/>
-          <p:cNvSpPr/>
-          <p:nvPr/>
-        </p:nvSpPr>
-        <p:spPr>
-          <a:xfrm rot="16200000">
-            <a:off x="7403411" y="2707290"/>
-            <a:ext cx="441048" cy="2506736"/>
-          </a:xfrm>
-          <a:prstGeom prst="leftBrace">
-            <a:avLst/>
-          </a:prstGeom>
-          <a:ln w="57150"/>
-        </p:spPr>
-        <p:style>
-          <a:lnRef idx="1">
-            <a:schemeClr val="accent1"/>
-          </a:lnRef>
-          <a:fillRef idx="0">
-            <a:schemeClr val="accent1"/>
-          </a:fillRef>
-          <a:effectRef idx="0">
-            <a:schemeClr val="accent1"/>
-          </a:effectRef>
-          <a:fontRef idx="minor">
-            <a:schemeClr val="tx1"/>
-          </a:fontRef>
-        </p:style>
-        <p:txBody>
-          <a:bodyPr rtlCol="0" anchor="ctr"/>
-          <a:lstStyle/>
-          <a:p>
-            <a:pPr algn="ctr"/>
-            <a:endParaRPr lang="en-US"/>
-          </a:p>
-        </p:txBody>
-      </p:sp>
-      <p:sp>
-        <p:nvSpPr>
-          <p:cNvPr id="15" name="TextBox 14"/>
-          <p:cNvSpPr txBox="1"/>
-          <p:nvPr/>
-        </p:nvSpPr>
-        <p:spPr>
-          <a:xfrm>
-            <a:off x="6960892" y="4258214"/>
-            <a:ext cx="1723549" cy="369332"/>
-          </a:xfrm>
-          <a:prstGeom prst="rect">
-            <a:avLst/>
-          </a:prstGeom>
-          <a:noFill/>
-        </p:spPr>
-        <p:txBody>
-          <a:bodyPr wrap="none" rtlCol="0">
-            <a:spAutoFit/>
-          </a:bodyPr>
-          <a:lstStyle/>
-          <a:p>
-            <a:r>
-              <a:rPr lang="en-US" dirty="0" smtClean="0"/>
-              <a:t>Element Contents</a:t>
-            </a:r>
-            <a:endParaRPr lang="en-US" dirty="0"/>
-          </a:p>
-        </p:txBody>
-      </p:sp>
-    </p:spTree>
-    <p:extLst>
-      <p:ext uri="{BB962C8B-B14F-4D97-AF65-F5344CB8AC3E}">
-        <p14:creationId xmlns:p14="http://schemas.microsoft.com/office/powerpoint/2010/main" val="2512140985"/>
-      </p:ext>
-    </p:extLst>
-  </p:cSld>
-  <p:clrMapOvr>
-    <a:masterClrMapping/>
-  </p:clrMapOvr>
-</p:sld>
-</file>
-
-<file path=ppt/slides/slide15.xml><?xml version="1.0" encoding="utf-8"?>
-<p:sld xmlns:a="http://schemas.openxmlformats.org/drawingml/2006/main" xmlns:r="http://schemas.openxmlformats.org/officeDocument/2006/relationships" xmlns:p="http://schemas.openxmlformats.org/presentationml/2006/main">
-  <p:cSld>
-    <p:spTree>
-      <p:nvGrpSpPr>
-        <p:cNvPr id="1" name=""/>
-        <p:cNvGrpSpPr/>
-        <p:nvPr/>
-      </p:nvGrpSpPr>
-      <p:grpSpPr>
-        <a:xfrm>
-          <a:off x="0" y="0"/>
-          <a:ext cx="0" cy="0"/>
-          <a:chOff x="0" y="0"/>
-          <a:chExt cx="0" cy="0"/>
-        </a:xfrm>
-      </p:grpSpPr>
-      <p:sp>
-        <p:nvSpPr>
-          <p:cNvPr id="2" name="Title 1"/>
-          <p:cNvSpPr>
-            <a:spLocks noGrp="1"/>
-          </p:cNvSpPr>
-          <p:nvPr>
-            <p:ph type="title"/>
-          </p:nvPr>
-        </p:nvSpPr>
-        <p:spPr/>
-        <p:txBody>
-          <a:bodyPr/>
-          <a:lstStyle/>
-          <a:p>
-            <a:r>
-              <a:rPr lang="en-US" dirty="0" smtClean="0"/>
-              <a:t>Basic Web Page Anatomy</a:t>
-            </a:r>
-            <a:endParaRPr lang="en-US" dirty="0"/>
-          </a:p>
-        </p:txBody>
-      </p:sp>
-      <p:sp>
-        <p:nvSpPr>
-          <p:cNvPr id="3" name="Content Placeholder 2"/>
-          <p:cNvSpPr>
-            <a:spLocks noGrp="1"/>
-          </p:cNvSpPr>
-          <p:nvPr>
-            <p:ph sz="half" idx="1"/>
-          </p:nvPr>
-        </p:nvSpPr>
-        <p:spPr/>
-        <p:txBody>
-          <a:bodyPr/>
-          <a:lstStyle/>
-          <a:p>
-            <a:pPr marL="0" indent="0">
-              <a:lnSpc>
-                <a:spcPct val="100000"/>
-              </a:lnSpc>
-              <a:buNone/>
-            </a:pPr>
-            <a:r>
-              <a:rPr lang="en-US" dirty="0"/>
-              <a:t>&lt;!DOCTYPE html</a:t>
-            </a:r>
-            <a:r>
-              <a:rPr lang="en-US" dirty="0" smtClean="0"/>
-              <a:t>&gt;</a:t>
-            </a:r>
-          </a:p>
-          <a:p>
-            <a:pPr marL="0" indent="0">
-              <a:lnSpc>
-                <a:spcPct val="100000"/>
-              </a:lnSpc>
-              <a:buNone/>
-            </a:pPr>
-            <a:r>
-              <a:rPr lang="en-US" dirty="0"/>
-              <a:t>&lt;html&gt;</a:t>
-            </a:r>
-          </a:p>
-          <a:p>
-            <a:pPr marL="0" indent="0">
-              <a:lnSpc>
-                <a:spcPct val="100000"/>
-              </a:lnSpc>
-              <a:buNone/>
-            </a:pPr>
-            <a:r>
-              <a:rPr lang="en-US" dirty="0" smtClean="0"/>
-              <a:t>	&lt;</a:t>
-            </a:r>
-            <a:r>
-              <a:rPr lang="en-US" dirty="0"/>
-              <a:t>head&gt;</a:t>
-            </a:r>
-          </a:p>
-          <a:p>
-            <a:pPr marL="0" indent="0">
-              <a:lnSpc>
-                <a:spcPct val="100000"/>
-              </a:lnSpc>
-              <a:buNone/>
-            </a:pPr>
-            <a:r>
-              <a:rPr lang="en-US" dirty="0" smtClean="0"/>
-              <a:t>	&lt;/</a:t>
-            </a:r>
-            <a:r>
-              <a:rPr lang="en-US" dirty="0"/>
-              <a:t>head</a:t>
-            </a:r>
-            <a:r>
-              <a:rPr lang="en-US" dirty="0" smtClean="0"/>
-              <a:t>&gt;</a:t>
-            </a:r>
-          </a:p>
-          <a:p>
-            <a:pPr marL="0" indent="0">
-              <a:lnSpc>
-                <a:spcPct val="100000"/>
-              </a:lnSpc>
-              <a:buNone/>
-            </a:pPr>
-            <a:r>
-              <a:rPr lang="en-US" dirty="0"/>
-              <a:t>	</a:t>
-            </a:r>
-            <a:r>
-              <a:rPr lang="en-US" dirty="0" smtClean="0"/>
-              <a:t>&lt;body&gt;</a:t>
-            </a:r>
-          </a:p>
-          <a:p>
-            <a:pPr marL="0" indent="0">
-              <a:lnSpc>
-                <a:spcPct val="100000"/>
-              </a:lnSpc>
-              <a:buNone/>
-            </a:pPr>
-            <a:r>
-              <a:rPr lang="en-US" dirty="0"/>
-              <a:t>	</a:t>
-            </a:r>
-            <a:r>
-              <a:rPr lang="en-US" dirty="0" smtClean="0"/>
-              <a:t>&lt;/body&gt;</a:t>
-            </a:r>
-            <a:endParaRPr lang="en-US" dirty="0"/>
-          </a:p>
-          <a:p>
-            <a:pPr marL="0" indent="0">
-              <a:lnSpc>
-                <a:spcPct val="100000"/>
-              </a:lnSpc>
-              <a:buNone/>
-            </a:pPr>
-            <a:r>
-              <a:rPr lang="en-US" dirty="0"/>
-              <a:t>&lt;/html&gt;</a:t>
-            </a:r>
-          </a:p>
-          <a:p>
-            <a:pPr marL="0" indent="0">
-              <a:lnSpc>
-                <a:spcPct val="100000"/>
-              </a:lnSpc>
-              <a:buNone/>
-            </a:pPr>
-            <a:endParaRPr lang="en-US" dirty="0"/>
-          </a:p>
-          <a:p>
-            <a:pPr>
-              <a:lnSpc>
-                <a:spcPct val="100000"/>
-              </a:lnSpc>
-            </a:pPr>
-            <a:endParaRPr lang="en-US" dirty="0"/>
-          </a:p>
-        </p:txBody>
-      </p:sp>
-      <p:sp>
-        <p:nvSpPr>
-          <p:cNvPr id="4" name="Content Placeholder 3"/>
-          <p:cNvSpPr>
-            <a:spLocks noGrp="1"/>
-          </p:cNvSpPr>
-          <p:nvPr>
-            <p:ph sz="half" idx="2"/>
-          </p:nvPr>
-        </p:nvSpPr>
-        <p:spPr/>
-        <p:txBody>
-          <a:bodyPr/>
-          <a:lstStyle/>
-          <a:p>
-            <a:pPr marL="0" indent="0">
-              <a:lnSpc>
-                <a:spcPct val="100000"/>
-              </a:lnSpc>
-              <a:buNone/>
-            </a:pPr>
-            <a:r>
-              <a:rPr lang="en-US" dirty="0" smtClean="0"/>
-              <a:t>Special tag - specifies HTML version</a:t>
-            </a:r>
-          </a:p>
-          <a:p>
-            <a:pPr marL="0" indent="0">
-              <a:lnSpc>
-                <a:spcPct val="100000"/>
-              </a:lnSpc>
-              <a:buNone/>
-            </a:pPr>
-            <a:r>
-              <a:rPr lang="en-US" dirty="0" smtClean="0"/>
-              <a:t>Specifies this is HTML content</a:t>
-            </a:r>
-          </a:p>
-          <a:p>
-            <a:pPr marL="0" indent="0">
-              <a:lnSpc>
-                <a:spcPct val="100000"/>
-              </a:lnSpc>
-              <a:buNone/>
-            </a:pPr>
-            <a:r>
-              <a:rPr lang="en-US" dirty="0" smtClean="0"/>
-              <a:t>Header content</a:t>
-            </a:r>
-          </a:p>
-          <a:p>
-            <a:pPr marL="0" indent="0">
-              <a:lnSpc>
-                <a:spcPct val="100000"/>
-              </a:lnSpc>
-              <a:buNone/>
-            </a:pPr>
-            <a:endParaRPr lang="en-US" dirty="0"/>
-          </a:p>
-          <a:p>
-            <a:pPr marL="0" indent="0">
-              <a:lnSpc>
-                <a:spcPct val="100000"/>
-              </a:lnSpc>
-              <a:buNone/>
-            </a:pPr>
-            <a:r>
-              <a:rPr lang="en-US" dirty="0" smtClean="0"/>
-              <a:t>Body content</a:t>
-            </a:r>
-            <a:endParaRPr lang="en-US" dirty="0"/>
-          </a:p>
-        </p:txBody>
-      </p:sp>
-    </p:spTree>
-    <p:extLst>
-      <p:ext uri="{BB962C8B-B14F-4D97-AF65-F5344CB8AC3E}">
-        <p14:creationId xmlns:p14="http://schemas.microsoft.com/office/powerpoint/2010/main" val="1889159595"/>
-      </p:ext>
-    </p:extLst>
-  </p:cSld>
-  <p:clrMapOvr>
-    <a:masterClrMapping/>
-  </p:clrMapOvr>
-</p:sld>
-</file>
-
-<file path=ppt/slides/slide16.xml><?xml version="1.0" encoding="utf-8"?>
-<p:sld xmlns:a="http://schemas.openxmlformats.org/drawingml/2006/main" xmlns:r="http://schemas.openxmlformats.org/officeDocument/2006/relationships" xmlns:p="http://schemas.openxmlformats.org/presentationml/2006/main">
-  <p:cSld>
-    <p:spTree>
-      <p:nvGrpSpPr>
-        <p:cNvPr id="1" name=""/>
-        <p:cNvGrpSpPr/>
-        <p:nvPr/>
-      </p:nvGrpSpPr>
-      <p:grpSpPr>
-        <a:xfrm>
-          <a:off x="0" y="0"/>
-          <a:ext cx="0" cy="0"/>
-          <a:chOff x="0" y="0"/>
-          <a:chExt cx="0" cy="0"/>
-        </a:xfrm>
-      </p:grpSpPr>
-      <p:cxnSp>
-        <p:nvCxnSpPr>
-          <p:cNvPr id="6" name="Straight Connector 5"/>
-          <p:cNvCxnSpPr/>
-          <p:nvPr/>
-        </p:nvCxnSpPr>
-        <p:spPr>
-          <a:xfrm>
-            <a:off x="1192210" y="2084388"/>
-            <a:ext cx="0" cy="3694112"/>
-          </a:xfrm>
-          <a:prstGeom prst="line">
-            <a:avLst/>
-          </a:prstGeom>
-          <a:ln w="57150"/>
-        </p:spPr>
-        <p:style>
-          <a:lnRef idx="1">
-            <a:schemeClr val="accent1"/>
-          </a:lnRef>
-          <a:fillRef idx="0">
-            <a:schemeClr val="accent1"/>
-          </a:fillRef>
-          <a:effectRef idx="0">
-            <a:schemeClr val="accent1"/>
-          </a:effectRef>
-          <a:fontRef idx="minor">
-            <a:schemeClr val="tx1"/>
-          </a:fontRef>
-        </p:style>
-      </p:cxnSp>
-      <p:cxnSp>
-        <p:nvCxnSpPr>
-          <p:cNvPr id="7" name="Straight Connector 6"/>
-          <p:cNvCxnSpPr/>
-          <p:nvPr/>
-        </p:nvCxnSpPr>
-        <p:spPr>
-          <a:xfrm>
-            <a:off x="2106610" y="2097088"/>
-            <a:ext cx="0" cy="3694112"/>
-          </a:xfrm>
-          <a:prstGeom prst="line">
-            <a:avLst/>
-          </a:prstGeom>
-          <a:ln w="57150"/>
-        </p:spPr>
-        <p:style>
-          <a:lnRef idx="1">
-            <a:schemeClr val="accent1"/>
-          </a:lnRef>
-          <a:fillRef idx="0">
-            <a:schemeClr val="accent1"/>
-          </a:fillRef>
-          <a:effectRef idx="0">
-            <a:schemeClr val="accent1"/>
-          </a:effectRef>
-          <a:fontRef idx="minor">
-            <a:schemeClr val="tx1"/>
-          </a:fontRef>
-        </p:style>
-      </p:cxnSp>
-      <p:cxnSp>
-        <p:nvCxnSpPr>
-          <p:cNvPr id="8" name="Straight Connector 7"/>
-          <p:cNvCxnSpPr/>
-          <p:nvPr/>
-        </p:nvCxnSpPr>
-        <p:spPr>
-          <a:xfrm>
-            <a:off x="3021010" y="2097088"/>
-            <a:ext cx="0" cy="3694112"/>
-          </a:xfrm>
-          <a:prstGeom prst="line">
-            <a:avLst/>
-          </a:prstGeom>
-          <a:ln w="57150"/>
-        </p:spPr>
-        <p:style>
-          <a:lnRef idx="1">
-            <a:schemeClr val="accent1"/>
-          </a:lnRef>
-          <a:fillRef idx="0">
-            <a:schemeClr val="accent1"/>
-          </a:fillRef>
-          <a:effectRef idx="0">
-            <a:schemeClr val="accent1"/>
-          </a:effectRef>
-          <a:fontRef idx="minor">
-            <a:schemeClr val="tx1"/>
-          </a:fontRef>
-        </p:style>
-      </p:cxnSp>
-      <p:sp>
-        <p:nvSpPr>
-          <p:cNvPr id="2" name="Title 1"/>
-          <p:cNvSpPr>
-            <a:spLocks noGrp="1"/>
-          </p:cNvSpPr>
-          <p:nvPr>
-            <p:ph type="title"/>
-          </p:nvPr>
-        </p:nvSpPr>
-        <p:spPr/>
-        <p:txBody>
-          <a:bodyPr/>
-          <a:lstStyle/>
-          <a:p>
-            <a:r>
-              <a:rPr lang="en-US" dirty="0" smtClean="0"/>
-              <a:t>Indentation</a:t>
-            </a:r>
-            <a:endParaRPr lang="en-US" dirty="0"/>
-          </a:p>
-        </p:txBody>
-      </p:sp>
-      <p:sp>
-        <p:nvSpPr>
-          <p:cNvPr id="3" name="Content Placeholder 2"/>
-          <p:cNvSpPr>
-            <a:spLocks noGrp="1"/>
-          </p:cNvSpPr>
-          <p:nvPr>
-            <p:ph sz="half" idx="1"/>
-          </p:nvPr>
-        </p:nvSpPr>
-        <p:spPr/>
-        <p:txBody>
-          <a:bodyPr>
-            <a:normAutofit fontScale="92500" lnSpcReduction="10000"/>
-          </a:bodyPr>
-          <a:lstStyle/>
-          <a:p>
-            <a:pPr marL="0" indent="0">
-              <a:lnSpc>
-                <a:spcPct val="100000"/>
-              </a:lnSpc>
-              <a:buNone/>
-            </a:pPr>
-            <a:r>
-              <a:rPr lang="en-US" dirty="0" smtClean="0"/>
-              <a:t>&lt;</a:t>
-            </a:r>
-            <a:r>
-              <a:rPr lang="en-US" dirty="0"/>
-              <a:t>html&gt;</a:t>
-            </a:r>
-          </a:p>
-          <a:p>
-            <a:pPr marL="0" indent="0">
-              <a:lnSpc>
-                <a:spcPct val="100000"/>
-              </a:lnSpc>
-              <a:buNone/>
-            </a:pPr>
-            <a:r>
-              <a:rPr lang="en-US" dirty="0"/>
-              <a:t>	&lt;head</a:t>
-            </a:r>
-            <a:r>
-              <a:rPr lang="en-US" dirty="0" smtClean="0"/>
-              <a:t>&gt;</a:t>
-            </a:r>
-          </a:p>
-          <a:p>
-            <a:pPr marL="0" indent="0">
-              <a:lnSpc>
-                <a:spcPct val="100000"/>
-              </a:lnSpc>
-              <a:buNone/>
-            </a:pPr>
-            <a:r>
-              <a:rPr lang="en-US" dirty="0"/>
-              <a:t>	</a:t>
-            </a:r>
-            <a:r>
-              <a:rPr lang="en-US" dirty="0" smtClean="0"/>
-              <a:t>	&lt;title&gt;My title&lt;/title&gt;</a:t>
-            </a:r>
-            <a:endParaRPr lang="en-US" dirty="0"/>
-          </a:p>
-          <a:p>
-            <a:pPr marL="0" indent="0">
-              <a:lnSpc>
-                <a:spcPct val="100000"/>
-              </a:lnSpc>
-              <a:buNone/>
-            </a:pPr>
-            <a:r>
-              <a:rPr lang="en-US" dirty="0"/>
-              <a:t>	&lt;/head</a:t>
-            </a:r>
-            <a:r>
-              <a:rPr lang="en-US" dirty="0" smtClean="0"/>
-              <a:t>&gt;</a:t>
-            </a:r>
-          </a:p>
-          <a:p>
-            <a:pPr marL="0" indent="0">
-              <a:lnSpc>
-                <a:spcPct val="100000"/>
-              </a:lnSpc>
-              <a:buNone/>
-            </a:pPr>
-            <a:r>
-              <a:rPr lang="en-US" dirty="0"/>
-              <a:t>	</a:t>
-            </a:r>
-            <a:r>
-              <a:rPr lang="en-US" dirty="0" smtClean="0"/>
-              <a:t>&lt;body&gt;</a:t>
-            </a:r>
-          </a:p>
-          <a:p>
-            <a:pPr marL="0" indent="0">
-              <a:lnSpc>
-                <a:spcPct val="100000"/>
-              </a:lnSpc>
-              <a:buNone/>
-            </a:pPr>
-            <a:r>
-              <a:rPr lang="en-US" dirty="0"/>
-              <a:t>	</a:t>
-            </a:r>
-            <a:r>
-              <a:rPr lang="en-US" dirty="0" smtClean="0"/>
-              <a:t>	Body Content</a:t>
-            </a:r>
-          </a:p>
-          <a:p>
-            <a:pPr marL="0" indent="0">
-              <a:lnSpc>
-                <a:spcPct val="100000"/>
-              </a:lnSpc>
-              <a:buNone/>
-            </a:pPr>
-            <a:r>
-              <a:rPr lang="en-US" dirty="0"/>
-              <a:t>	</a:t>
-            </a:r>
-            <a:r>
-              <a:rPr lang="en-US" dirty="0" smtClean="0"/>
-              <a:t>&lt;/body&gt;</a:t>
-            </a:r>
-          </a:p>
-          <a:p>
-            <a:pPr marL="0" indent="0">
-              <a:lnSpc>
-                <a:spcPct val="100000"/>
-              </a:lnSpc>
-              <a:buNone/>
-            </a:pPr>
-            <a:r>
-              <a:rPr lang="en-US" dirty="0" smtClean="0"/>
-              <a:t>&lt;/html&gt;</a:t>
-            </a:r>
-            <a:endParaRPr lang="en-US" dirty="0"/>
-          </a:p>
-          <a:p>
-            <a:pPr marL="0" indent="0">
-              <a:lnSpc>
-                <a:spcPct val="100000"/>
-              </a:lnSpc>
-              <a:buNone/>
-            </a:pPr>
-            <a:endParaRPr lang="en-US" dirty="0"/>
-          </a:p>
-        </p:txBody>
-      </p:sp>
-      <p:sp>
-        <p:nvSpPr>
-          <p:cNvPr id="4" name="Content Placeholder 3"/>
-          <p:cNvSpPr>
-            <a:spLocks noGrp="1"/>
-          </p:cNvSpPr>
-          <p:nvPr>
-            <p:ph sz="half" idx="2"/>
-          </p:nvPr>
-        </p:nvSpPr>
-        <p:spPr/>
-        <p:txBody>
-          <a:bodyPr>
-            <a:normAutofit fontScale="92500" lnSpcReduction="10000"/>
-          </a:bodyPr>
-          <a:lstStyle/>
-          <a:p>
-            <a:r>
-              <a:rPr lang="en-US" dirty="0" smtClean="0"/>
-              <a:t>Indentation is not </a:t>
-            </a:r>
-            <a:r>
-              <a:rPr lang="en-US" dirty="0"/>
-              <a:t>necessary, but makes HTML more </a:t>
-            </a:r>
-            <a:r>
-              <a:rPr lang="en-US" dirty="0" smtClean="0"/>
-              <a:t>readable</a:t>
-            </a:r>
-          </a:p>
-          <a:p>
-            <a:r>
-              <a:rPr lang="en-US" dirty="0" smtClean="0"/>
-              <a:t>For this class, please use indentation</a:t>
-            </a:r>
-            <a:endParaRPr lang="en-US" dirty="0"/>
-          </a:p>
-          <a:p>
-            <a:pPr marL="0" indent="0">
-              <a:buNone/>
-            </a:pPr>
-            <a:endParaRPr lang="en-US" dirty="0"/>
-          </a:p>
-        </p:txBody>
-      </p:sp>
-    </p:spTree>
-    <p:extLst>
-      <p:ext uri="{BB962C8B-B14F-4D97-AF65-F5344CB8AC3E}">
-        <p14:creationId xmlns:p14="http://schemas.microsoft.com/office/powerpoint/2010/main" val="2951183163"/>
-      </p:ext>
-    </p:extLst>
-  </p:cSld>
-  <p:clrMapOvr>
-    <a:masterClrMapping/>
-  </p:clrMapOvr>
-</p:sld>
-</file>
-
-<file path=ppt/slides/slide17.xml><?xml version="1.0" encoding="utf-8"?>
-<p:sld xmlns:a="http://schemas.openxmlformats.org/drawingml/2006/main" xmlns:r="http://schemas.openxmlformats.org/officeDocument/2006/relationships" xmlns:p="http://schemas.openxmlformats.org/presentationml/2006/main">
-  <p:cSld>
-    <p:spTree>
-      <p:nvGrpSpPr>
-        <p:cNvPr id="1" name=""/>
-        <p:cNvGrpSpPr/>
-        <p:nvPr/>
-      </p:nvGrpSpPr>
-      <p:grpSpPr>
-        <a:xfrm>
-          <a:off x="0" y="0"/>
-          <a:ext cx="0" cy="0"/>
-          <a:chOff x="0" y="0"/>
-          <a:chExt cx="0" cy="0"/>
-        </a:xfrm>
-      </p:grpSpPr>
-      <p:sp>
-        <p:nvSpPr>
-          <p:cNvPr id="2" name="Title 1"/>
-          <p:cNvSpPr>
-            <a:spLocks noGrp="1"/>
-          </p:cNvSpPr>
-          <p:nvPr>
-            <p:ph type="ctrTitle"/>
-          </p:nvPr>
-        </p:nvSpPr>
-        <p:spPr/>
-        <p:txBody>
-          <a:bodyPr/>
-          <a:lstStyle/>
-          <a:p>
-            <a:r>
-              <a:rPr lang="en-US" dirty="0" smtClean="0"/>
-              <a:t>Brackets Demo</a:t>
-            </a:r>
-            <a:endParaRPr lang="en-US" dirty="0"/>
-          </a:p>
-        </p:txBody>
-      </p:sp>
-      <p:sp>
-        <p:nvSpPr>
-          <p:cNvPr id="3" name="Subtitle 2"/>
-          <p:cNvSpPr>
-            <a:spLocks noGrp="1"/>
-          </p:cNvSpPr>
-          <p:nvPr>
-            <p:ph type="subTitle" idx="1"/>
-          </p:nvPr>
-        </p:nvSpPr>
-        <p:spPr/>
-        <p:txBody>
-          <a:bodyPr/>
-          <a:lstStyle/>
-          <a:p>
-            <a:endParaRPr lang="en-US"/>
-          </a:p>
-        </p:txBody>
-      </p:sp>
-    </p:spTree>
-    <p:extLst>
-      <p:ext uri="{BB962C8B-B14F-4D97-AF65-F5344CB8AC3E}">
-        <p14:creationId xmlns:p14="http://schemas.microsoft.com/office/powerpoint/2010/main" val="476261333"/>
-      </p:ext>
-    </p:extLst>
-  </p:cSld>
-  <p:clrMapOvr>
-    <a:masterClrMapping/>
-  </p:clrMapOvr>
-</p:sld>
-</file>
-
-<file path=ppt/slides/slide18.xml><?xml version="1.0" encoding="utf-8"?>
-<p:sld xmlns:a="http://schemas.openxmlformats.org/drawingml/2006/main" xmlns:r="http://schemas.openxmlformats.org/officeDocument/2006/relationships" xmlns:p="http://schemas.openxmlformats.org/presentationml/2006/main">
-  <p:cSld>
-    <p:spTree>
-      <p:nvGrpSpPr>
-        <p:cNvPr id="1" name=""/>
-        <p:cNvGrpSpPr/>
-        <p:nvPr/>
-      </p:nvGrpSpPr>
-      <p:grpSpPr>
-        <a:xfrm>
-          <a:off x="0" y="0"/>
-          <a:ext cx="0" cy="0"/>
-          <a:chOff x="0" y="0"/>
-          <a:chExt cx="0" cy="0"/>
-        </a:xfrm>
-      </p:grpSpPr>
-      <p:sp>
-        <p:nvSpPr>
-          <p:cNvPr id="5" name="Title 4"/>
-          <p:cNvSpPr>
-            <a:spLocks noGrp="1"/>
-          </p:cNvSpPr>
-          <p:nvPr>
-            <p:ph type="ctrTitle"/>
-          </p:nvPr>
-        </p:nvSpPr>
-        <p:spPr/>
-        <p:txBody>
-          <a:bodyPr/>
-          <a:lstStyle/>
-          <a:p>
-            <a:r>
-              <a:rPr lang="en-US" dirty="0" smtClean="0"/>
-              <a:t>Exercise 1</a:t>
-            </a:r>
-            <a:endParaRPr lang="en-US" dirty="0"/>
-          </a:p>
-        </p:txBody>
-      </p:sp>
-      <p:sp>
-        <p:nvSpPr>
-          <p:cNvPr id="6" name="Subtitle 5"/>
-          <p:cNvSpPr>
-            <a:spLocks noGrp="1"/>
-          </p:cNvSpPr>
-          <p:nvPr>
-            <p:ph type="subTitle" idx="1"/>
-          </p:nvPr>
-        </p:nvSpPr>
-        <p:spPr/>
-        <p:txBody>
-          <a:bodyPr/>
-          <a:lstStyle/>
-          <a:p>
-            <a:endParaRPr lang="en-US"/>
-          </a:p>
-        </p:txBody>
-      </p:sp>
-    </p:spTree>
-    <p:extLst>
-      <p:ext uri="{BB962C8B-B14F-4D97-AF65-F5344CB8AC3E}">
-        <p14:creationId xmlns:p14="http://schemas.microsoft.com/office/powerpoint/2010/main" val="2866406294"/>
-      </p:ext>
-    </p:extLst>
-  </p:cSld>
-  <p:clrMapOvr>
-    <a:masterClrMapping/>
-  </p:clrMapOvr>
-</p:sld>
-</file>
-
 <file path=ppt/slides/slide2.xml><?xml version="1.0" encoding="utf-8"?>
 <p:sld xmlns:a="http://schemas.openxmlformats.org/drawingml/2006/main" xmlns:r="http://schemas.openxmlformats.org/officeDocument/2006/relationships" xmlns:p="http://schemas.openxmlformats.org/presentationml/2006/main">
   <p:cSld>
@@ -14217,14 +12584,22 @@
           <a:p>
             <a:r>
               <a:rPr lang="en-US" dirty="0" smtClean="0"/>
-              <a:t>Lesson 1:</a:t>
+              <a:t>Lesson </a:t>
+            </a:r>
+            <a:r>
+              <a:rPr lang="en-US" dirty="0" smtClean="0"/>
+              <a:t>9:</a:t>
+            </a:r>
+            <a:r>
+              <a:rPr lang="en-US" dirty="0" smtClean="0"/>
+              <a:t/>
             </a:r>
             <a:br>
               <a:rPr lang="en-US" dirty="0" smtClean="0"/>
             </a:br>
             <a:r>
               <a:rPr lang="en-US" dirty="0" smtClean="0"/>
-              <a:t>Your First Web Page</a:t>
+              <a:t>Web Page Hosting</a:t>
             </a:r>
             <a:endParaRPr lang="en-US" dirty="0"/>
           </a:p>
@@ -14296,7 +12671,7 @@
           <a:p>
             <a:r>
               <a:rPr lang="en-US" dirty="0" smtClean="0"/>
-              <a:t>Web Page Design Steps</a:t>
+              <a:t>I’ve Created a web site, now what?</a:t>
             </a:r>
             <a:endParaRPr lang="en-US" dirty="0"/>
           </a:p>
@@ -14319,26 +12694,18 @@
           <a:p>
             <a:r>
               <a:rPr lang="en-US" dirty="0" smtClean="0"/>
-              <a:t>Define the Purpose/Goal</a:t>
+              <a:t>Need to find a server to </a:t>
             </a:r>
-          </a:p>
-          <a:p>
+            <a:r>
+              <a:rPr lang="en-US" i="1" dirty="0" smtClean="0"/>
+              <a:t>host</a:t>
+            </a:r>
             <a:r>
               <a:rPr lang="en-US" dirty="0" smtClean="0"/>
-              <a:t>Sketch a design</a:t>
+              <a:t> your web site</a:t>
             </a:r>
           </a:p>
           <a:p>
-            <a:r>
-              <a:rPr lang="en-US" dirty="0" smtClean="0"/>
-              <a:t>Write it</a:t>
-            </a:r>
-          </a:p>
-          <a:p>
-            <a:r>
-              <a:rPr lang="en-US" dirty="0" smtClean="0"/>
-              <a:t>Test it</a:t>
-            </a:r>
             <a:endParaRPr lang="en-US" dirty="0"/>
           </a:p>
         </p:txBody>
@@ -14375,12 +12742,12 @@
       </p:grpSpPr>
       <p:sp>
         <p:nvSpPr>
-          <p:cNvPr id="2" name="Title 1"/>
+          <p:cNvPr id="5" name="Title 4"/>
           <p:cNvSpPr>
             <a:spLocks noGrp="1"/>
           </p:cNvSpPr>
           <p:nvPr>
-            <p:ph type="title"/>
+            <p:ph type="ctrTitle"/>
           </p:nvPr>
         </p:nvSpPr>
         <p:spPr/>
@@ -14389,20 +12756,25 @@
           <a:lstStyle/>
           <a:p>
             <a:r>
-              <a:rPr lang="en-US" dirty="0"/>
-              <a:t>Define the Purpose/Goal</a:t>
+              <a:rPr lang="en-US" dirty="0" smtClean="0"/>
+              <a:t>Exercise </a:t>
             </a:r>
+            <a:r>
+              <a:rPr lang="en-US" dirty="0" smtClean="0"/>
+              <a:t>9</a:t>
+            </a:r>
+            <a:endParaRPr lang="en-US" dirty="0"/>
           </a:p>
         </p:txBody>
       </p:sp>
       <p:sp>
         <p:nvSpPr>
-          <p:cNvPr id="3" name="Content Placeholder 2"/>
+          <p:cNvPr id="6" name="Subtitle 5"/>
           <p:cNvSpPr>
             <a:spLocks noGrp="1"/>
           </p:cNvSpPr>
           <p:nvPr>
-            <p:ph idx="1"/>
+            <p:ph type="subTitle" idx="1"/>
           </p:nvPr>
         </p:nvSpPr>
         <p:spPr/>
@@ -14410,623 +12782,14 @@
           <a:bodyPr/>
           <a:lstStyle/>
           <a:p>
-            <a:r>
-              <a:rPr lang="en-US" dirty="0" smtClean="0"/>
-              <a:t>During this class, </a:t>
-            </a:r>
-            <a:r>
-              <a:rPr lang="en-US" dirty="0"/>
-              <a:t>we’ll be making a web site for a fictitious company named “Case Point” that makes phone cases</a:t>
-            </a:r>
-            <a:r>
-              <a:rPr lang="en-US" dirty="0" smtClean="0"/>
-              <a:t>.</a:t>
-            </a:r>
-          </a:p>
-          <a:p>
-            <a:r>
-              <a:rPr lang="en-US" dirty="0" smtClean="0"/>
-              <a:t>The web site should provide information about the company, list the products, and provide a way to contact the company.</a:t>
-            </a:r>
-            <a:endParaRPr lang="en-US" dirty="0"/>
+            <a:endParaRPr lang="en-US"/>
           </a:p>
         </p:txBody>
       </p:sp>
     </p:spTree>
     <p:extLst>
       <p:ext uri="{BB962C8B-B14F-4D97-AF65-F5344CB8AC3E}">
-        <p14:creationId xmlns:p14="http://schemas.microsoft.com/office/powerpoint/2010/main" val="4027248728"/>
-      </p:ext>
-    </p:extLst>
-  </p:cSld>
-  <p:clrMapOvr>
-    <a:masterClrMapping/>
-  </p:clrMapOvr>
-</p:sld>
-</file>
-
-<file path=ppt/slides/slide5.xml><?xml version="1.0" encoding="utf-8"?>
-<p:sld xmlns:a="http://schemas.openxmlformats.org/drawingml/2006/main" xmlns:r="http://schemas.openxmlformats.org/officeDocument/2006/relationships" xmlns:p="http://schemas.openxmlformats.org/presentationml/2006/main">
-  <p:cSld>
-    <p:spTree>
-      <p:nvGrpSpPr>
-        <p:cNvPr id="1" name=""/>
-        <p:cNvGrpSpPr/>
-        <p:nvPr/>
-      </p:nvGrpSpPr>
-      <p:grpSpPr>
-        <a:xfrm>
-          <a:off x="0" y="0"/>
-          <a:ext cx="0" cy="0"/>
-          <a:chOff x="0" y="0"/>
-          <a:chExt cx="0" cy="0"/>
-        </a:xfrm>
-      </p:grpSpPr>
-      <p:sp>
-        <p:nvSpPr>
-          <p:cNvPr id="2" name="Title 1"/>
-          <p:cNvSpPr>
-            <a:spLocks noGrp="1"/>
-          </p:cNvSpPr>
-          <p:nvPr>
-            <p:ph type="title"/>
-          </p:nvPr>
-        </p:nvSpPr>
-        <p:spPr/>
-        <p:txBody>
-          <a:bodyPr/>
-          <a:lstStyle/>
-          <a:p>
-            <a:r>
-              <a:rPr lang="en-US" dirty="0"/>
-              <a:t>Sketch a </a:t>
-            </a:r>
-            <a:r>
-              <a:rPr lang="en-US" dirty="0" smtClean="0"/>
-              <a:t>design – </a:t>
-            </a:r>
-            <a:br>
-              <a:rPr lang="en-US" dirty="0" smtClean="0"/>
-            </a:br>
-            <a:r>
-              <a:rPr lang="en-US" dirty="0" smtClean="0"/>
-              <a:t>Home Page</a:t>
-            </a:r>
-            <a:endParaRPr lang="en-US" dirty="0"/>
-          </a:p>
-        </p:txBody>
-      </p:sp>
-      <p:sp>
-        <p:nvSpPr>
-          <p:cNvPr id="3" name="Content Placeholder 2"/>
-          <p:cNvSpPr>
-            <a:spLocks noGrp="1"/>
-          </p:cNvSpPr>
-          <p:nvPr>
-            <p:ph idx="1"/>
-          </p:nvPr>
-        </p:nvSpPr>
-        <p:spPr>
-          <a:xfrm>
-            <a:off x="1141413" y="2249487"/>
-            <a:ext cx="4433888" cy="3541714"/>
-          </a:xfrm>
-        </p:spPr>
-        <p:txBody>
-          <a:bodyPr/>
-          <a:lstStyle/>
-          <a:p>
-            <a:r>
-              <a:rPr lang="en-US" dirty="0"/>
-              <a:t>T</a:t>
-            </a:r>
-            <a:r>
-              <a:rPr lang="en-US" dirty="0" smtClean="0"/>
-              <a:t>he </a:t>
-            </a:r>
-            <a:r>
-              <a:rPr lang="en-US" dirty="0"/>
-              <a:t>grey boxes represent pictures or clip art that we’ll add.</a:t>
-            </a:r>
-          </a:p>
-          <a:p>
-            <a:endParaRPr lang="en-US" dirty="0"/>
-          </a:p>
-        </p:txBody>
-      </p:sp>
-      <p:pic>
-        <p:nvPicPr>
-          <p:cNvPr id="4" name="Picture 3"/>
-          <p:cNvPicPr/>
-          <p:nvPr/>
-        </p:nvPicPr>
-        <p:blipFill rotWithShape="1">
-          <a:blip r:embed="rId2"/>
-          <a:srcRect b="10006"/>
-          <a:stretch/>
-        </p:blipFill>
-        <p:spPr bwMode="auto">
-          <a:xfrm>
-            <a:off x="5888672" y="0"/>
-            <a:ext cx="4656455" cy="6913880"/>
-          </a:xfrm>
-          <a:prstGeom prst="rect">
-            <a:avLst/>
-          </a:prstGeom>
-          <a:ln>
-            <a:noFill/>
-          </a:ln>
-          <a:extLst>
-            <a:ext uri="{53640926-AAD7-44D8-BBD7-CCE9431645EC}">
-              <a14:shadowObscured xmlns:a14="http://schemas.microsoft.com/office/drawing/2010/main"/>
-            </a:ext>
-          </a:extLst>
-        </p:spPr>
-      </p:pic>
-    </p:spTree>
-    <p:extLst>
-      <p:ext uri="{BB962C8B-B14F-4D97-AF65-F5344CB8AC3E}">
-        <p14:creationId xmlns:p14="http://schemas.microsoft.com/office/powerpoint/2010/main" val="2663077741"/>
-      </p:ext>
-    </p:extLst>
-  </p:cSld>
-  <p:clrMapOvr>
-    <a:masterClrMapping/>
-  </p:clrMapOvr>
-</p:sld>
-</file>
-
-<file path=ppt/slides/slide6.xml><?xml version="1.0" encoding="utf-8"?>
-<p:sld xmlns:a="http://schemas.openxmlformats.org/drawingml/2006/main" xmlns:r="http://schemas.openxmlformats.org/officeDocument/2006/relationships" xmlns:p="http://schemas.openxmlformats.org/presentationml/2006/main">
-  <p:cSld>
-    <p:spTree>
-      <p:nvGrpSpPr>
-        <p:cNvPr id="1" name=""/>
-        <p:cNvGrpSpPr/>
-        <p:nvPr/>
-      </p:nvGrpSpPr>
-      <p:grpSpPr>
-        <a:xfrm>
-          <a:off x="0" y="0"/>
-          <a:ext cx="0" cy="0"/>
-          <a:chOff x="0" y="0"/>
-          <a:chExt cx="0" cy="0"/>
-        </a:xfrm>
-      </p:grpSpPr>
-      <p:sp>
-        <p:nvSpPr>
-          <p:cNvPr id="2" name="Title 1"/>
-          <p:cNvSpPr>
-            <a:spLocks noGrp="1"/>
-          </p:cNvSpPr>
-          <p:nvPr>
-            <p:ph type="title"/>
-          </p:nvPr>
-        </p:nvSpPr>
-        <p:spPr/>
-        <p:txBody>
-          <a:bodyPr/>
-          <a:lstStyle/>
-          <a:p>
-            <a:r>
-              <a:rPr lang="en-US" dirty="0"/>
-              <a:t>Sketch a </a:t>
-            </a:r>
-            <a:r>
-              <a:rPr lang="en-US" dirty="0" smtClean="0"/>
-              <a:t>design – </a:t>
-            </a:r>
-            <a:br>
-              <a:rPr lang="en-US" dirty="0" smtClean="0"/>
-            </a:br>
-            <a:r>
-              <a:rPr lang="en-US" dirty="0" smtClean="0"/>
-              <a:t>Products</a:t>
-            </a:r>
-            <a:endParaRPr lang="en-US" dirty="0"/>
-          </a:p>
-        </p:txBody>
-      </p:sp>
-      <p:sp>
-        <p:nvSpPr>
-          <p:cNvPr id="3" name="Content Placeholder 2"/>
-          <p:cNvSpPr>
-            <a:spLocks noGrp="1"/>
-          </p:cNvSpPr>
-          <p:nvPr>
-            <p:ph idx="1"/>
-          </p:nvPr>
-        </p:nvSpPr>
-        <p:spPr/>
-        <p:txBody>
-          <a:bodyPr/>
-          <a:lstStyle/>
-          <a:p>
-            <a:endParaRPr lang="en-US"/>
-          </a:p>
-        </p:txBody>
-      </p:sp>
-      <p:pic>
-        <p:nvPicPr>
-          <p:cNvPr id="4" name="Picture 3"/>
-          <p:cNvPicPr/>
-          <p:nvPr/>
-        </p:nvPicPr>
-        <p:blipFill>
-          <a:blip r:embed="rId2"/>
-          <a:stretch>
-            <a:fillRect/>
-          </a:stretch>
-        </p:blipFill>
-        <p:spPr>
-          <a:xfrm>
-            <a:off x="5307011" y="467705"/>
-            <a:ext cx="5943600" cy="5750560"/>
-          </a:xfrm>
-          <a:prstGeom prst="rect">
-            <a:avLst/>
-          </a:prstGeom>
-        </p:spPr>
-      </p:pic>
-    </p:spTree>
-    <p:extLst>
-      <p:ext uri="{BB962C8B-B14F-4D97-AF65-F5344CB8AC3E}">
-        <p14:creationId xmlns:p14="http://schemas.microsoft.com/office/powerpoint/2010/main" val="102894921"/>
-      </p:ext>
-    </p:extLst>
-  </p:cSld>
-  <p:clrMapOvr>
-    <a:masterClrMapping/>
-  </p:clrMapOvr>
-</p:sld>
-</file>
-
-<file path=ppt/slides/slide7.xml><?xml version="1.0" encoding="utf-8"?>
-<p:sld xmlns:a="http://schemas.openxmlformats.org/drawingml/2006/main" xmlns:r="http://schemas.openxmlformats.org/officeDocument/2006/relationships" xmlns:p="http://schemas.openxmlformats.org/presentationml/2006/main">
-  <p:cSld>
-    <p:spTree>
-      <p:nvGrpSpPr>
-        <p:cNvPr id="1" name=""/>
-        <p:cNvGrpSpPr/>
-        <p:nvPr/>
-      </p:nvGrpSpPr>
-      <p:grpSpPr>
-        <a:xfrm>
-          <a:off x="0" y="0"/>
-          <a:ext cx="0" cy="0"/>
-          <a:chOff x="0" y="0"/>
-          <a:chExt cx="0" cy="0"/>
-        </a:xfrm>
-      </p:grpSpPr>
-      <p:sp>
-        <p:nvSpPr>
-          <p:cNvPr id="2" name="Title 1"/>
-          <p:cNvSpPr>
-            <a:spLocks noGrp="1"/>
-          </p:cNvSpPr>
-          <p:nvPr>
-            <p:ph type="title"/>
-          </p:nvPr>
-        </p:nvSpPr>
-        <p:spPr/>
-        <p:txBody>
-          <a:bodyPr/>
-          <a:lstStyle/>
-          <a:p>
-            <a:r>
-              <a:rPr lang="en-US" dirty="0" smtClean="0"/>
-              <a:t>Sketch a Design – </a:t>
-            </a:r>
-            <a:br>
-              <a:rPr lang="en-US" dirty="0" smtClean="0"/>
-            </a:br>
-            <a:r>
-              <a:rPr lang="en-US" dirty="0" smtClean="0"/>
-              <a:t>Contact</a:t>
-            </a:r>
-            <a:endParaRPr lang="en-US" dirty="0"/>
-          </a:p>
-        </p:txBody>
-      </p:sp>
-      <p:sp>
-        <p:nvSpPr>
-          <p:cNvPr id="3" name="Content Placeholder 2"/>
-          <p:cNvSpPr>
-            <a:spLocks noGrp="1"/>
-          </p:cNvSpPr>
-          <p:nvPr>
-            <p:ph idx="1"/>
-          </p:nvPr>
-        </p:nvSpPr>
-        <p:spPr/>
-        <p:txBody>
-          <a:bodyPr/>
-          <a:lstStyle/>
-          <a:p>
-            <a:endParaRPr lang="en-US"/>
-          </a:p>
-        </p:txBody>
-      </p:sp>
-      <p:pic>
-        <p:nvPicPr>
-          <p:cNvPr id="4" name="Picture 3"/>
-          <p:cNvPicPr/>
-          <p:nvPr/>
-        </p:nvPicPr>
-        <p:blipFill rotWithShape="1">
-          <a:blip r:embed="rId2"/>
-          <a:srcRect b="18102"/>
-          <a:stretch/>
-        </p:blipFill>
-        <p:spPr bwMode="auto">
-          <a:xfrm>
-            <a:off x="5281611" y="749935"/>
-            <a:ext cx="5943600" cy="5231130"/>
-          </a:xfrm>
-          <a:prstGeom prst="rect">
-            <a:avLst/>
-          </a:prstGeom>
-          <a:ln>
-            <a:noFill/>
-          </a:ln>
-          <a:extLst>
-            <a:ext uri="{53640926-AAD7-44D8-BBD7-CCE9431645EC}">
-              <a14:shadowObscured xmlns:a14="http://schemas.microsoft.com/office/drawing/2010/main"/>
-            </a:ext>
-          </a:extLst>
-        </p:spPr>
-      </p:pic>
-    </p:spTree>
-    <p:extLst>
-      <p:ext uri="{BB962C8B-B14F-4D97-AF65-F5344CB8AC3E}">
-        <p14:creationId xmlns:p14="http://schemas.microsoft.com/office/powerpoint/2010/main" val="2406068801"/>
-      </p:ext>
-    </p:extLst>
-  </p:cSld>
-  <p:clrMapOvr>
-    <a:masterClrMapping/>
-  </p:clrMapOvr>
-</p:sld>
-</file>
-
-<file path=ppt/slides/slide8.xml><?xml version="1.0" encoding="utf-8"?>
-<p:sld xmlns:a="http://schemas.openxmlformats.org/drawingml/2006/main" xmlns:r="http://schemas.openxmlformats.org/officeDocument/2006/relationships" xmlns:p="http://schemas.openxmlformats.org/presentationml/2006/main">
-  <p:cSld>
-    <p:spTree>
-      <p:nvGrpSpPr>
-        <p:cNvPr id="1" name=""/>
-        <p:cNvGrpSpPr/>
-        <p:nvPr/>
-      </p:nvGrpSpPr>
-      <p:grpSpPr>
-        <a:xfrm>
-          <a:off x="0" y="0"/>
-          <a:ext cx="0" cy="0"/>
-          <a:chOff x="0" y="0"/>
-          <a:chExt cx="0" cy="0"/>
-        </a:xfrm>
-      </p:grpSpPr>
-      <p:sp>
-        <p:nvSpPr>
-          <p:cNvPr id="2" name="Title 1"/>
-          <p:cNvSpPr>
-            <a:spLocks noGrp="1"/>
-          </p:cNvSpPr>
-          <p:nvPr>
-            <p:ph type="title"/>
-          </p:nvPr>
-        </p:nvSpPr>
-        <p:spPr/>
-        <p:txBody>
-          <a:bodyPr/>
-          <a:lstStyle/>
-          <a:p>
-            <a:r>
-              <a:rPr lang="en-US" dirty="0" smtClean="0"/>
-              <a:t>Write It</a:t>
-            </a:r>
-            <a:endParaRPr lang="en-US" dirty="0"/>
-          </a:p>
-        </p:txBody>
-      </p:sp>
-      <p:sp>
-        <p:nvSpPr>
-          <p:cNvPr id="3" name="Content Placeholder 2"/>
-          <p:cNvSpPr>
-            <a:spLocks noGrp="1"/>
-          </p:cNvSpPr>
-          <p:nvPr>
-            <p:ph idx="1"/>
-          </p:nvPr>
-        </p:nvSpPr>
-        <p:spPr/>
-        <p:txBody>
-          <a:bodyPr/>
-          <a:lstStyle/>
-          <a:p>
-            <a:r>
-              <a:rPr lang="en-US" dirty="0" smtClean="0"/>
-              <a:t>I’ll be using software called Brackets – a free app available for PC and Mac</a:t>
-            </a:r>
-          </a:p>
-          <a:p>
-            <a:r>
-              <a:rPr lang="en-US" dirty="0" smtClean="0"/>
-              <a:t>I’ll be using Chrome browser primarily</a:t>
-            </a:r>
-          </a:p>
-          <a:p>
-            <a:r>
-              <a:rPr lang="en-US" dirty="0" smtClean="0"/>
-              <a:t>I’ll use </a:t>
-            </a:r>
-            <a:r>
-              <a:rPr lang="en-US" dirty="0" err="1" smtClean="0"/>
-              <a:t>Pinta</a:t>
-            </a:r>
-            <a:r>
-              <a:rPr lang="en-US" dirty="0" smtClean="0"/>
-              <a:t> for image editing</a:t>
-            </a:r>
-          </a:p>
-          <a:p>
-            <a:r>
-              <a:rPr lang="en-US" dirty="0" smtClean="0"/>
-              <a:t>You should have downloaded and installed these ahead of time</a:t>
-            </a:r>
-          </a:p>
-          <a:p>
-            <a:endParaRPr lang="en-US" dirty="0"/>
-          </a:p>
-        </p:txBody>
-      </p:sp>
-    </p:spTree>
-    <p:extLst>
-      <p:ext uri="{BB962C8B-B14F-4D97-AF65-F5344CB8AC3E}">
-        <p14:creationId xmlns:p14="http://schemas.microsoft.com/office/powerpoint/2010/main" val="3777990209"/>
-      </p:ext>
-    </p:extLst>
-  </p:cSld>
-  <p:clrMapOvr>
-    <a:masterClrMapping/>
-  </p:clrMapOvr>
-</p:sld>
-</file>
-
-<file path=ppt/slides/slide9.xml><?xml version="1.0" encoding="utf-8"?>
-<p:sld xmlns:a="http://schemas.openxmlformats.org/drawingml/2006/main" xmlns:r="http://schemas.openxmlformats.org/officeDocument/2006/relationships" xmlns:p="http://schemas.openxmlformats.org/presentationml/2006/main">
-  <p:cSld>
-    <p:spTree>
-      <p:nvGrpSpPr>
-        <p:cNvPr id="1" name=""/>
-        <p:cNvGrpSpPr/>
-        <p:nvPr/>
-      </p:nvGrpSpPr>
-      <p:grpSpPr>
-        <a:xfrm>
-          <a:off x="0" y="0"/>
-          <a:ext cx="0" cy="0"/>
-          <a:chOff x="0" y="0"/>
-          <a:chExt cx="0" cy="0"/>
-        </a:xfrm>
-      </p:grpSpPr>
-      <p:sp>
-        <p:nvSpPr>
-          <p:cNvPr id="2" name="Title 1"/>
-          <p:cNvSpPr>
-            <a:spLocks noGrp="1"/>
-          </p:cNvSpPr>
-          <p:nvPr>
-            <p:ph type="title"/>
-          </p:nvPr>
-        </p:nvSpPr>
-        <p:spPr/>
-        <p:txBody>
-          <a:bodyPr/>
-          <a:lstStyle/>
-          <a:p>
-            <a:r>
-              <a:rPr lang="en-US" dirty="0" smtClean="0"/>
-              <a:t>HTML</a:t>
-            </a:r>
-            <a:endParaRPr lang="en-US" dirty="0"/>
-          </a:p>
-        </p:txBody>
-      </p:sp>
-      <p:sp>
-        <p:nvSpPr>
-          <p:cNvPr id="3" name="Content Placeholder 2"/>
-          <p:cNvSpPr>
-            <a:spLocks noGrp="1"/>
-          </p:cNvSpPr>
-          <p:nvPr>
-            <p:ph sz="half" idx="1"/>
-          </p:nvPr>
-        </p:nvSpPr>
-        <p:spPr/>
-        <p:txBody>
-          <a:bodyPr/>
-          <a:lstStyle/>
-          <a:p>
-            <a:r>
-              <a:rPr lang="en-US" dirty="0" smtClean="0"/>
-              <a:t>Hyper Text Markup Language</a:t>
-            </a:r>
-          </a:p>
-          <a:p>
-            <a:r>
-              <a:rPr lang="en-US" dirty="0" smtClean="0"/>
-              <a:t>Stuff you add to a document to make it display in a web browser</a:t>
-            </a:r>
-          </a:p>
-          <a:p>
-            <a:r>
-              <a:rPr lang="en-US" dirty="0" smtClean="0"/>
-              <a:t>Made up of </a:t>
-            </a:r>
-            <a:r>
-              <a:rPr lang="en-US" i="1" dirty="0" smtClean="0"/>
-              <a:t>tags</a:t>
-            </a:r>
-            <a:r>
-              <a:rPr lang="en-US" dirty="0" smtClean="0"/>
-              <a:t>:</a:t>
-            </a:r>
-            <a:br>
-              <a:rPr lang="en-US" dirty="0" smtClean="0"/>
-            </a:br>
-            <a:r>
-              <a:rPr lang="en-US" dirty="0" smtClean="0"/>
-              <a:t>&lt;div&gt;</a:t>
-            </a:r>
-            <a:br>
-              <a:rPr lang="en-US" dirty="0" smtClean="0"/>
-            </a:br>
-            <a:r>
-              <a:rPr lang="en-US" dirty="0" smtClean="0"/>
-              <a:t>&lt;</a:t>
-            </a:r>
-            <a:r>
-              <a:rPr lang="en-US" dirty="0" err="1" smtClean="0"/>
-              <a:t>img</a:t>
-            </a:r>
-            <a:r>
-              <a:rPr lang="en-US" dirty="0" smtClean="0"/>
-              <a:t>&gt;</a:t>
-            </a:r>
-            <a:endParaRPr lang="en-US" dirty="0"/>
-          </a:p>
-        </p:txBody>
-      </p:sp>
-      <p:pic>
-        <p:nvPicPr>
-          <p:cNvPr id="7" name="Content Placeholder 6"/>
-          <p:cNvPicPr>
-            <a:picLocks noGrp="1" noChangeAspect="1"/>
-          </p:cNvPicPr>
-          <p:nvPr>
-            <p:ph sz="half" idx="2"/>
-          </p:nvPr>
-        </p:nvPicPr>
-        <p:blipFill rotWithShape="1">
-          <a:blip r:embed="rId2"/>
-          <a:srcRect l="18749" t="30076" r="49408" b="40520"/>
-          <a:stretch/>
-        </p:blipFill>
-        <p:spPr>
-          <a:xfrm>
-            <a:off x="6019799" y="2263387"/>
-            <a:ext cx="4756636" cy="3513911"/>
-          </a:xfrm>
-          <a:prstGeom prst="rect">
-            <a:avLst/>
-          </a:prstGeom>
-        </p:spPr>
-      </p:pic>
-    </p:spTree>
-    <p:extLst>
-      <p:ext uri="{BB962C8B-B14F-4D97-AF65-F5344CB8AC3E}">
-        <p14:creationId xmlns:p14="http://schemas.microsoft.com/office/powerpoint/2010/main" val="3828156459"/>
+        <p14:creationId xmlns:p14="http://schemas.microsoft.com/office/powerpoint/2010/main" val="2866406294"/>
       </p:ext>
     </p:extLst>
   </p:cSld>

--- a/Slides/Lesson 9.pptx
+++ b/Slides/Lesson 9.pptx
@@ -8,7 +8,9 @@
     <p:sldId id="256" r:id="rId2"/>
     <p:sldId id="257" r:id="rId3"/>
     <p:sldId id="262" r:id="rId4"/>
-    <p:sldId id="272" r:id="rId5"/>
+    <p:sldId id="273" r:id="rId5"/>
+    <p:sldId id="274" r:id="rId6"/>
+    <p:sldId id="272" r:id="rId7"/>
   </p:sldIdLst>
   <p:sldSz cx="12192000" cy="6858000"/>
   <p:notesSz cx="6858000" cy="9144000"/>
@@ -172,7 +174,7 @@
           <a:noFill/>
           <a:extLst>
             <a:ext uri="{909E8E84-426E-40dd-AFC4-6F175D3DCCD1}">
-              <a14:hiddenFill xmlns:a14="http://schemas.microsoft.com/office/drawing/2010/main" xmlns="">
+              <a14:hiddenFill xmlns="" xmlns:a14="http://schemas.microsoft.com/office/drawing/2010/main">
                 <a:solidFill>
                   <a:srgbClr val="FFFFFF"/>
                 </a:solidFill>
@@ -231,7 +233,7 @@
             </a:ln>
             <a:extLst>
               <a:ext uri="{91240B29-F687-4f45-9708-019B960494DF}">
-                <a14:hiddenLine xmlns:a14="http://schemas.microsoft.com/office/drawing/2010/main" xmlns="" w="9525">
+                <a14:hiddenLine xmlns="" xmlns:a14="http://schemas.microsoft.com/office/drawing/2010/main" w="9525">
                   <a:solidFill>
                     <a:srgbClr val="000000"/>
                   </a:solidFill>
@@ -321,7 +323,7 @@
             </a:ln>
             <a:extLst>
               <a:ext uri="{91240B29-F687-4f45-9708-019B960494DF}">
-                <a14:hiddenLine xmlns:a14="http://schemas.microsoft.com/office/drawing/2010/main" xmlns="" w="9525">
+                <a14:hiddenLine xmlns="" xmlns:a14="http://schemas.microsoft.com/office/drawing/2010/main" w="9525">
                   <a:solidFill>
                     <a:srgbClr val="000000"/>
                   </a:solidFill>
@@ -411,7 +413,7 @@
             </a:ln>
             <a:extLst>
               <a:ext uri="{91240B29-F687-4f45-9708-019B960494DF}">
-                <a14:hiddenLine xmlns:a14="http://schemas.microsoft.com/office/drawing/2010/main" xmlns="" w="9525">
+                <a14:hiddenLine xmlns="" xmlns:a14="http://schemas.microsoft.com/office/drawing/2010/main" w="9525">
                   <a:solidFill>
                     <a:srgbClr val="000000"/>
                   </a:solidFill>
@@ -445,7 +447,7 @@
             </a:ln>
             <a:extLst>
               <a:ext uri="{91240B29-F687-4f45-9708-019B960494DF}">
-                <a14:hiddenLine xmlns:a14="http://schemas.microsoft.com/office/drawing/2010/main" xmlns="" w="9525">
+                <a14:hiddenLine xmlns="" xmlns:a14="http://schemas.microsoft.com/office/drawing/2010/main" w="9525">
                   <a:solidFill>
                     <a:srgbClr val="000000"/>
                   </a:solidFill>
@@ -535,7 +537,7 @@
             </a:ln>
             <a:extLst>
               <a:ext uri="{91240B29-F687-4f45-9708-019B960494DF}">
-                <a14:hiddenLine xmlns:a14="http://schemas.microsoft.com/office/drawing/2010/main" xmlns="" w="9525">
+                <a14:hiddenLine xmlns="" xmlns:a14="http://schemas.microsoft.com/office/drawing/2010/main" w="9525">
                   <a:solidFill>
                     <a:srgbClr val="000000"/>
                   </a:solidFill>
@@ -597,7 +599,7 @@
             </a:ln>
             <a:extLst>
               <a:ext uri="{91240B29-F687-4f45-9708-019B960494DF}">
-                <a14:hiddenLine xmlns:a14="http://schemas.microsoft.com/office/drawing/2010/main" xmlns="" w="9525">
+                <a14:hiddenLine xmlns="" xmlns:a14="http://schemas.microsoft.com/office/drawing/2010/main" w="9525">
                   <a:solidFill>
                     <a:srgbClr val="000000"/>
                   </a:solidFill>
@@ -659,7 +661,7 @@
             </a:ln>
             <a:extLst>
               <a:ext uri="{91240B29-F687-4f45-9708-019B960494DF}">
-                <a14:hiddenLine xmlns:a14="http://schemas.microsoft.com/office/drawing/2010/main" xmlns="" w="9525">
+                <a14:hiddenLine xmlns="" xmlns:a14="http://schemas.microsoft.com/office/drawing/2010/main" w="9525">
                   <a:solidFill>
                     <a:srgbClr val="000000"/>
                   </a:solidFill>
@@ -749,7 +751,7 @@
             </a:ln>
             <a:extLst>
               <a:ext uri="{91240B29-F687-4f45-9708-019B960494DF}">
-                <a14:hiddenLine xmlns:a14="http://schemas.microsoft.com/office/drawing/2010/main" xmlns="" w="9525">
+                <a14:hiddenLine xmlns="" xmlns:a14="http://schemas.microsoft.com/office/drawing/2010/main" w="9525">
                   <a:solidFill>
                     <a:srgbClr val="000000"/>
                   </a:solidFill>
@@ -811,7 +813,7 @@
             </a:ln>
             <a:extLst>
               <a:ext uri="{91240B29-F687-4f45-9708-019B960494DF}">
-                <a14:hiddenLine xmlns:a14="http://schemas.microsoft.com/office/drawing/2010/main" xmlns="" w="9525">
+                <a14:hiddenLine xmlns="" xmlns:a14="http://schemas.microsoft.com/office/drawing/2010/main" w="9525">
                   <a:solidFill>
                     <a:srgbClr val="000000"/>
                   </a:solidFill>
@@ -873,7 +875,7 @@
             </a:ln>
             <a:extLst>
               <a:ext uri="{91240B29-F687-4f45-9708-019B960494DF}">
-                <a14:hiddenLine xmlns:a14="http://schemas.microsoft.com/office/drawing/2010/main" xmlns="" w="9525">
+                <a14:hiddenLine xmlns="" xmlns:a14="http://schemas.microsoft.com/office/drawing/2010/main" w="9525">
                   <a:solidFill>
                     <a:srgbClr val="000000"/>
                   </a:solidFill>
@@ -963,7 +965,7 @@
             </a:ln>
             <a:extLst>
               <a:ext uri="{91240B29-F687-4f45-9708-019B960494DF}">
-                <a14:hiddenLine xmlns:a14="http://schemas.microsoft.com/office/drawing/2010/main" xmlns="" w="9525">
+                <a14:hiddenLine xmlns="" xmlns:a14="http://schemas.microsoft.com/office/drawing/2010/main" w="9525">
                   <a:solidFill>
                     <a:srgbClr val="000000"/>
                   </a:solidFill>
@@ -1053,7 +1055,7 @@
             </a:ln>
             <a:extLst>
               <a:ext uri="{91240B29-F687-4f45-9708-019B960494DF}">
-                <a14:hiddenLine xmlns:a14="http://schemas.microsoft.com/office/drawing/2010/main" xmlns="" w="9525">
+                <a14:hiddenLine xmlns="" xmlns:a14="http://schemas.microsoft.com/office/drawing/2010/main" w="9525">
                   <a:solidFill>
                     <a:srgbClr val="000000"/>
                   </a:solidFill>
@@ -1115,7 +1117,7 @@
             </a:ln>
             <a:extLst>
               <a:ext uri="{91240B29-F687-4f45-9708-019B960494DF}">
-                <a14:hiddenLine xmlns:a14="http://schemas.microsoft.com/office/drawing/2010/main" xmlns="" w="9525">
+                <a14:hiddenLine xmlns="" xmlns:a14="http://schemas.microsoft.com/office/drawing/2010/main" w="9525">
                   <a:solidFill>
                     <a:srgbClr val="000000"/>
                   </a:solidFill>
@@ -1225,7 +1227,7 @@
             </a:ln>
             <a:extLst>
               <a:ext uri="{91240B29-F687-4f45-9708-019B960494DF}">
-                <a14:hiddenLine xmlns:a14="http://schemas.microsoft.com/office/drawing/2010/main" xmlns="" w="9525">
+                <a14:hiddenLine xmlns="" xmlns:a14="http://schemas.microsoft.com/office/drawing/2010/main" w="9525">
                   <a:solidFill>
                     <a:srgbClr val="000000"/>
                   </a:solidFill>
@@ -1287,7 +1289,7 @@
             </a:ln>
             <a:extLst>
               <a:ext uri="{91240B29-F687-4f45-9708-019B960494DF}">
-                <a14:hiddenLine xmlns:a14="http://schemas.microsoft.com/office/drawing/2010/main" xmlns="" w="9525">
+                <a14:hiddenLine xmlns="" xmlns:a14="http://schemas.microsoft.com/office/drawing/2010/main" w="9525">
                   <a:solidFill>
                     <a:srgbClr val="000000"/>
                   </a:solidFill>
@@ -1377,7 +1379,7 @@
             </a:ln>
             <a:extLst>
               <a:ext uri="{91240B29-F687-4f45-9708-019B960494DF}">
-                <a14:hiddenLine xmlns:a14="http://schemas.microsoft.com/office/drawing/2010/main" xmlns="" w="9525">
+                <a14:hiddenLine xmlns="" xmlns:a14="http://schemas.microsoft.com/office/drawing/2010/main" w="9525">
                   <a:solidFill>
                     <a:srgbClr val="000000"/>
                   </a:solidFill>
@@ -1467,7 +1469,7 @@
             </a:ln>
             <a:extLst>
               <a:ext uri="{91240B29-F687-4f45-9708-019B960494DF}">
-                <a14:hiddenLine xmlns:a14="http://schemas.microsoft.com/office/drawing/2010/main" xmlns="" w="9525">
+                <a14:hiddenLine xmlns="" xmlns:a14="http://schemas.microsoft.com/office/drawing/2010/main" w="9525">
                   <a:solidFill>
                     <a:srgbClr val="000000"/>
                   </a:solidFill>
@@ -1529,7 +1531,7 @@
             </a:ln>
             <a:extLst>
               <a:ext uri="{91240B29-F687-4f45-9708-019B960494DF}">
-                <a14:hiddenLine xmlns:a14="http://schemas.microsoft.com/office/drawing/2010/main" xmlns="" w="9525">
+                <a14:hiddenLine xmlns="" xmlns:a14="http://schemas.microsoft.com/office/drawing/2010/main" w="9525">
                   <a:solidFill>
                     <a:srgbClr val="000000"/>
                   </a:solidFill>
@@ -1619,7 +1621,7 @@
             </a:ln>
             <a:extLst>
               <a:ext uri="{91240B29-F687-4f45-9708-019B960494DF}">
-                <a14:hiddenLine xmlns:a14="http://schemas.microsoft.com/office/drawing/2010/main" xmlns="" w="9525">
+                <a14:hiddenLine xmlns="" xmlns:a14="http://schemas.microsoft.com/office/drawing/2010/main" w="9525">
                   <a:solidFill>
                     <a:srgbClr val="000000"/>
                   </a:solidFill>
@@ -1709,7 +1711,7 @@
             </a:ln>
             <a:extLst>
               <a:ext uri="{91240B29-F687-4f45-9708-019B960494DF}">
-                <a14:hiddenLine xmlns:a14="http://schemas.microsoft.com/office/drawing/2010/main" xmlns="" w="9525">
+                <a14:hiddenLine xmlns="" xmlns:a14="http://schemas.microsoft.com/office/drawing/2010/main" w="9525">
                   <a:solidFill>
                     <a:srgbClr val="000000"/>
                   </a:solidFill>
@@ -1765,7 +1767,7 @@
             </a:ln>
             <a:extLst>
               <a:ext uri="{91240B29-F687-4f45-9708-019B960494DF}">
-                <a14:hiddenLine xmlns:a14="http://schemas.microsoft.com/office/drawing/2010/main" xmlns="" w="9525">
+                <a14:hiddenLine xmlns="" xmlns:a14="http://schemas.microsoft.com/office/drawing/2010/main" w="9525">
                   <a:solidFill>
                     <a:srgbClr val="000000"/>
                   </a:solidFill>
@@ -1855,7 +1857,7 @@
             </a:ln>
             <a:extLst>
               <a:ext uri="{91240B29-F687-4f45-9708-019B960494DF}">
-                <a14:hiddenLine xmlns:a14="http://schemas.microsoft.com/office/drawing/2010/main" xmlns="" w="9525">
+                <a14:hiddenLine xmlns="" xmlns:a14="http://schemas.microsoft.com/office/drawing/2010/main" w="9525">
                   <a:solidFill>
                     <a:srgbClr val="000000"/>
                   </a:solidFill>
@@ -1911,7 +1913,7 @@
             </a:ln>
             <a:extLst>
               <a:ext uri="{91240B29-F687-4f45-9708-019B960494DF}">
-                <a14:hiddenLine xmlns:a14="http://schemas.microsoft.com/office/drawing/2010/main" xmlns="" w="9525">
+                <a14:hiddenLine xmlns="" xmlns:a14="http://schemas.microsoft.com/office/drawing/2010/main" w="9525">
                   <a:solidFill>
                     <a:srgbClr val="000000"/>
                   </a:solidFill>
@@ -2001,7 +2003,7 @@
             </a:ln>
             <a:extLst>
               <a:ext uri="{91240B29-F687-4f45-9708-019B960494DF}">
-                <a14:hiddenLine xmlns:a14="http://schemas.microsoft.com/office/drawing/2010/main" xmlns="" w="9525">
+                <a14:hiddenLine xmlns="" xmlns:a14="http://schemas.microsoft.com/office/drawing/2010/main" w="9525">
                   <a:solidFill>
                     <a:srgbClr val="000000"/>
                   </a:solidFill>
@@ -2069,7 +2071,7 @@
             </a:ln>
             <a:extLst>
               <a:ext uri="{91240B29-F687-4f45-9708-019B960494DF}">
-                <a14:hiddenLine xmlns:a14="http://schemas.microsoft.com/office/drawing/2010/main" xmlns="" w="9525">
+                <a14:hiddenLine xmlns="" xmlns:a14="http://schemas.microsoft.com/office/drawing/2010/main" w="9525">
                   <a:solidFill>
                     <a:srgbClr val="000000"/>
                   </a:solidFill>
@@ -2159,7 +2161,7 @@
             </a:ln>
             <a:extLst>
               <a:ext uri="{91240B29-F687-4f45-9708-019B960494DF}">
-                <a14:hiddenLine xmlns:a14="http://schemas.microsoft.com/office/drawing/2010/main" xmlns="" w="9525">
+                <a14:hiddenLine xmlns="" xmlns:a14="http://schemas.microsoft.com/office/drawing/2010/main" w="9525">
                   <a:solidFill>
                     <a:srgbClr val="000000"/>
                   </a:solidFill>
@@ -2227,7 +2229,7 @@
             </a:ln>
             <a:extLst>
               <a:ext uri="{91240B29-F687-4f45-9708-019B960494DF}">
-                <a14:hiddenLine xmlns:a14="http://schemas.microsoft.com/office/drawing/2010/main" xmlns="" w="9525">
+                <a14:hiddenLine xmlns="" xmlns:a14="http://schemas.microsoft.com/office/drawing/2010/main" w="9525">
                   <a:solidFill>
                     <a:srgbClr val="000000"/>
                   </a:solidFill>
@@ -2317,7 +2319,7 @@
             </a:ln>
             <a:extLst>
               <a:ext uri="{91240B29-F687-4f45-9708-019B960494DF}">
-                <a14:hiddenLine xmlns:a14="http://schemas.microsoft.com/office/drawing/2010/main" xmlns="" w="9525">
+                <a14:hiddenLine xmlns="" xmlns:a14="http://schemas.microsoft.com/office/drawing/2010/main" w="9525">
                   <a:solidFill>
                     <a:srgbClr val="000000"/>
                   </a:solidFill>
@@ -2351,7 +2353,7 @@
             </a:ln>
             <a:extLst>
               <a:ext uri="{91240B29-F687-4f45-9708-019B960494DF}">
-                <a14:hiddenLine xmlns:a14="http://schemas.microsoft.com/office/drawing/2010/main" xmlns="" w="9525">
+                <a14:hiddenLine xmlns="" xmlns:a14="http://schemas.microsoft.com/office/drawing/2010/main" w="9525">
                   <a:solidFill>
                     <a:srgbClr val="000000"/>
                   </a:solidFill>
@@ -2441,7 +2443,7 @@
             </a:ln>
             <a:extLst>
               <a:ext uri="{91240B29-F687-4f45-9708-019B960494DF}">
-                <a14:hiddenLine xmlns:a14="http://schemas.microsoft.com/office/drawing/2010/main" xmlns="" w="9525">
+                <a14:hiddenLine xmlns="" xmlns:a14="http://schemas.microsoft.com/office/drawing/2010/main" w="9525">
                   <a:solidFill>
                     <a:srgbClr val="000000"/>
                   </a:solidFill>
@@ -2503,7 +2505,7 @@
             </a:ln>
             <a:extLst>
               <a:ext uri="{91240B29-F687-4f45-9708-019B960494DF}">
-                <a14:hiddenLine xmlns:a14="http://schemas.microsoft.com/office/drawing/2010/main" xmlns="" w="9525">
+                <a14:hiddenLine xmlns="" xmlns:a14="http://schemas.microsoft.com/office/drawing/2010/main" w="9525">
                   <a:solidFill>
                     <a:srgbClr val="000000"/>
                   </a:solidFill>
@@ -2565,7 +2567,7 @@
             </a:ln>
             <a:extLst>
               <a:ext uri="{91240B29-F687-4f45-9708-019B960494DF}">
-                <a14:hiddenLine xmlns:a14="http://schemas.microsoft.com/office/drawing/2010/main" xmlns="" w="9525">
+                <a14:hiddenLine xmlns="" xmlns:a14="http://schemas.microsoft.com/office/drawing/2010/main" w="9525">
                   <a:solidFill>
                     <a:srgbClr val="000000"/>
                   </a:solidFill>
@@ -2655,7 +2657,7 @@
             </a:ln>
             <a:extLst>
               <a:ext uri="{91240B29-F687-4f45-9708-019B960494DF}">
-                <a14:hiddenLine xmlns:a14="http://schemas.microsoft.com/office/drawing/2010/main" xmlns="" w="9525">
+                <a14:hiddenLine xmlns="" xmlns:a14="http://schemas.microsoft.com/office/drawing/2010/main" w="9525">
                   <a:solidFill>
                     <a:srgbClr val="000000"/>
                   </a:solidFill>
@@ -2723,7 +2725,7 @@
             </a:ln>
             <a:extLst>
               <a:ext uri="{91240B29-F687-4f45-9708-019B960494DF}">
-                <a14:hiddenLine xmlns:a14="http://schemas.microsoft.com/office/drawing/2010/main" xmlns="" w="9525">
+                <a14:hiddenLine xmlns="" xmlns:a14="http://schemas.microsoft.com/office/drawing/2010/main" w="9525">
                   <a:solidFill>
                     <a:srgbClr val="000000"/>
                   </a:solidFill>
@@ -2785,7 +2787,7 @@
             </a:ln>
             <a:extLst>
               <a:ext uri="{91240B29-F687-4f45-9708-019B960494DF}">
-                <a14:hiddenLine xmlns:a14="http://schemas.microsoft.com/office/drawing/2010/main" xmlns="" w="9525">
+                <a14:hiddenLine xmlns="" xmlns:a14="http://schemas.microsoft.com/office/drawing/2010/main" w="9525">
                   <a:solidFill>
                     <a:srgbClr val="000000"/>
                   </a:solidFill>
@@ -2875,7 +2877,7 @@
             </a:ln>
             <a:extLst>
               <a:ext uri="{91240B29-F687-4f45-9708-019B960494DF}">
-                <a14:hiddenLine xmlns:a14="http://schemas.microsoft.com/office/drawing/2010/main" xmlns="" w="9525">
+                <a14:hiddenLine xmlns="" xmlns:a14="http://schemas.microsoft.com/office/drawing/2010/main" w="9525">
                   <a:solidFill>
                     <a:srgbClr val="000000"/>
                   </a:solidFill>
@@ -2937,7 +2939,7 @@
             </a:ln>
             <a:extLst>
               <a:ext uri="{91240B29-F687-4f45-9708-019B960494DF}">
-                <a14:hiddenLine xmlns:a14="http://schemas.microsoft.com/office/drawing/2010/main" xmlns="" w="9525">
+                <a14:hiddenLine xmlns="" xmlns:a14="http://schemas.microsoft.com/office/drawing/2010/main" w="9525">
                   <a:solidFill>
                     <a:srgbClr val="000000"/>
                   </a:solidFill>
@@ -3027,7 +3029,7 @@
             </a:ln>
             <a:extLst>
               <a:ext uri="{91240B29-F687-4f45-9708-019B960494DF}">
-                <a14:hiddenLine xmlns:a14="http://schemas.microsoft.com/office/drawing/2010/main" xmlns="" w="9525">
+                <a14:hiddenLine xmlns="" xmlns:a14="http://schemas.microsoft.com/office/drawing/2010/main" w="9525">
                   <a:solidFill>
                     <a:srgbClr val="000000"/>
                   </a:solidFill>
@@ -3089,7 +3091,7 @@
             </a:ln>
             <a:extLst>
               <a:ext uri="{91240B29-F687-4f45-9708-019B960494DF}">
-                <a14:hiddenLine xmlns:a14="http://schemas.microsoft.com/office/drawing/2010/main" xmlns="" w="9525">
+                <a14:hiddenLine xmlns="" xmlns:a14="http://schemas.microsoft.com/office/drawing/2010/main" w="9525">
                   <a:solidFill>
                     <a:srgbClr val="000000"/>
                   </a:solidFill>
@@ -3179,7 +3181,7 @@
             </a:ln>
             <a:extLst>
               <a:ext uri="{91240B29-F687-4f45-9708-019B960494DF}">
-                <a14:hiddenLine xmlns:a14="http://schemas.microsoft.com/office/drawing/2010/main" xmlns="" w="9525">
+                <a14:hiddenLine xmlns="" xmlns:a14="http://schemas.microsoft.com/office/drawing/2010/main" w="9525">
                   <a:solidFill>
                     <a:srgbClr val="000000"/>
                   </a:solidFill>
@@ -3213,7 +3215,7 @@
             </a:ln>
             <a:extLst>
               <a:ext uri="{91240B29-F687-4f45-9708-019B960494DF}">
-                <a14:hiddenLine xmlns:a14="http://schemas.microsoft.com/office/drawing/2010/main" xmlns="" w="9525">
+                <a14:hiddenLine xmlns="" xmlns:a14="http://schemas.microsoft.com/office/drawing/2010/main" w="9525">
                   <a:solidFill>
                     <a:srgbClr val="000000"/>
                   </a:solidFill>
@@ -3278,7 +3280,7 @@
             </a:ln>
             <a:extLst>
               <a:ext uri="{91240B29-F687-4f45-9708-019B960494DF}">
-                <a14:hiddenLine xmlns:a14="http://schemas.microsoft.com/office/drawing/2010/main" xmlns="" w="9525">
+                <a14:hiddenLine xmlns="" xmlns:a14="http://schemas.microsoft.com/office/drawing/2010/main" w="9525">
                   <a:solidFill>
                     <a:srgbClr val="000000"/>
                   </a:solidFill>
@@ -3368,7 +3370,7 @@
             </a:ln>
             <a:extLst>
               <a:ext uri="{91240B29-F687-4f45-9708-019B960494DF}">
-                <a14:hiddenLine xmlns:a14="http://schemas.microsoft.com/office/drawing/2010/main" xmlns="" w="9525">
+                <a14:hiddenLine xmlns="" xmlns:a14="http://schemas.microsoft.com/office/drawing/2010/main" w="9525">
                   <a:solidFill>
                     <a:srgbClr val="000000"/>
                   </a:solidFill>
@@ -3430,7 +3432,7 @@
             </a:ln>
             <a:extLst>
               <a:ext uri="{91240B29-F687-4f45-9708-019B960494DF}">
-                <a14:hiddenLine xmlns:a14="http://schemas.microsoft.com/office/drawing/2010/main" xmlns="" w="9525">
+                <a14:hiddenLine xmlns="" xmlns:a14="http://schemas.microsoft.com/office/drawing/2010/main" w="9525">
                   <a:solidFill>
                     <a:srgbClr val="000000"/>
                   </a:solidFill>
@@ -3520,7 +3522,7 @@
             </a:ln>
             <a:extLst>
               <a:ext uri="{91240B29-F687-4f45-9708-019B960494DF}">
-                <a14:hiddenLine xmlns:a14="http://schemas.microsoft.com/office/drawing/2010/main" xmlns="" w="9525">
+                <a14:hiddenLine xmlns="" xmlns:a14="http://schemas.microsoft.com/office/drawing/2010/main" w="9525">
                   <a:solidFill>
                     <a:srgbClr val="000000"/>
                   </a:solidFill>
@@ -3610,7 +3612,7 @@
             </a:ln>
             <a:extLst>
               <a:ext uri="{91240B29-F687-4f45-9708-019B960494DF}">
-                <a14:hiddenLine xmlns:a14="http://schemas.microsoft.com/office/drawing/2010/main" xmlns="" w="9525">
+                <a14:hiddenLine xmlns="" xmlns:a14="http://schemas.microsoft.com/office/drawing/2010/main" w="9525">
                   <a:solidFill>
                     <a:srgbClr val="000000"/>
                   </a:solidFill>
@@ -3675,7 +3677,7 @@
             </a:ln>
             <a:extLst>
               <a:ext uri="{91240B29-F687-4f45-9708-019B960494DF}">
-                <a14:hiddenLine xmlns:a14="http://schemas.microsoft.com/office/drawing/2010/main" xmlns="" w="9525">
+                <a14:hiddenLine xmlns="" xmlns:a14="http://schemas.microsoft.com/office/drawing/2010/main" w="9525">
                   <a:solidFill>
                     <a:srgbClr val="000000"/>
                   </a:solidFill>
@@ -3737,7 +3739,7 @@
             </a:ln>
             <a:extLst>
               <a:ext uri="{91240B29-F687-4f45-9708-019B960494DF}">
-                <a14:hiddenLine xmlns:a14="http://schemas.microsoft.com/office/drawing/2010/main" xmlns="" w="9525">
+                <a14:hiddenLine xmlns="" xmlns:a14="http://schemas.microsoft.com/office/drawing/2010/main" w="9525">
                   <a:solidFill>
                     <a:srgbClr val="000000"/>
                   </a:solidFill>
@@ -3827,7 +3829,7 @@
             </a:ln>
             <a:extLst>
               <a:ext uri="{91240B29-F687-4f45-9708-019B960494DF}">
-                <a14:hiddenLine xmlns:a14="http://schemas.microsoft.com/office/drawing/2010/main" xmlns="" w="9525">
+                <a14:hiddenLine xmlns="" xmlns:a14="http://schemas.microsoft.com/office/drawing/2010/main" w="9525">
                   <a:solidFill>
                     <a:srgbClr val="000000"/>
                   </a:solidFill>
@@ -3917,7 +3919,7 @@
             </a:ln>
             <a:extLst>
               <a:ext uri="{91240B29-F687-4f45-9708-019B960494DF}">
-                <a14:hiddenLine xmlns:a14="http://schemas.microsoft.com/office/drawing/2010/main" xmlns="" w="9525">
+                <a14:hiddenLine xmlns="" xmlns:a14="http://schemas.microsoft.com/office/drawing/2010/main" w="9525">
                   <a:solidFill>
                     <a:srgbClr val="000000"/>
                   </a:solidFill>
@@ -3979,7 +3981,7 @@
             </a:ln>
             <a:extLst>
               <a:ext uri="{91240B29-F687-4f45-9708-019B960494DF}">
-                <a14:hiddenLine xmlns:a14="http://schemas.microsoft.com/office/drawing/2010/main" xmlns="" w="9525">
+                <a14:hiddenLine xmlns="" xmlns:a14="http://schemas.microsoft.com/office/drawing/2010/main" w="9525">
                   <a:solidFill>
                     <a:srgbClr val="000000"/>
                   </a:solidFill>
@@ -4099,7 +4101,7 @@
             </a:ln>
             <a:extLst>
               <a:ext uri="{91240B29-F687-4f45-9708-019B960494DF}">
-                <a14:hiddenLine xmlns:a14="http://schemas.microsoft.com/office/drawing/2010/main" xmlns="" w="9525">
+                <a14:hiddenLine xmlns="" xmlns:a14="http://schemas.microsoft.com/office/drawing/2010/main" w="9525">
                   <a:solidFill>
                     <a:srgbClr val="000000"/>
                   </a:solidFill>
@@ -4167,7 +4169,7 @@
             </a:ln>
             <a:extLst>
               <a:ext uri="{91240B29-F687-4f45-9708-019B960494DF}">
-                <a14:hiddenLine xmlns:a14="http://schemas.microsoft.com/office/drawing/2010/main" xmlns="" w="9525">
+                <a14:hiddenLine xmlns="" xmlns:a14="http://schemas.microsoft.com/office/drawing/2010/main" w="9525">
                   <a:solidFill>
                     <a:srgbClr val="000000"/>
                   </a:solidFill>
@@ -4257,7 +4259,7 @@
             </a:ln>
             <a:extLst>
               <a:ext uri="{91240B29-F687-4f45-9708-019B960494DF}">
-                <a14:hiddenLine xmlns:a14="http://schemas.microsoft.com/office/drawing/2010/main" xmlns="" w="9525">
+                <a14:hiddenLine xmlns="" xmlns:a14="http://schemas.microsoft.com/office/drawing/2010/main" w="9525">
                   <a:solidFill>
                     <a:srgbClr val="000000"/>
                   </a:solidFill>
@@ -9071,7 +9073,7 @@
           <a:noFill/>
           <a:extLst>
             <a:ext uri="{909E8E84-426E-40dd-AFC4-6F175D3DCCD1}">
-              <a14:hiddenFill xmlns:a14="http://schemas.microsoft.com/office/drawing/2010/main" xmlns="">
+              <a14:hiddenFill xmlns="" xmlns:a14="http://schemas.microsoft.com/office/drawing/2010/main">
                 <a:solidFill>
                   <a:srgbClr val="FFFFFF"/>
                 </a:solidFill>
@@ -9145,7 +9147,7 @@
               </a:ln>
               <a:extLst>
                 <a:ext uri="{91240B29-F687-4f45-9708-019B960494DF}">
-                  <a14:hiddenLine xmlns:a14="http://schemas.microsoft.com/office/drawing/2010/main" xmlns="" w="9525">
+                  <a14:hiddenLine xmlns="" xmlns:a14="http://schemas.microsoft.com/office/drawing/2010/main" w="9525">
                     <a:solidFill>
                       <a:srgbClr val="000000"/>
                     </a:solidFill>
@@ -9235,7 +9237,7 @@
               </a:ln>
               <a:extLst>
                 <a:ext uri="{91240B29-F687-4f45-9708-019B960494DF}">
-                  <a14:hiddenLine xmlns:a14="http://schemas.microsoft.com/office/drawing/2010/main" xmlns="" w="9525">
+                  <a14:hiddenLine xmlns="" xmlns:a14="http://schemas.microsoft.com/office/drawing/2010/main" w="9525">
                     <a:solidFill>
                       <a:srgbClr val="000000"/>
                     </a:solidFill>
@@ -9325,7 +9327,7 @@
               </a:ln>
               <a:extLst>
                 <a:ext uri="{91240B29-F687-4f45-9708-019B960494DF}">
-                  <a14:hiddenLine xmlns:a14="http://schemas.microsoft.com/office/drawing/2010/main" xmlns="" w="9525">
+                  <a14:hiddenLine xmlns="" xmlns:a14="http://schemas.microsoft.com/office/drawing/2010/main" w="9525">
                     <a:solidFill>
                       <a:srgbClr val="000000"/>
                     </a:solidFill>
@@ -9387,7 +9389,7 @@
               </a:ln>
               <a:extLst>
                 <a:ext uri="{91240B29-F687-4f45-9708-019B960494DF}">
-                  <a14:hiddenLine xmlns:a14="http://schemas.microsoft.com/office/drawing/2010/main" xmlns="" w="9525">
+                  <a14:hiddenLine xmlns="" xmlns:a14="http://schemas.microsoft.com/office/drawing/2010/main" w="9525">
                     <a:solidFill>
                       <a:srgbClr val="000000"/>
                     </a:solidFill>
@@ -9477,7 +9479,7 @@
               </a:ln>
               <a:extLst>
                 <a:ext uri="{91240B29-F687-4f45-9708-019B960494DF}">
-                  <a14:hiddenLine xmlns:a14="http://schemas.microsoft.com/office/drawing/2010/main" xmlns="" w="9525">
+                  <a14:hiddenLine xmlns="" xmlns:a14="http://schemas.microsoft.com/office/drawing/2010/main" w="9525">
                     <a:solidFill>
                       <a:srgbClr val="000000"/>
                     </a:solidFill>
@@ -9539,7 +9541,7 @@
               </a:ln>
               <a:extLst>
                 <a:ext uri="{91240B29-F687-4f45-9708-019B960494DF}">
-                  <a14:hiddenLine xmlns:a14="http://schemas.microsoft.com/office/drawing/2010/main" xmlns="" w="9525">
+                  <a14:hiddenLine xmlns="" xmlns:a14="http://schemas.microsoft.com/office/drawing/2010/main" w="9525">
                     <a:solidFill>
                       <a:srgbClr val="000000"/>
                     </a:solidFill>
@@ -9601,7 +9603,7 @@
               </a:ln>
               <a:extLst>
                 <a:ext uri="{91240B29-F687-4f45-9708-019B960494DF}">
-                  <a14:hiddenLine xmlns:a14="http://schemas.microsoft.com/office/drawing/2010/main" xmlns="" w="9525">
+                  <a14:hiddenLine xmlns="" xmlns:a14="http://schemas.microsoft.com/office/drawing/2010/main" w="9525">
                     <a:solidFill>
                       <a:srgbClr val="000000"/>
                     </a:solidFill>
@@ -9691,7 +9693,7 @@
               </a:ln>
               <a:extLst>
                 <a:ext uri="{91240B29-F687-4f45-9708-019B960494DF}">
-                  <a14:hiddenLine xmlns:a14="http://schemas.microsoft.com/office/drawing/2010/main" xmlns="" w="9525">
+                  <a14:hiddenLine xmlns="" xmlns:a14="http://schemas.microsoft.com/office/drawing/2010/main" w="9525">
                     <a:solidFill>
                       <a:srgbClr val="000000"/>
                     </a:solidFill>
@@ -9781,7 +9783,7 @@
               </a:ln>
               <a:extLst>
                 <a:ext uri="{91240B29-F687-4f45-9708-019B960494DF}">
-                  <a14:hiddenLine xmlns:a14="http://schemas.microsoft.com/office/drawing/2010/main" xmlns="" w="9525">
+                  <a14:hiddenLine xmlns="" xmlns:a14="http://schemas.microsoft.com/office/drawing/2010/main" w="9525">
                     <a:solidFill>
                       <a:srgbClr val="000000"/>
                     </a:solidFill>
@@ -9843,7 +9845,7 @@
               </a:ln>
               <a:extLst>
                 <a:ext uri="{91240B29-F687-4f45-9708-019B960494DF}">
-                  <a14:hiddenLine xmlns:a14="http://schemas.microsoft.com/office/drawing/2010/main" xmlns="" w="9525">
+                  <a14:hiddenLine xmlns="" xmlns:a14="http://schemas.microsoft.com/office/drawing/2010/main" w="9525">
                     <a:solidFill>
                       <a:srgbClr val="000000"/>
                     </a:solidFill>
@@ -9953,7 +9955,7 @@
               </a:ln>
               <a:extLst>
                 <a:ext uri="{91240B29-F687-4f45-9708-019B960494DF}">
-                  <a14:hiddenLine xmlns:a14="http://schemas.microsoft.com/office/drawing/2010/main" xmlns="" w="9525">
+                  <a14:hiddenLine xmlns="" xmlns:a14="http://schemas.microsoft.com/office/drawing/2010/main" w="9525">
                     <a:solidFill>
                       <a:srgbClr val="000000"/>
                     </a:solidFill>
@@ -10037,7 +10039,7 @@
               </a:ln>
               <a:extLst>
                 <a:ext uri="{91240B29-F687-4f45-9708-019B960494DF}">
-                  <a14:hiddenLine xmlns:a14="http://schemas.microsoft.com/office/drawing/2010/main" xmlns="" w="9525">
+                  <a14:hiddenLine xmlns="" xmlns:a14="http://schemas.microsoft.com/office/drawing/2010/main" w="9525">
                     <a:solidFill>
                       <a:srgbClr val="000000"/>
                     </a:solidFill>
@@ -10099,7 +10101,7 @@
               </a:ln>
               <a:extLst>
                 <a:ext uri="{91240B29-F687-4f45-9708-019B960494DF}">
-                  <a14:hiddenLine xmlns:a14="http://schemas.microsoft.com/office/drawing/2010/main" xmlns="" w="9525">
+                  <a14:hiddenLine xmlns="" xmlns:a14="http://schemas.microsoft.com/office/drawing/2010/main" w="9525">
                     <a:solidFill>
                       <a:srgbClr val="000000"/>
                     </a:solidFill>
@@ -10161,7 +10163,7 @@
               </a:ln>
               <a:extLst>
                 <a:ext uri="{91240B29-F687-4f45-9708-019B960494DF}">
-                  <a14:hiddenLine xmlns:a14="http://schemas.microsoft.com/office/drawing/2010/main" xmlns="" w="9525">
+                  <a14:hiddenLine xmlns="" xmlns:a14="http://schemas.microsoft.com/office/drawing/2010/main" w="9525">
                     <a:solidFill>
                       <a:srgbClr val="000000"/>
                     </a:solidFill>
@@ -10251,7 +10253,7 @@
               </a:ln>
               <a:extLst>
                 <a:ext uri="{91240B29-F687-4f45-9708-019B960494DF}">
-                  <a14:hiddenLine xmlns:a14="http://schemas.microsoft.com/office/drawing/2010/main" xmlns="" w="9525">
+                  <a14:hiddenLine xmlns="" xmlns:a14="http://schemas.microsoft.com/office/drawing/2010/main" w="9525">
                     <a:solidFill>
                       <a:srgbClr val="000000"/>
                     </a:solidFill>
@@ -10285,7 +10287,7 @@
               </a:ln>
               <a:extLst>
                 <a:ext uri="{91240B29-F687-4f45-9708-019B960494DF}">
-                  <a14:hiddenLine xmlns:a14="http://schemas.microsoft.com/office/drawing/2010/main" xmlns="" w="9525">
+                  <a14:hiddenLine xmlns="" xmlns:a14="http://schemas.microsoft.com/office/drawing/2010/main" w="9525">
                     <a:solidFill>
                       <a:srgbClr val="000000"/>
                     </a:solidFill>
@@ -10350,7 +10352,7 @@
               </a:ln>
               <a:extLst>
                 <a:ext uri="{91240B29-F687-4f45-9708-019B960494DF}">
-                  <a14:hiddenLine xmlns:a14="http://schemas.microsoft.com/office/drawing/2010/main" xmlns="" w="9525">
+                  <a14:hiddenLine xmlns="" xmlns:a14="http://schemas.microsoft.com/office/drawing/2010/main" w="9525">
                     <a:solidFill>
                       <a:srgbClr val="000000"/>
                     </a:solidFill>
@@ -10440,7 +10442,7 @@
               </a:ln>
               <a:extLst>
                 <a:ext uri="{91240B29-F687-4f45-9708-019B960494DF}">
-                  <a14:hiddenLine xmlns:a14="http://schemas.microsoft.com/office/drawing/2010/main" xmlns="" w="9525">
+                  <a14:hiddenLine xmlns="" xmlns:a14="http://schemas.microsoft.com/office/drawing/2010/main" w="9525">
                     <a:solidFill>
                       <a:srgbClr val="000000"/>
                     </a:solidFill>
@@ -10502,7 +10504,7 @@
               </a:ln>
               <a:extLst>
                 <a:ext uri="{91240B29-F687-4f45-9708-019B960494DF}">
-                  <a14:hiddenLine xmlns:a14="http://schemas.microsoft.com/office/drawing/2010/main" xmlns="" w="9525">
+                  <a14:hiddenLine xmlns="" xmlns:a14="http://schemas.microsoft.com/office/drawing/2010/main" w="9525">
                     <a:solidFill>
                       <a:srgbClr val="000000"/>
                     </a:solidFill>
@@ -10592,7 +10594,7 @@
               </a:ln>
               <a:extLst>
                 <a:ext uri="{91240B29-F687-4f45-9708-019B960494DF}">
-                  <a14:hiddenLine xmlns:a14="http://schemas.microsoft.com/office/drawing/2010/main" xmlns="" w="9525">
+                  <a14:hiddenLine xmlns="" xmlns:a14="http://schemas.microsoft.com/office/drawing/2010/main" w="9525">
                     <a:solidFill>
                       <a:srgbClr val="000000"/>
                     </a:solidFill>
@@ -10657,7 +10659,7 @@
               </a:ln>
               <a:extLst>
                 <a:ext uri="{91240B29-F687-4f45-9708-019B960494DF}">
-                  <a14:hiddenLine xmlns:a14="http://schemas.microsoft.com/office/drawing/2010/main" xmlns="" w="9525">
+                  <a14:hiddenLine xmlns="" xmlns:a14="http://schemas.microsoft.com/office/drawing/2010/main" w="9525">
                     <a:solidFill>
                       <a:srgbClr val="000000"/>
                     </a:solidFill>
@@ -10719,7 +10721,7 @@
               </a:ln>
               <a:extLst>
                 <a:ext uri="{91240B29-F687-4f45-9708-019B960494DF}">
-                  <a14:hiddenLine xmlns:a14="http://schemas.microsoft.com/office/drawing/2010/main" xmlns="" w="9525">
+                  <a14:hiddenLine xmlns="" xmlns:a14="http://schemas.microsoft.com/office/drawing/2010/main" w="9525">
                     <a:solidFill>
                       <a:srgbClr val="000000"/>
                     </a:solidFill>
@@ -10809,7 +10811,7 @@
               </a:ln>
               <a:extLst>
                 <a:ext uri="{91240B29-F687-4f45-9708-019B960494DF}">
-                  <a14:hiddenLine xmlns:a14="http://schemas.microsoft.com/office/drawing/2010/main" xmlns="" w="9525">
+                  <a14:hiddenLine xmlns="" xmlns:a14="http://schemas.microsoft.com/office/drawing/2010/main" w="9525">
                     <a:solidFill>
                       <a:srgbClr val="000000"/>
                     </a:solidFill>
@@ -10899,7 +10901,7 @@
               </a:ln>
               <a:extLst>
                 <a:ext uri="{91240B29-F687-4f45-9708-019B960494DF}">
-                  <a14:hiddenLine xmlns:a14="http://schemas.microsoft.com/office/drawing/2010/main" xmlns="" w="9525">
+                  <a14:hiddenLine xmlns="" xmlns:a14="http://schemas.microsoft.com/office/drawing/2010/main" w="9525">
                     <a:solidFill>
                       <a:srgbClr val="000000"/>
                     </a:solidFill>
@@ -10964,7 +10966,7 @@
               </a:ln>
               <a:extLst>
                 <a:ext uri="{91240B29-F687-4f45-9708-019B960494DF}">
-                  <a14:hiddenLine xmlns:a14="http://schemas.microsoft.com/office/drawing/2010/main" xmlns="" w="9525">
+                  <a14:hiddenLine xmlns="" xmlns:a14="http://schemas.microsoft.com/office/drawing/2010/main" w="9525">
                     <a:solidFill>
                       <a:srgbClr val="000000"/>
                     </a:solidFill>
@@ -11084,7 +11086,7 @@
               </a:ln>
               <a:extLst>
                 <a:ext uri="{91240B29-F687-4f45-9708-019B960494DF}">
-                  <a14:hiddenLine xmlns:a14="http://schemas.microsoft.com/office/drawing/2010/main" xmlns="" w="9525">
+                  <a14:hiddenLine xmlns="" xmlns:a14="http://schemas.microsoft.com/office/drawing/2010/main" w="9525">
                     <a:solidFill>
                       <a:srgbClr val="000000"/>
                     </a:solidFill>
@@ -11165,7 +11167,7 @@
               </a:ln>
               <a:extLst>
                 <a:ext uri="{91240B29-F687-4f45-9708-019B960494DF}">
-                  <a14:hiddenLine xmlns:a14="http://schemas.microsoft.com/office/drawing/2010/main" xmlns="" w="9525">
+                  <a14:hiddenLine xmlns="" xmlns:a14="http://schemas.microsoft.com/office/drawing/2010/main" w="9525">
                     <a:solidFill>
                       <a:srgbClr val="000000"/>
                     </a:solidFill>
@@ -11280,7 +11282,7 @@
               </a:ln>
               <a:extLst>
                 <a:ext uri="{91240B29-F687-4f45-9708-019B960494DF}">
-                  <a14:hiddenLine xmlns:a14="http://schemas.microsoft.com/office/drawing/2010/main" xmlns="" w="9525">
+                  <a14:hiddenLine xmlns="" xmlns:a14="http://schemas.microsoft.com/office/drawing/2010/main" w="9525">
                     <a:solidFill>
                       <a:srgbClr val="000000"/>
                     </a:solidFill>
@@ -11370,7 +11372,7 @@
               </a:ln>
               <a:extLst>
                 <a:ext uri="{91240B29-F687-4f45-9708-019B960494DF}">
-                  <a14:hiddenLine xmlns:a14="http://schemas.microsoft.com/office/drawing/2010/main" xmlns="" w="9525">
+                  <a14:hiddenLine xmlns="" xmlns:a14="http://schemas.microsoft.com/office/drawing/2010/main" w="9525">
                     <a:solidFill>
                       <a:srgbClr val="000000"/>
                     </a:solidFill>
@@ -11435,7 +11437,7 @@
               </a:ln>
               <a:extLst>
                 <a:ext uri="{91240B29-F687-4f45-9708-019B960494DF}">
-                  <a14:hiddenLine xmlns:a14="http://schemas.microsoft.com/office/drawing/2010/main" xmlns="" w="9525">
+                  <a14:hiddenLine xmlns="" xmlns:a14="http://schemas.microsoft.com/office/drawing/2010/main" w="9525">
                     <a:solidFill>
                       <a:srgbClr val="000000"/>
                     </a:solidFill>
@@ -11525,7 +11527,7 @@
               </a:ln>
               <a:extLst>
                 <a:ext uri="{91240B29-F687-4f45-9708-019B960494DF}">
-                  <a14:hiddenLine xmlns:a14="http://schemas.microsoft.com/office/drawing/2010/main" xmlns="" w="9525">
+                  <a14:hiddenLine xmlns="" xmlns:a14="http://schemas.microsoft.com/office/drawing/2010/main" w="9525">
                     <a:solidFill>
                       <a:srgbClr val="000000"/>
                     </a:solidFill>
@@ -11593,7 +11595,7 @@
               </a:ln>
               <a:extLst>
                 <a:ext uri="{91240B29-F687-4f45-9708-019B960494DF}">
-                  <a14:hiddenLine xmlns:a14="http://schemas.microsoft.com/office/drawing/2010/main" xmlns="" w="9525">
+                  <a14:hiddenLine xmlns="" xmlns:a14="http://schemas.microsoft.com/office/drawing/2010/main" w="9525">
                     <a:solidFill>
                       <a:srgbClr val="000000"/>
                     </a:solidFill>
@@ -11683,7 +11685,7 @@
               </a:ln>
               <a:extLst>
                 <a:ext uri="{91240B29-F687-4f45-9708-019B960494DF}">
-                  <a14:hiddenLine xmlns:a14="http://schemas.microsoft.com/office/drawing/2010/main" xmlns="" w="9525">
+                  <a14:hiddenLine xmlns="" xmlns:a14="http://schemas.microsoft.com/office/drawing/2010/main" w="9525">
                     <a:solidFill>
                       <a:srgbClr val="000000"/>
                     </a:solidFill>
@@ -11751,7 +11753,7 @@
               </a:ln>
               <a:extLst>
                 <a:ext uri="{91240B29-F687-4f45-9708-019B960494DF}">
-                  <a14:hiddenLine xmlns:a14="http://schemas.microsoft.com/office/drawing/2010/main" xmlns="" w="9525">
+                  <a14:hiddenLine xmlns="" xmlns:a14="http://schemas.microsoft.com/office/drawing/2010/main" w="9525">
                     <a:solidFill>
                       <a:srgbClr val="000000"/>
                     </a:solidFill>
@@ -11841,7 +11843,7 @@
               </a:ln>
               <a:extLst>
                 <a:ext uri="{91240B29-F687-4f45-9708-019B960494DF}">
-                  <a14:hiddenLine xmlns:a14="http://schemas.microsoft.com/office/drawing/2010/main" xmlns="" w="9525">
+                  <a14:hiddenLine xmlns="" xmlns:a14="http://schemas.microsoft.com/office/drawing/2010/main" w="9525">
                     <a:solidFill>
                       <a:srgbClr val="000000"/>
                     </a:solidFill>
@@ -11875,7 +11877,7 @@
               </a:ln>
               <a:extLst>
                 <a:ext uri="{91240B29-F687-4f45-9708-019B960494DF}">
-                  <a14:hiddenLine xmlns:a14="http://schemas.microsoft.com/office/drawing/2010/main" xmlns="" w="9525">
+                  <a14:hiddenLine xmlns="" xmlns:a14="http://schemas.microsoft.com/office/drawing/2010/main" w="9525">
                     <a:solidFill>
                       <a:srgbClr val="000000"/>
                     </a:solidFill>
@@ -12584,15 +12586,7 @@
           <a:p>
             <a:r>
               <a:rPr lang="en-US" dirty="0" smtClean="0"/>
-              <a:t>Lesson </a:t>
-            </a:r>
-            <a:r>
-              <a:rPr lang="en-US" dirty="0" smtClean="0"/>
-              <a:t>9:</a:t>
-            </a:r>
-            <a:r>
-              <a:rPr lang="en-US" dirty="0" smtClean="0"/>
-              <a:t/>
+              <a:t>Lesson 9:</a:t>
             </a:r>
             <a:br>
               <a:rPr lang="en-US" dirty="0" smtClean="0"/>
@@ -12702,10 +12696,25 @@
             </a:r>
             <a:r>
               <a:rPr lang="en-US" dirty="0" smtClean="0"/>
-              <a:t> your web site</a:t>
+              <a:t> your web </a:t>
             </a:r>
-          </a:p>
-          <a:p>
+            <a:r>
+              <a:rPr lang="en-US" dirty="0" smtClean="0"/>
+              <a:t>site</a:t>
+            </a:r>
+          </a:p>
+          <a:p>
+            <a:r>
+              <a:rPr lang="en-US" dirty="0" smtClean="0"/>
+              <a:t>Lots of options, but most have some cost</a:t>
+            </a:r>
+          </a:p>
+          <a:p>
+            <a:pPr lvl="1"/>
+            <a:r>
+              <a:rPr lang="en-US" dirty="0" smtClean="0"/>
+              <a:t>Most offer free trials</a:t>
+            </a:r>
             <a:endParaRPr lang="en-US" dirty="0"/>
           </a:p>
         </p:txBody>
@@ -12742,6 +12751,225 @@
       </p:grpSpPr>
       <p:sp>
         <p:nvSpPr>
+          <p:cNvPr id="2" name="Title 1"/>
+          <p:cNvSpPr>
+            <a:spLocks noGrp="1"/>
+          </p:cNvSpPr>
+          <p:nvPr>
+            <p:ph type="title"/>
+          </p:nvPr>
+        </p:nvSpPr>
+        <p:spPr/>
+        <p:txBody>
+          <a:bodyPr/>
+          <a:lstStyle/>
+          <a:p>
+            <a:r>
+              <a:rPr lang="en-US" dirty="0" smtClean="0"/>
+              <a:t>Hosting providers</a:t>
+            </a:r>
+            <a:endParaRPr lang="en-US" dirty="0"/>
+          </a:p>
+        </p:txBody>
+      </p:sp>
+      <p:sp>
+        <p:nvSpPr>
+          <p:cNvPr id="3" name="Content Placeholder 2"/>
+          <p:cNvSpPr>
+            <a:spLocks noGrp="1"/>
+          </p:cNvSpPr>
+          <p:nvPr>
+            <p:ph sz="half" idx="1"/>
+          </p:nvPr>
+        </p:nvSpPr>
+        <p:spPr/>
+        <p:txBody>
+          <a:bodyPr/>
+          <a:lstStyle/>
+          <a:p>
+            <a:r>
+              <a:rPr lang="en-US" dirty="0" smtClean="0"/>
+              <a:t>Microsoft Azure</a:t>
+            </a:r>
+          </a:p>
+          <a:p>
+            <a:r>
+              <a:rPr lang="en-US" dirty="0" err="1" smtClean="0"/>
+              <a:t>GoDaddy</a:t>
+            </a:r>
+            <a:endParaRPr lang="en-US" dirty="0" smtClean="0"/>
+          </a:p>
+          <a:p>
+            <a:r>
+              <a:rPr lang="en-US" dirty="0" smtClean="0"/>
+              <a:t>eHost.com</a:t>
+            </a:r>
+          </a:p>
+          <a:p>
+            <a:r>
+              <a:rPr lang="en-US" dirty="0" smtClean="0"/>
+              <a:t>Etc.</a:t>
+            </a:r>
+            <a:endParaRPr lang="en-US" dirty="0"/>
+          </a:p>
+        </p:txBody>
+      </p:sp>
+      <p:sp>
+        <p:nvSpPr>
+          <p:cNvPr id="4" name="Content Placeholder 3"/>
+          <p:cNvSpPr>
+            <a:spLocks noGrp="1"/>
+          </p:cNvSpPr>
+          <p:nvPr>
+            <p:ph sz="half" idx="2"/>
+          </p:nvPr>
+        </p:nvSpPr>
+        <p:spPr/>
+        <p:txBody>
+          <a:bodyPr/>
+          <a:lstStyle/>
+          <a:p>
+            <a:r>
+              <a:rPr lang="en-US" dirty="0" smtClean="0"/>
+              <a:t>Most cost $5-10 per month</a:t>
+            </a:r>
+            <a:endParaRPr lang="en-US" dirty="0"/>
+          </a:p>
+        </p:txBody>
+      </p:sp>
+    </p:spTree>
+    <p:extLst>
+      <p:ext uri="{BB962C8B-B14F-4D97-AF65-F5344CB8AC3E}">
+        <p14:creationId xmlns:p14="http://schemas.microsoft.com/office/powerpoint/2010/main" val="1444633958"/>
+      </p:ext>
+    </p:extLst>
+  </p:cSld>
+  <p:clrMapOvr>
+    <a:masterClrMapping/>
+  </p:clrMapOvr>
+</p:sld>
+</file>
+
+<file path=ppt/slides/slide5.xml><?xml version="1.0" encoding="utf-8"?>
+<p:sld xmlns:a="http://schemas.openxmlformats.org/drawingml/2006/main" xmlns:r="http://schemas.openxmlformats.org/officeDocument/2006/relationships" xmlns:p="http://schemas.openxmlformats.org/presentationml/2006/main">
+  <p:cSld>
+    <p:spTree>
+      <p:nvGrpSpPr>
+        <p:cNvPr id="1" name=""/>
+        <p:cNvGrpSpPr/>
+        <p:nvPr/>
+      </p:nvGrpSpPr>
+      <p:grpSpPr>
+        <a:xfrm>
+          <a:off x="0" y="0"/>
+          <a:ext cx="0" cy="0"/>
+          <a:chOff x="0" y="0"/>
+          <a:chExt cx="0" cy="0"/>
+        </a:xfrm>
+      </p:grpSpPr>
+      <p:sp>
+        <p:nvSpPr>
+          <p:cNvPr id="2" name="Title 1"/>
+          <p:cNvSpPr>
+            <a:spLocks noGrp="1"/>
+          </p:cNvSpPr>
+          <p:nvPr>
+            <p:ph type="title"/>
+          </p:nvPr>
+        </p:nvSpPr>
+        <p:spPr/>
+        <p:txBody>
+          <a:bodyPr/>
+          <a:lstStyle/>
+          <a:p>
+            <a:r>
+              <a:rPr lang="en-US" dirty="0" smtClean="0"/>
+              <a:t>Custom Domain Names</a:t>
+            </a:r>
+            <a:endParaRPr lang="en-US" dirty="0"/>
+          </a:p>
+        </p:txBody>
+      </p:sp>
+      <p:sp>
+        <p:nvSpPr>
+          <p:cNvPr id="5" name="Content Placeholder 4"/>
+          <p:cNvSpPr>
+            <a:spLocks noGrp="1"/>
+          </p:cNvSpPr>
+          <p:nvPr>
+            <p:ph idx="1"/>
+          </p:nvPr>
+        </p:nvSpPr>
+        <p:spPr/>
+        <p:txBody>
+          <a:bodyPr/>
+          <a:lstStyle/>
+          <a:p>
+            <a:r>
+              <a:rPr lang="en-US" dirty="0" smtClean="0"/>
+              <a:t>Without a custom domain name, your website address might be</a:t>
+            </a:r>
+            <a:br>
+              <a:rPr lang="en-US" dirty="0" smtClean="0"/>
+            </a:br>
+            <a:r>
+              <a:rPr lang="en-US" dirty="0" smtClean="0"/>
+              <a:t>my-cool-site.godaddy.com</a:t>
+            </a:r>
+          </a:p>
+          <a:p>
+            <a:r>
+              <a:rPr lang="en-US" dirty="0" smtClean="0"/>
+              <a:t>With a custom domain name, your website address can be</a:t>
+            </a:r>
+            <a:br>
+              <a:rPr lang="en-US" dirty="0" smtClean="0"/>
+            </a:br>
+            <a:r>
+              <a:rPr lang="en-US" dirty="0" smtClean="0"/>
+              <a:t>my-cool-site.com</a:t>
+            </a:r>
+          </a:p>
+          <a:p>
+            <a:r>
+              <a:rPr lang="en-US" dirty="0" smtClean="0"/>
+              <a:t>Usually costs $15/year</a:t>
+            </a:r>
+          </a:p>
+        </p:txBody>
+      </p:sp>
+    </p:spTree>
+    <p:extLst>
+      <p:ext uri="{BB962C8B-B14F-4D97-AF65-F5344CB8AC3E}">
+        <p14:creationId xmlns:p14="http://schemas.microsoft.com/office/powerpoint/2010/main" val="1249768164"/>
+      </p:ext>
+    </p:extLst>
+  </p:cSld>
+  <p:clrMapOvr>
+    <a:masterClrMapping/>
+  </p:clrMapOvr>
+</p:sld>
+</file>
+
+<file path=ppt/slides/slide6.xml><?xml version="1.0" encoding="utf-8"?>
+<p:sld xmlns:a="http://schemas.openxmlformats.org/drawingml/2006/main" xmlns:r="http://schemas.openxmlformats.org/officeDocument/2006/relationships" xmlns:p="http://schemas.openxmlformats.org/presentationml/2006/main">
+  <p:cSld>
+    <p:spTree>
+      <p:nvGrpSpPr>
+        <p:cNvPr id="1" name=""/>
+        <p:cNvGrpSpPr/>
+        <p:nvPr/>
+      </p:nvGrpSpPr>
+      <p:grpSpPr>
+        <a:xfrm>
+          <a:off x="0" y="0"/>
+          <a:ext cx="0" cy="0"/>
+          <a:chOff x="0" y="0"/>
+          <a:chExt cx="0" cy="0"/>
+        </a:xfrm>
+      </p:grpSpPr>
+      <p:sp>
+        <p:nvSpPr>
           <p:cNvPr id="5" name="Title 4"/>
           <p:cNvSpPr>
             <a:spLocks noGrp="1"/>
@@ -12757,11 +12985,7 @@
           <a:p>
             <a:r>
               <a:rPr lang="en-US" dirty="0" smtClean="0"/>
-              <a:t>Exercise </a:t>
-            </a:r>
-            <a:r>
-              <a:rPr lang="en-US" dirty="0" smtClean="0"/>
-              <a:t>9</a:t>
+              <a:t>Exercise 9</a:t>
             </a:r>
             <a:endParaRPr lang="en-US" dirty="0"/>
           </a:p>

--- a/Slides/Lesson 9.pptx
+++ b/Slides/Lesson 9.pptx
@@ -174,7 +174,7 @@
           <a:noFill/>
           <a:extLst>
             <a:ext uri="{909E8E84-426E-40dd-AFC4-6F175D3DCCD1}">
-              <a14:hiddenFill xmlns="" xmlns:a14="http://schemas.microsoft.com/office/drawing/2010/main">
+              <a14:hiddenFill xmlns:a14="http://schemas.microsoft.com/office/drawing/2010/main" xmlns="">
                 <a:solidFill>
                   <a:srgbClr val="FFFFFF"/>
                 </a:solidFill>
@@ -233,7 +233,7 @@
             </a:ln>
             <a:extLst>
               <a:ext uri="{91240B29-F687-4f45-9708-019B960494DF}">
-                <a14:hiddenLine xmlns="" xmlns:a14="http://schemas.microsoft.com/office/drawing/2010/main" w="9525">
+                <a14:hiddenLine xmlns:a14="http://schemas.microsoft.com/office/drawing/2010/main" xmlns="" w="9525">
                   <a:solidFill>
                     <a:srgbClr val="000000"/>
                   </a:solidFill>
@@ -323,7 +323,7 @@
             </a:ln>
             <a:extLst>
               <a:ext uri="{91240B29-F687-4f45-9708-019B960494DF}">
-                <a14:hiddenLine xmlns="" xmlns:a14="http://schemas.microsoft.com/office/drawing/2010/main" w="9525">
+                <a14:hiddenLine xmlns:a14="http://schemas.microsoft.com/office/drawing/2010/main" xmlns="" w="9525">
                   <a:solidFill>
                     <a:srgbClr val="000000"/>
                   </a:solidFill>
@@ -413,7 +413,7 @@
             </a:ln>
             <a:extLst>
               <a:ext uri="{91240B29-F687-4f45-9708-019B960494DF}">
-                <a14:hiddenLine xmlns="" xmlns:a14="http://schemas.microsoft.com/office/drawing/2010/main" w="9525">
+                <a14:hiddenLine xmlns:a14="http://schemas.microsoft.com/office/drawing/2010/main" xmlns="" w="9525">
                   <a:solidFill>
                     <a:srgbClr val="000000"/>
                   </a:solidFill>
@@ -447,7 +447,7 @@
             </a:ln>
             <a:extLst>
               <a:ext uri="{91240B29-F687-4f45-9708-019B960494DF}">
-                <a14:hiddenLine xmlns="" xmlns:a14="http://schemas.microsoft.com/office/drawing/2010/main" w="9525">
+                <a14:hiddenLine xmlns:a14="http://schemas.microsoft.com/office/drawing/2010/main" xmlns="" w="9525">
                   <a:solidFill>
                     <a:srgbClr val="000000"/>
                   </a:solidFill>
@@ -537,7 +537,7 @@
             </a:ln>
             <a:extLst>
               <a:ext uri="{91240B29-F687-4f45-9708-019B960494DF}">
-                <a14:hiddenLine xmlns="" xmlns:a14="http://schemas.microsoft.com/office/drawing/2010/main" w="9525">
+                <a14:hiddenLine xmlns:a14="http://schemas.microsoft.com/office/drawing/2010/main" xmlns="" w="9525">
                   <a:solidFill>
                     <a:srgbClr val="000000"/>
                   </a:solidFill>
@@ -599,7 +599,7 @@
             </a:ln>
             <a:extLst>
               <a:ext uri="{91240B29-F687-4f45-9708-019B960494DF}">
-                <a14:hiddenLine xmlns="" xmlns:a14="http://schemas.microsoft.com/office/drawing/2010/main" w="9525">
+                <a14:hiddenLine xmlns:a14="http://schemas.microsoft.com/office/drawing/2010/main" xmlns="" w="9525">
                   <a:solidFill>
                     <a:srgbClr val="000000"/>
                   </a:solidFill>
@@ -661,7 +661,7 @@
             </a:ln>
             <a:extLst>
               <a:ext uri="{91240B29-F687-4f45-9708-019B960494DF}">
-                <a14:hiddenLine xmlns="" xmlns:a14="http://schemas.microsoft.com/office/drawing/2010/main" w="9525">
+                <a14:hiddenLine xmlns:a14="http://schemas.microsoft.com/office/drawing/2010/main" xmlns="" w="9525">
                   <a:solidFill>
                     <a:srgbClr val="000000"/>
                   </a:solidFill>
@@ -751,7 +751,7 @@
             </a:ln>
             <a:extLst>
               <a:ext uri="{91240B29-F687-4f45-9708-019B960494DF}">
-                <a14:hiddenLine xmlns="" xmlns:a14="http://schemas.microsoft.com/office/drawing/2010/main" w="9525">
+                <a14:hiddenLine xmlns:a14="http://schemas.microsoft.com/office/drawing/2010/main" xmlns="" w="9525">
                   <a:solidFill>
                     <a:srgbClr val="000000"/>
                   </a:solidFill>
@@ -813,7 +813,7 @@
             </a:ln>
             <a:extLst>
               <a:ext uri="{91240B29-F687-4f45-9708-019B960494DF}">
-                <a14:hiddenLine xmlns="" xmlns:a14="http://schemas.microsoft.com/office/drawing/2010/main" w="9525">
+                <a14:hiddenLine xmlns:a14="http://schemas.microsoft.com/office/drawing/2010/main" xmlns="" w="9525">
                   <a:solidFill>
                     <a:srgbClr val="000000"/>
                   </a:solidFill>
@@ -875,7 +875,7 @@
             </a:ln>
             <a:extLst>
               <a:ext uri="{91240B29-F687-4f45-9708-019B960494DF}">
-                <a14:hiddenLine xmlns="" xmlns:a14="http://schemas.microsoft.com/office/drawing/2010/main" w="9525">
+                <a14:hiddenLine xmlns:a14="http://schemas.microsoft.com/office/drawing/2010/main" xmlns="" w="9525">
                   <a:solidFill>
                     <a:srgbClr val="000000"/>
                   </a:solidFill>
@@ -965,7 +965,7 @@
             </a:ln>
             <a:extLst>
               <a:ext uri="{91240B29-F687-4f45-9708-019B960494DF}">
-                <a14:hiddenLine xmlns="" xmlns:a14="http://schemas.microsoft.com/office/drawing/2010/main" w="9525">
+                <a14:hiddenLine xmlns:a14="http://schemas.microsoft.com/office/drawing/2010/main" xmlns="" w="9525">
                   <a:solidFill>
                     <a:srgbClr val="000000"/>
                   </a:solidFill>
@@ -1055,7 +1055,7 @@
             </a:ln>
             <a:extLst>
               <a:ext uri="{91240B29-F687-4f45-9708-019B960494DF}">
-                <a14:hiddenLine xmlns="" xmlns:a14="http://schemas.microsoft.com/office/drawing/2010/main" w="9525">
+                <a14:hiddenLine xmlns:a14="http://schemas.microsoft.com/office/drawing/2010/main" xmlns="" w="9525">
                   <a:solidFill>
                     <a:srgbClr val="000000"/>
                   </a:solidFill>
@@ -1117,7 +1117,7 @@
             </a:ln>
             <a:extLst>
               <a:ext uri="{91240B29-F687-4f45-9708-019B960494DF}">
-                <a14:hiddenLine xmlns="" xmlns:a14="http://schemas.microsoft.com/office/drawing/2010/main" w="9525">
+                <a14:hiddenLine xmlns:a14="http://schemas.microsoft.com/office/drawing/2010/main" xmlns="" w="9525">
                   <a:solidFill>
                     <a:srgbClr val="000000"/>
                   </a:solidFill>
@@ -1227,7 +1227,7 @@
             </a:ln>
             <a:extLst>
               <a:ext uri="{91240B29-F687-4f45-9708-019B960494DF}">
-                <a14:hiddenLine xmlns="" xmlns:a14="http://schemas.microsoft.com/office/drawing/2010/main" w="9525">
+                <a14:hiddenLine xmlns:a14="http://schemas.microsoft.com/office/drawing/2010/main" xmlns="" w="9525">
                   <a:solidFill>
                     <a:srgbClr val="000000"/>
                   </a:solidFill>
@@ -1289,7 +1289,7 @@
             </a:ln>
             <a:extLst>
               <a:ext uri="{91240B29-F687-4f45-9708-019B960494DF}">
-                <a14:hiddenLine xmlns="" xmlns:a14="http://schemas.microsoft.com/office/drawing/2010/main" w="9525">
+                <a14:hiddenLine xmlns:a14="http://schemas.microsoft.com/office/drawing/2010/main" xmlns="" w="9525">
                   <a:solidFill>
                     <a:srgbClr val="000000"/>
                   </a:solidFill>
@@ -1379,7 +1379,7 @@
             </a:ln>
             <a:extLst>
               <a:ext uri="{91240B29-F687-4f45-9708-019B960494DF}">
-                <a14:hiddenLine xmlns="" xmlns:a14="http://schemas.microsoft.com/office/drawing/2010/main" w="9525">
+                <a14:hiddenLine xmlns:a14="http://schemas.microsoft.com/office/drawing/2010/main" xmlns="" w="9525">
                   <a:solidFill>
                     <a:srgbClr val="000000"/>
                   </a:solidFill>
@@ -1469,7 +1469,7 @@
             </a:ln>
             <a:extLst>
               <a:ext uri="{91240B29-F687-4f45-9708-019B960494DF}">
-                <a14:hiddenLine xmlns="" xmlns:a14="http://schemas.microsoft.com/office/drawing/2010/main" w="9525">
+                <a14:hiddenLine xmlns:a14="http://schemas.microsoft.com/office/drawing/2010/main" xmlns="" w="9525">
                   <a:solidFill>
                     <a:srgbClr val="000000"/>
                   </a:solidFill>
@@ -1531,7 +1531,7 @@
             </a:ln>
             <a:extLst>
               <a:ext uri="{91240B29-F687-4f45-9708-019B960494DF}">
-                <a14:hiddenLine xmlns="" xmlns:a14="http://schemas.microsoft.com/office/drawing/2010/main" w="9525">
+                <a14:hiddenLine xmlns:a14="http://schemas.microsoft.com/office/drawing/2010/main" xmlns="" w="9525">
                   <a:solidFill>
                     <a:srgbClr val="000000"/>
                   </a:solidFill>
@@ -1621,7 +1621,7 @@
             </a:ln>
             <a:extLst>
               <a:ext uri="{91240B29-F687-4f45-9708-019B960494DF}">
-                <a14:hiddenLine xmlns="" xmlns:a14="http://schemas.microsoft.com/office/drawing/2010/main" w="9525">
+                <a14:hiddenLine xmlns:a14="http://schemas.microsoft.com/office/drawing/2010/main" xmlns="" w="9525">
                   <a:solidFill>
                     <a:srgbClr val="000000"/>
                   </a:solidFill>
@@ -1711,7 +1711,7 @@
             </a:ln>
             <a:extLst>
               <a:ext uri="{91240B29-F687-4f45-9708-019B960494DF}">
-                <a14:hiddenLine xmlns="" xmlns:a14="http://schemas.microsoft.com/office/drawing/2010/main" w="9525">
+                <a14:hiddenLine xmlns:a14="http://schemas.microsoft.com/office/drawing/2010/main" xmlns="" w="9525">
                   <a:solidFill>
                     <a:srgbClr val="000000"/>
                   </a:solidFill>
@@ -1767,7 +1767,7 @@
             </a:ln>
             <a:extLst>
               <a:ext uri="{91240B29-F687-4f45-9708-019B960494DF}">
-                <a14:hiddenLine xmlns="" xmlns:a14="http://schemas.microsoft.com/office/drawing/2010/main" w="9525">
+                <a14:hiddenLine xmlns:a14="http://schemas.microsoft.com/office/drawing/2010/main" xmlns="" w="9525">
                   <a:solidFill>
                     <a:srgbClr val="000000"/>
                   </a:solidFill>
@@ -1857,7 +1857,7 @@
             </a:ln>
             <a:extLst>
               <a:ext uri="{91240B29-F687-4f45-9708-019B960494DF}">
-                <a14:hiddenLine xmlns="" xmlns:a14="http://schemas.microsoft.com/office/drawing/2010/main" w="9525">
+                <a14:hiddenLine xmlns:a14="http://schemas.microsoft.com/office/drawing/2010/main" xmlns="" w="9525">
                   <a:solidFill>
                     <a:srgbClr val="000000"/>
                   </a:solidFill>
@@ -1913,7 +1913,7 @@
             </a:ln>
             <a:extLst>
               <a:ext uri="{91240B29-F687-4f45-9708-019B960494DF}">
-                <a14:hiddenLine xmlns="" xmlns:a14="http://schemas.microsoft.com/office/drawing/2010/main" w="9525">
+                <a14:hiddenLine xmlns:a14="http://schemas.microsoft.com/office/drawing/2010/main" xmlns="" w="9525">
                   <a:solidFill>
                     <a:srgbClr val="000000"/>
                   </a:solidFill>
@@ -2003,7 +2003,7 @@
             </a:ln>
             <a:extLst>
               <a:ext uri="{91240B29-F687-4f45-9708-019B960494DF}">
-                <a14:hiddenLine xmlns="" xmlns:a14="http://schemas.microsoft.com/office/drawing/2010/main" w="9525">
+                <a14:hiddenLine xmlns:a14="http://schemas.microsoft.com/office/drawing/2010/main" xmlns="" w="9525">
                   <a:solidFill>
                     <a:srgbClr val="000000"/>
                   </a:solidFill>
@@ -2071,7 +2071,7 @@
             </a:ln>
             <a:extLst>
               <a:ext uri="{91240B29-F687-4f45-9708-019B960494DF}">
-                <a14:hiddenLine xmlns="" xmlns:a14="http://schemas.microsoft.com/office/drawing/2010/main" w="9525">
+                <a14:hiddenLine xmlns:a14="http://schemas.microsoft.com/office/drawing/2010/main" xmlns="" w="9525">
                   <a:solidFill>
                     <a:srgbClr val="000000"/>
                   </a:solidFill>
@@ -2161,7 +2161,7 @@
             </a:ln>
             <a:extLst>
               <a:ext uri="{91240B29-F687-4f45-9708-019B960494DF}">
-                <a14:hiddenLine xmlns="" xmlns:a14="http://schemas.microsoft.com/office/drawing/2010/main" w="9525">
+                <a14:hiddenLine xmlns:a14="http://schemas.microsoft.com/office/drawing/2010/main" xmlns="" w="9525">
                   <a:solidFill>
                     <a:srgbClr val="000000"/>
                   </a:solidFill>
@@ -2229,7 +2229,7 @@
             </a:ln>
             <a:extLst>
               <a:ext uri="{91240B29-F687-4f45-9708-019B960494DF}">
-                <a14:hiddenLine xmlns="" xmlns:a14="http://schemas.microsoft.com/office/drawing/2010/main" w="9525">
+                <a14:hiddenLine xmlns:a14="http://schemas.microsoft.com/office/drawing/2010/main" xmlns="" w="9525">
                   <a:solidFill>
                     <a:srgbClr val="000000"/>
                   </a:solidFill>
@@ -2319,7 +2319,7 @@
             </a:ln>
             <a:extLst>
               <a:ext uri="{91240B29-F687-4f45-9708-019B960494DF}">
-                <a14:hiddenLine xmlns="" xmlns:a14="http://schemas.microsoft.com/office/drawing/2010/main" w="9525">
+                <a14:hiddenLine xmlns:a14="http://schemas.microsoft.com/office/drawing/2010/main" xmlns="" w="9525">
                   <a:solidFill>
                     <a:srgbClr val="000000"/>
                   </a:solidFill>
@@ -2353,7 +2353,7 @@
             </a:ln>
             <a:extLst>
               <a:ext uri="{91240B29-F687-4f45-9708-019B960494DF}">
-                <a14:hiddenLine xmlns="" xmlns:a14="http://schemas.microsoft.com/office/drawing/2010/main" w="9525">
+                <a14:hiddenLine xmlns:a14="http://schemas.microsoft.com/office/drawing/2010/main" xmlns="" w="9525">
                   <a:solidFill>
                     <a:srgbClr val="000000"/>
                   </a:solidFill>
@@ -2443,7 +2443,7 @@
             </a:ln>
             <a:extLst>
               <a:ext uri="{91240B29-F687-4f45-9708-019B960494DF}">
-                <a14:hiddenLine xmlns="" xmlns:a14="http://schemas.microsoft.com/office/drawing/2010/main" w="9525">
+                <a14:hiddenLine xmlns:a14="http://schemas.microsoft.com/office/drawing/2010/main" xmlns="" w="9525">
                   <a:solidFill>
                     <a:srgbClr val="000000"/>
                   </a:solidFill>
@@ -2505,7 +2505,7 @@
             </a:ln>
             <a:extLst>
               <a:ext uri="{91240B29-F687-4f45-9708-019B960494DF}">
-                <a14:hiddenLine xmlns="" xmlns:a14="http://schemas.microsoft.com/office/drawing/2010/main" w="9525">
+                <a14:hiddenLine xmlns:a14="http://schemas.microsoft.com/office/drawing/2010/main" xmlns="" w="9525">
                   <a:solidFill>
                     <a:srgbClr val="000000"/>
                   </a:solidFill>
@@ -2567,7 +2567,7 @@
             </a:ln>
             <a:extLst>
               <a:ext uri="{91240B29-F687-4f45-9708-019B960494DF}">
-                <a14:hiddenLine xmlns="" xmlns:a14="http://schemas.microsoft.com/office/drawing/2010/main" w="9525">
+                <a14:hiddenLine xmlns:a14="http://schemas.microsoft.com/office/drawing/2010/main" xmlns="" w="9525">
                   <a:solidFill>
                     <a:srgbClr val="000000"/>
                   </a:solidFill>
@@ -2657,7 +2657,7 @@
             </a:ln>
             <a:extLst>
               <a:ext uri="{91240B29-F687-4f45-9708-019B960494DF}">
-                <a14:hiddenLine xmlns="" xmlns:a14="http://schemas.microsoft.com/office/drawing/2010/main" w="9525">
+                <a14:hiddenLine xmlns:a14="http://schemas.microsoft.com/office/drawing/2010/main" xmlns="" w="9525">
                   <a:solidFill>
                     <a:srgbClr val="000000"/>
                   </a:solidFill>
@@ -2725,7 +2725,7 @@
             </a:ln>
             <a:extLst>
               <a:ext uri="{91240B29-F687-4f45-9708-019B960494DF}">
-                <a14:hiddenLine xmlns="" xmlns:a14="http://schemas.microsoft.com/office/drawing/2010/main" w="9525">
+                <a14:hiddenLine xmlns:a14="http://schemas.microsoft.com/office/drawing/2010/main" xmlns="" w="9525">
                   <a:solidFill>
                     <a:srgbClr val="000000"/>
                   </a:solidFill>
@@ -2787,7 +2787,7 @@
             </a:ln>
             <a:extLst>
               <a:ext uri="{91240B29-F687-4f45-9708-019B960494DF}">
-                <a14:hiddenLine xmlns="" xmlns:a14="http://schemas.microsoft.com/office/drawing/2010/main" w="9525">
+                <a14:hiddenLine xmlns:a14="http://schemas.microsoft.com/office/drawing/2010/main" xmlns="" w="9525">
                   <a:solidFill>
                     <a:srgbClr val="000000"/>
                   </a:solidFill>
@@ -2877,7 +2877,7 @@
             </a:ln>
             <a:extLst>
               <a:ext uri="{91240B29-F687-4f45-9708-019B960494DF}">
-                <a14:hiddenLine xmlns="" xmlns:a14="http://schemas.microsoft.com/office/drawing/2010/main" w="9525">
+                <a14:hiddenLine xmlns:a14="http://schemas.microsoft.com/office/drawing/2010/main" xmlns="" w="9525">
                   <a:solidFill>
                     <a:srgbClr val="000000"/>
                   </a:solidFill>
@@ -2939,7 +2939,7 @@
             </a:ln>
             <a:extLst>
               <a:ext uri="{91240B29-F687-4f45-9708-019B960494DF}">
-                <a14:hiddenLine xmlns="" xmlns:a14="http://schemas.microsoft.com/office/drawing/2010/main" w="9525">
+                <a14:hiddenLine xmlns:a14="http://schemas.microsoft.com/office/drawing/2010/main" xmlns="" w="9525">
                   <a:solidFill>
                     <a:srgbClr val="000000"/>
                   </a:solidFill>
@@ -3029,7 +3029,7 @@
             </a:ln>
             <a:extLst>
               <a:ext uri="{91240B29-F687-4f45-9708-019B960494DF}">
-                <a14:hiddenLine xmlns="" xmlns:a14="http://schemas.microsoft.com/office/drawing/2010/main" w="9525">
+                <a14:hiddenLine xmlns:a14="http://schemas.microsoft.com/office/drawing/2010/main" xmlns="" w="9525">
                   <a:solidFill>
                     <a:srgbClr val="000000"/>
                   </a:solidFill>
@@ -3091,7 +3091,7 @@
             </a:ln>
             <a:extLst>
               <a:ext uri="{91240B29-F687-4f45-9708-019B960494DF}">
-                <a14:hiddenLine xmlns="" xmlns:a14="http://schemas.microsoft.com/office/drawing/2010/main" w="9525">
+                <a14:hiddenLine xmlns:a14="http://schemas.microsoft.com/office/drawing/2010/main" xmlns="" w="9525">
                   <a:solidFill>
                     <a:srgbClr val="000000"/>
                   </a:solidFill>
@@ -3181,7 +3181,7 @@
             </a:ln>
             <a:extLst>
               <a:ext uri="{91240B29-F687-4f45-9708-019B960494DF}">
-                <a14:hiddenLine xmlns="" xmlns:a14="http://schemas.microsoft.com/office/drawing/2010/main" w="9525">
+                <a14:hiddenLine xmlns:a14="http://schemas.microsoft.com/office/drawing/2010/main" xmlns="" w="9525">
                   <a:solidFill>
                     <a:srgbClr val="000000"/>
                   </a:solidFill>
@@ -3215,7 +3215,7 @@
             </a:ln>
             <a:extLst>
               <a:ext uri="{91240B29-F687-4f45-9708-019B960494DF}">
-                <a14:hiddenLine xmlns="" xmlns:a14="http://schemas.microsoft.com/office/drawing/2010/main" w="9525">
+                <a14:hiddenLine xmlns:a14="http://schemas.microsoft.com/office/drawing/2010/main" xmlns="" w="9525">
                   <a:solidFill>
                     <a:srgbClr val="000000"/>
                   </a:solidFill>
@@ -3280,7 +3280,7 @@
             </a:ln>
             <a:extLst>
               <a:ext uri="{91240B29-F687-4f45-9708-019B960494DF}">
-                <a14:hiddenLine xmlns="" xmlns:a14="http://schemas.microsoft.com/office/drawing/2010/main" w="9525">
+                <a14:hiddenLine xmlns:a14="http://schemas.microsoft.com/office/drawing/2010/main" xmlns="" w="9525">
                   <a:solidFill>
                     <a:srgbClr val="000000"/>
                   </a:solidFill>
@@ -3370,7 +3370,7 @@
             </a:ln>
             <a:extLst>
               <a:ext uri="{91240B29-F687-4f45-9708-019B960494DF}">
-                <a14:hiddenLine xmlns="" xmlns:a14="http://schemas.microsoft.com/office/drawing/2010/main" w="9525">
+                <a14:hiddenLine xmlns:a14="http://schemas.microsoft.com/office/drawing/2010/main" xmlns="" w="9525">
                   <a:solidFill>
                     <a:srgbClr val="000000"/>
                   </a:solidFill>
@@ -3432,7 +3432,7 @@
             </a:ln>
             <a:extLst>
               <a:ext uri="{91240B29-F687-4f45-9708-019B960494DF}">
-                <a14:hiddenLine xmlns="" xmlns:a14="http://schemas.microsoft.com/office/drawing/2010/main" w="9525">
+                <a14:hiddenLine xmlns:a14="http://schemas.microsoft.com/office/drawing/2010/main" xmlns="" w="9525">
                   <a:solidFill>
                     <a:srgbClr val="000000"/>
                   </a:solidFill>
@@ -3522,7 +3522,7 @@
             </a:ln>
             <a:extLst>
               <a:ext uri="{91240B29-F687-4f45-9708-019B960494DF}">
-                <a14:hiddenLine xmlns="" xmlns:a14="http://schemas.microsoft.com/office/drawing/2010/main" w="9525">
+                <a14:hiddenLine xmlns:a14="http://schemas.microsoft.com/office/drawing/2010/main" xmlns="" w="9525">
                   <a:solidFill>
                     <a:srgbClr val="000000"/>
                   </a:solidFill>
@@ -3612,7 +3612,7 @@
             </a:ln>
             <a:extLst>
               <a:ext uri="{91240B29-F687-4f45-9708-019B960494DF}">
-                <a14:hiddenLine xmlns="" xmlns:a14="http://schemas.microsoft.com/office/drawing/2010/main" w="9525">
+                <a14:hiddenLine xmlns:a14="http://schemas.microsoft.com/office/drawing/2010/main" xmlns="" w="9525">
                   <a:solidFill>
                     <a:srgbClr val="000000"/>
                   </a:solidFill>
@@ -3677,7 +3677,7 @@
             </a:ln>
             <a:extLst>
               <a:ext uri="{91240B29-F687-4f45-9708-019B960494DF}">
-                <a14:hiddenLine xmlns="" xmlns:a14="http://schemas.microsoft.com/office/drawing/2010/main" w="9525">
+                <a14:hiddenLine xmlns:a14="http://schemas.microsoft.com/office/drawing/2010/main" xmlns="" w="9525">
                   <a:solidFill>
                     <a:srgbClr val="000000"/>
                   </a:solidFill>
@@ -3739,7 +3739,7 @@
             </a:ln>
             <a:extLst>
               <a:ext uri="{91240B29-F687-4f45-9708-019B960494DF}">
-                <a14:hiddenLine xmlns="" xmlns:a14="http://schemas.microsoft.com/office/drawing/2010/main" w="9525">
+                <a14:hiddenLine xmlns:a14="http://schemas.microsoft.com/office/drawing/2010/main" xmlns="" w="9525">
                   <a:solidFill>
                     <a:srgbClr val="000000"/>
                   </a:solidFill>
@@ -3829,7 +3829,7 @@
             </a:ln>
             <a:extLst>
               <a:ext uri="{91240B29-F687-4f45-9708-019B960494DF}">
-                <a14:hiddenLine xmlns="" xmlns:a14="http://schemas.microsoft.com/office/drawing/2010/main" w="9525">
+                <a14:hiddenLine xmlns:a14="http://schemas.microsoft.com/office/drawing/2010/main" xmlns="" w="9525">
                   <a:solidFill>
                     <a:srgbClr val="000000"/>
                   </a:solidFill>
@@ -3919,7 +3919,7 @@
             </a:ln>
             <a:extLst>
               <a:ext uri="{91240B29-F687-4f45-9708-019B960494DF}">
-                <a14:hiddenLine xmlns="" xmlns:a14="http://schemas.microsoft.com/office/drawing/2010/main" w="9525">
+                <a14:hiddenLine xmlns:a14="http://schemas.microsoft.com/office/drawing/2010/main" xmlns="" w="9525">
                   <a:solidFill>
                     <a:srgbClr val="000000"/>
                   </a:solidFill>
@@ -3981,7 +3981,7 @@
             </a:ln>
             <a:extLst>
               <a:ext uri="{91240B29-F687-4f45-9708-019B960494DF}">
-                <a14:hiddenLine xmlns="" xmlns:a14="http://schemas.microsoft.com/office/drawing/2010/main" w="9525">
+                <a14:hiddenLine xmlns:a14="http://schemas.microsoft.com/office/drawing/2010/main" xmlns="" w="9525">
                   <a:solidFill>
                     <a:srgbClr val="000000"/>
                   </a:solidFill>
@@ -4101,7 +4101,7 @@
             </a:ln>
             <a:extLst>
               <a:ext uri="{91240B29-F687-4f45-9708-019B960494DF}">
-                <a14:hiddenLine xmlns="" xmlns:a14="http://schemas.microsoft.com/office/drawing/2010/main" w="9525">
+                <a14:hiddenLine xmlns:a14="http://schemas.microsoft.com/office/drawing/2010/main" xmlns="" w="9525">
                   <a:solidFill>
                     <a:srgbClr val="000000"/>
                   </a:solidFill>
@@ -4169,7 +4169,7 @@
             </a:ln>
             <a:extLst>
               <a:ext uri="{91240B29-F687-4f45-9708-019B960494DF}">
-                <a14:hiddenLine xmlns="" xmlns:a14="http://schemas.microsoft.com/office/drawing/2010/main" w="9525">
+                <a14:hiddenLine xmlns:a14="http://schemas.microsoft.com/office/drawing/2010/main" xmlns="" w="9525">
                   <a:solidFill>
                     <a:srgbClr val="000000"/>
                   </a:solidFill>
@@ -4259,7 +4259,7 @@
             </a:ln>
             <a:extLst>
               <a:ext uri="{91240B29-F687-4f45-9708-019B960494DF}">
-                <a14:hiddenLine xmlns="" xmlns:a14="http://schemas.microsoft.com/office/drawing/2010/main" w="9525">
+                <a14:hiddenLine xmlns:a14="http://schemas.microsoft.com/office/drawing/2010/main" xmlns="" w="9525">
                   <a:solidFill>
                     <a:srgbClr val="000000"/>
                   </a:solidFill>
@@ -9073,7 +9073,7 @@
           <a:noFill/>
           <a:extLst>
             <a:ext uri="{909E8E84-426E-40dd-AFC4-6F175D3DCCD1}">
-              <a14:hiddenFill xmlns="" xmlns:a14="http://schemas.microsoft.com/office/drawing/2010/main">
+              <a14:hiddenFill xmlns:a14="http://schemas.microsoft.com/office/drawing/2010/main" xmlns="">
                 <a:solidFill>
                   <a:srgbClr val="FFFFFF"/>
                 </a:solidFill>
@@ -9147,7 +9147,7 @@
               </a:ln>
               <a:extLst>
                 <a:ext uri="{91240B29-F687-4f45-9708-019B960494DF}">
-                  <a14:hiddenLine xmlns="" xmlns:a14="http://schemas.microsoft.com/office/drawing/2010/main" w="9525">
+                  <a14:hiddenLine xmlns:a14="http://schemas.microsoft.com/office/drawing/2010/main" xmlns="" w="9525">
                     <a:solidFill>
                       <a:srgbClr val="000000"/>
                     </a:solidFill>
@@ -9237,7 +9237,7 @@
               </a:ln>
               <a:extLst>
                 <a:ext uri="{91240B29-F687-4f45-9708-019B960494DF}">
-                  <a14:hiddenLine xmlns="" xmlns:a14="http://schemas.microsoft.com/office/drawing/2010/main" w="9525">
+                  <a14:hiddenLine xmlns:a14="http://schemas.microsoft.com/office/drawing/2010/main" xmlns="" w="9525">
                     <a:solidFill>
                       <a:srgbClr val="000000"/>
                     </a:solidFill>
@@ -9327,7 +9327,7 @@
               </a:ln>
               <a:extLst>
                 <a:ext uri="{91240B29-F687-4f45-9708-019B960494DF}">
-                  <a14:hiddenLine xmlns="" xmlns:a14="http://schemas.microsoft.com/office/drawing/2010/main" w="9525">
+                  <a14:hiddenLine xmlns:a14="http://schemas.microsoft.com/office/drawing/2010/main" xmlns="" w="9525">
                     <a:solidFill>
                       <a:srgbClr val="000000"/>
                     </a:solidFill>
@@ -9389,7 +9389,7 @@
               </a:ln>
               <a:extLst>
                 <a:ext uri="{91240B29-F687-4f45-9708-019B960494DF}">
-                  <a14:hiddenLine xmlns="" xmlns:a14="http://schemas.microsoft.com/office/drawing/2010/main" w="9525">
+                  <a14:hiddenLine xmlns:a14="http://schemas.microsoft.com/office/drawing/2010/main" xmlns="" w="9525">
                     <a:solidFill>
                       <a:srgbClr val="000000"/>
                     </a:solidFill>
@@ -9479,7 +9479,7 @@
               </a:ln>
               <a:extLst>
                 <a:ext uri="{91240B29-F687-4f45-9708-019B960494DF}">
-                  <a14:hiddenLine xmlns="" xmlns:a14="http://schemas.microsoft.com/office/drawing/2010/main" w="9525">
+                  <a14:hiddenLine xmlns:a14="http://schemas.microsoft.com/office/drawing/2010/main" xmlns="" w="9525">
                     <a:solidFill>
                       <a:srgbClr val="000000"/>
                     </a:solidFill>
@@ -9541,7 +9541,7 @@
               </a:ln>
               <a:extLst>
                 <a:ext uri="{91240B29-F687-4f45-9708-019B960494DF}">
-                  <a14:hiddenLine xmlns="" xmlns:a14="http://schemas.microsoft.com/office/drawing/2010/main" w="9525">
+                  <a14:hiddenLine xmlns:a14="http://schemas.microsoft.com/office/drawing/2010/main" xmlns="" w="9525">
                     <a:solidFill>
                       <a:srgbClr val="000000"/>
                     </a:solidFill>
@@ -9603,7 +9603,7 @@
               </a:ln>
               <a:extLst>
                 <a:ext uri="{91240B29-F687-4f45-9708-019B960494DF}">
-                  <a14:hiddenLine xmlns="" xmlns:a14="http://schemas.microsoft.com/office/drawing/2010/main" w="9525">
+                  <a14:hiddenLine xmlns:a14="http://schemas.microsoft.com/office/drawing/2010/main" xmlns="" w="9525">
                     <a:solidFill>
                       <a:srgbClr val="000000"/>
                     </a:solidFill>
@@ -9693,7 +9693,7 @@
               </a:ln>
               <a:extLst>
                 <a:ext uri="{91240B29-F687-4f45-9708-019B960494DF}">
-                  <a14:hiddenLine xmlns="" xmlns:a14="http://schemas.microsoft.com/office/drawing/2010/main" w="9525">
+                  <a14:hiddenLine xmlns:a14="http://schemas.microsoft.com/office/drawing/2010/main" xmlns="" w="9525">
                     <a:solidFill>
                       <a:srgbClr val="000000"/>
                     </a:solidFill>
@@ -9783,7 +9783,7 @@
               </a:ln>
               <a:extLst>
                 <a:ext uri="{91240B29-F687-4f45-9708-019B960494DF}">
-                  <a14:hiddenLine xmlns="" xmlns:a14="http://schemas.microsoft.com/office/drawing/2010/main" w="9525">
+                  <a14:hiddenLine xmlns:a14="http://schemas.microsoft.com/office/drawing/2010/main" xmlns="" w="9525">
                     <a:solidFill>
                       <a:srgbClr val="000000"/>
                     </a:solidFill>
@@ -9845,7 +9845,7 @@
               </a:ln>
               <a:extLst>
                 <a:ext uri="{91240B29-F687-4f45-9708-019B960494DF}">
-                  <a14:hiddenLine xmlns="" xmlns:a14="http://schemas.microsoft.com/office/drawing/2010/main" w="9525">
+                  <a14:hiddenLine xmlns:a14="http://schemas.microsoft.com/office/drawing/2010/main" xmlns="" w="9525">
                     <a:solidFill>
                       <a:srgbClr val="000000"/>
                     </a:solidFill>
@@ -9955,7 +9955,7 @@
               </a:ln>
               <a:extLst>
                 <a:ext uri="{91240B29-F687-4f45-9708-019B960494DF}">
-                  <a14:hiddenLine xmlns="" xmlns:a14="http://schemas.microsoft.com/office/drawing/2010/main" w="9525">
+                  <a14:hiddenLine xmlns:a14="http://schemas.microsoft.com/office/drawing/2010/main" xmlns="" w="9525">
                     <a:solidFill>
                       <a:srgbClr val="000000"/>
                     </a:solidFill>
@@ -10039,7 +10039,7 @@
               </a:ln>
               <a:extLst>
                 <a:ext uri="{91240B29-F687-4f45-9708-019B960494DF}">
-                  <a14:hiddenLine xmlns="" xmlns:a14="http://schemas.microsoft.com/office/drawing/2010/main" w="9525">
+                  <a14:hiddenLine xmlns:a14="http://schemas.microsoft.com/office/drawing/2010/main" xmlns="" w="9525">
                     <a:solidFill>
                       <a:srgbClr val="000000"/>
                     </a:solidFill>
@@ -10101,7 +10101,7 @@
               </a:ln>
               <a:extLst>
                 <a:ext uri="{91240B29-F687-4f45-9708-019B960494DF}">
-                  <a14:hiddenLine xmlns="" xmlns:a14="http://schemas.microsoft.com/office/drawing/2010/main" w="9525">
+                  <a14:hiddenLine xmlns:a14="http://schemas.microsoft.com/office/drawing/2010/main" xmlns="" w="9525">
                     <a:solidFill>
                       <a:srgbClr val="000000"/>
                     </a:solidFill>
@@ -10163,7 +10163,7 @@
               </a:ln>
               <a:extLst>
                 <a:ext uri="{91240B29-F687-4f45-9708-019B960494DF}">
-                  <a14:hiddenLine xmlns="" xmlns:a14="http://schemas.microsoft.com/office/drawing/2010/main" w="9525">
+                  <a14:hiddenLine xmlns:a14="http://schemas.microsoft.com/office/drawing/2010/main" xmlns="" w="9525">
                     <a:solidFill>
                       <a:srgbClr val="000000"/>
                     </a:solidFill>
@@ -10253,7 +10253,7 @@
               </a:ln>
               <a:extLst>
                 <a:ext uri="{91240B29-F687-4f45-9708-019B960494DF}">
-                  <a14:hiddenLine xmlns="" xmlns:a14="http://schemas.microsoft.com/office/drawing/2010/main" w="9525">
+                  <a14:hiddenLine xmlns:a14="http://schemas.microsoft.com/office/drawing/2010/main" xmlns="" w="9525">
                     <a:solidFill>
                       <a:srgbClr val="000000"/>
                     </a:solidFill>
@@ -10287,7 +10287,7 @@
               </a:ln>
               <a:extLst>
                 <a:ext uri="{91240B29-F687-4f45-9708-019B960494DF}">
-                  <a14:hiddenLine xmlns="" xmlns:a14="http://schemas.microsoft.com/office/drawing/2010/main" w="9525">
+                  <a14:hiddenLine xmlns:a14="http://schemas.microsoft.com/office/drawing/2010/main" xmlns="" w="9525">
                     <a:solidFill>
                       <a:srgbClr val="000000"/>
                     </a:solidFill>
@@ -10352,7 +10352,7 @@
               </a:ln>
               <a:extLst>
                 <a:ext uri="{91240B29-F687-4f45-9708-019B960494DF}">
-                  <a14:hiddenLine xmlns="" xmlns:a14="http://schemas.microsoft.com/office/drawing/2010/main" w="9525">
+                  <a14:hiddenLine xmlns:a14="http://schemas.microsoft.com/office/drawing/2010/main" xmlns="" w="9525">
                     <a:solidFill>
                       <a:srgbClr val="000000"/>
                     </a:solidFill>
@@ -10442,7 +10442,7 @@
               </a:ln>
               <a:extLst>
                 <a:ext uri="{91240B29-F687-4f45-9708-019B960494DF}">
-                  <a14:hiddenLine xmlns="" xmlns:a14="http://schemas.microsoft.com/office/drawing/2010/main" w="9525">
+                  <a14:hiddenLine xmlns:a14="http://schemas.microsoft.com/office/drawing/2010/main" xmlns="" w="9525">
                     <a:solidFill>
                       <a:srgbClr val="000000"/>
                     </a:solidFill>
@@ -10504,7 +10504,7 @@
               </a:ln>
               <a:extLst>
                 <a:ext uri="{91240B29-F687-4f45-9708-019B960494DF}">
-                  <a14:hiddenLine xmlns="" xmlns:a14="http://schemas.microsoft.com/office/drawing/2010/main" w="9525">
+                  <a14:hiddenLine xmlns:a14="http://schemas.microsoft.com/office/drawing/2010/main" xmlns="" w="9525">
                     <a:solidFill>
                       <a:srgbClr val="000000"/>
                     </a:solidFill>
@@ -10594,7 +10594,7 @@
               </a:ln>
               <a:extLst>
                 <a:ext uri="{91240B29-F687-4f45-9708-019B960494DF}">
-                  <a14:hiddenLine xmlns="" xmlns:a14="http://schemas.microsoft.com/office/drawing/2010/main" w="9525">
+                  <a14:hiddenLine xmlns:a14="http://schemas.microsoft.com/office/drawing/2010/main" xmlns="" w="9525">
                     <a:solidFill>
                       <a:srgbClr val="000000"/>
                     </a:solidFill>
@@ -10659,7 +10659,7 @@
               </a:ln>
               <a:extLst>
                 <a:ext uri="{91240B29-F687-4f45-9708-019B960494DF}">
-                  <a14:hiddenLine xmlns="" xmlns:a14="http://schemas.microsoft.com/office/drawing/2010/main" w="9525">
+                  <a14:hiddenLine xmlns:a14="http://schemas.microsoft.com/office/drawing/2010/main" xmlns="" w="9525">
                     <a:solidFill>
                       <a:srgbClr val="000000"/>
                     </a:solidFill>
@@ -10721,7 +10721,7 @@
               </a:ln>
               <a:extLst>
                 <a:ext uri="{91240B29-F687-4f45-9708-019B960494DF}">
-                  <a14:hiddenLine xmlns="" xmlns:a14="http://schemas.microsoft.com/office/drawing/2010/main" w="9525">
+                  <a14:hiddenLine xmlns:a14="http://schemas.microsoft.com/office/drawing/2010/main" xmlns="" w="9525">
                     <a:solidFill>
                       <a:srgbClr val="000000"/>
                     </a:solidFill>
@@ -10811,7 +10811,7 @@
               </a:ln>
               <a:extLst>
                 <a:ext uri="{91240B29-F687-4f45-9708-019B960494DF}">
-                  <a14:hiddenLine xmlns="" xmlns:a14="http://schemas.microsoft.com/office/drawing/2010/main" w="9525">
+                  <a14:hiddenLine xmlns:a14="http://schemas.microsoft.com/office/drawing/2010/main" xmlns="" w="9525">
                     <a:solidFill>
                       <a:srgbClr val="000000"/>
                     </a:solidFill>
@@ -10901,7 +10901,7 @@
               </a:ln>
               <a:extLst>
                 <a:ext uri="{91240B29-F687-4f45-9708-019B960494DF}">
-                  <a14:hiddenLine xmlns="" xmlns:a14="http://schemas.microsoft.com/office/drawing/2010/main" w="9525">
+                  <a14:hiddenLine xmlns:a14="http://schemas.microsoft.com/office/drawing/2010/main" xmlns="" w="9525">
                     <a:solidFill>
                       <a:srgbClr val="000000"/>
                     </a:solidFill>
@@ -10966,7 +10966,7 @@
               </a:ln>
               <a:extLst>
                 <a:ext uri="{91240B29-F687-4f45-9708-019B960494DF}">
-                  <a14:hiddenLine xmlns="" xmlns:a14="http://schemas.microsoft.com/office/drawing/2010/main" w="9525">
+                  <a14:hiddenLine xmlns:a14="http://schemas.microsoft.com/office/drawing/2010/main" xmlns="" w="9525">
                     <a:solidFill>
                       <a:srgbClr val="000000"/>
                     </a:solidFill>
@@ -11086,7 +11086,7 @@
               </a:ln>
               <a:extLst>
                 <a:ext uri="{91240B29-F687-4f45-9708-019B960494DF}">
-                  <a14:hiddenLine xmlns="" xmlns:a14="http://schemas.microsoft.com/office/drawing/2010/main" w="9525">
+                  <a14:hiddenLine xmlns:a14="http://schemas.microsoft.com/office/drawing/2010/main" xmlns="" w="9525">
                     <a:solidFill>
                       <a:srgbClr val="000000"/>
                     </a:solidFill>
@@ -11167,7 +11167,7 @@
               </a:ln>
               <a:extLst>
                 <a:ext uri="{91240B29-F687-4f45-9708-019B960494DF}">
-                  <a14:hiddenLine xmlns="" xmlns:a14="http://schemas.microsoft.com/office/drawing/2010/main" w="9525">
+                  <a14:hiddenLine xmlns:a14="http://schemas.microsoft.com/office/drawing/2010/main" xmlns="" w="9525">
                     <a:solidFill>
                       <a:srgbClr val="000000"/>
                     </a:solidFill>
@@ -11282,7 +11282,7 @@
               </a:ln>
               <a:extLst>
                 <a:ext uri="{91240B29-F687-4f45-9708-019B960494DF}">
-                  <a14:hiddenLine xmlns="" xmlns:a14="http://schemas.microsoft.com/office/drawing/2010/main" w="9525">
+                  <a14:hiddenLine xmlns:a14="http://schemas.microsoft.com/office/drawing/2010/main" xmlns="" w="9525">
                     <a:solidFill>
                       <a:srgbClr val="000000"/>
                     </a:solidFill>
@@ -11372,7 +11372,7 @@
               </a:ln>
               <a:extLst>
                 <a:ext uri="{91240B29-F687-4f45-9708-019B960494DF}">
-                  <a14:hiddenLine xmlns="" xmlns:a14="http://schemas.microsoft.com/office/drawing/2010/main" w="9525">
+                  <a14:hiddenLine xmlns:a14="http://schemas.microsoft.com/office/drawing/2010/main" xmlns="" w="9525">
                     <a:solidFill>
                       <a:srgbClr val="000000"/>
                     </a:solidFill>
@@ -11437,7 +11437,7 @@
               </a:ln>
               <a:extLst>
                 <a:ext uri="{91240B29-F687-4f45-9708-019B960494DF}">
-                  <a14:hiddenLine xmlns="" xmlns:a14="http://schemas.microsoft.com/office/drawing/2010/main" w="9525">
+                  <a14:hiddenLine xmlns:a14="http://schemas.microsoft.com/office/drawing/2010/main" xmlns="" w="9525">
                     <a:solidFill>
                       <a:srgbClr val="000000"/>
                     </a:solidFill>
@@ -11527,7 +11527,7 @@
               </a:ln>
               <a:extLst>
                 <a:ext uri="{91240B29-F687-4f45-9708-019B960494DF}">
-                  <a14:hiddenLine xmlns="" xmlns:a14="http://schemas.microsoft.com/office/drawing/2010/main" w="9525">
+                  <a14:hiddenLine xmlns:a14="http://schemas.microsoft.com/office/drawing/2010/main" xmlns="" w="9525">
                     <a:solidFill>
                       <a:srgbClr val="000000"/>
                     </a:solidFill>
@@ -11595,7 +11595,7 @@
               </a:ln>
               <a:extLst>
                 <a:ext uri="{91240B29-F687-4f45-9708-019B960494DF}">
-                  <a14:hiddenLine xmlns="" xmlns:a14="http://schemas.microsoft.com/office/drawing/2010/main" w="9525">
+                  <a14:hiddenLine xmlns:a14="http://schemas.microsoft.com/office/drawing/2010/main" xmlns="" w="9525">
                     <a:solidFill>
                       <a:srgbClr val="000000"/>
                     </a:solidFill>
@@ -11685,7 +11685,7 @@
               </a:ln>
               <a:extLst>
                 <a:ext uri="{91240B29-F687-4f45-9708-019B960494DF}">
-                  <a14:hiddenLine xmlns="" xmlns:a14="http://schemas.microsoft.com/office/drawing/2010/main" w="9525">
+                  <a14:hiddenLine xmlns:a14="http://schemas.microsoft.com/office/drawing/2010/main" xmlns="" w="9525">
                     <a:solidFill>
                       <a:srgbClr val="000000"/>
                     </a:solidFill>
@@ -11753,7 +11753,7 @@
               </a:ln>
               <a:extLst>
                 <a:ext uri="{91240B29-F687-4f45-9708-019B960494DF}">
-                  <a14:hiddenLine xmlns="" xmlns:a14="http://schemas.microsoft.com/office/drawing/2010/main" w="9525">
+                  <a14:hiddenLine xmlns:a14="http://schemas.microsoft.com/office/drawing/2010/main" xmlns="" w="9525">
                     <a:solidFill>
                       <a:srgbClr val="000000"/>
                     </a:solidFill>
@@ -11843,7 +11843,7 @@
               </a:ln>
               <a:extLst>
                 <a:ext uri="{91240B29-F687-4f45-9708-019B960494DF}">
-                  <a14:hiddenLine xmlns="" xmlns:a14="http://schemas.microsoft.com/office/drawing/2010/main" w="9525">
+                  <a14:hiddenLine xmlns:a14="http://schemas.microsoft.com/office/drawing/2010/main" xmlns="" w="9525">
                     <a:solidFill>
                       <a:srgbClr val="000000"/>
                     </a:solidFill>
@@ -11877,7 +11877,7 @@
               </a:ln>
               <a:extLst>
                 <a:ext uri="{91240B29-F687-4f45-9708-019B960494DF}">
-                  <a14:hiddenLine xmlns="" xmlns:a14="http://schemas.microsoft.com/office/drawing/2010/main" w="9525">
+                  <a14:hiddenLine xmlns:a14="http://schemas.microsoft.com/office/drawing/2010/main" xmlns="" w="9525">
                     <a:solidFill>
                       <a:srgbClr val="000000"/>
                     </a:solidFill>
@@ -12696,11 +12696,7 @@
             </a:r>
             <a:r>
               <a:rPr lang="en-US" dirty="0" smtClean="0"/>
-              <a:t> your web </a:t>
-            </a:r>
-            <a:r>
-              <a:rPr lang="en-US" dirty="0" smtClean="0"/>
-              <a:t>site</a:t>
+              <a:t> your web site</a:t>
             </a:r>
           </a:p>
           <a:p>
@@ -12834,6 +12830,44 @@
               <a:t>Most cost $5-10 per month</a:t>
             </a:r>
             <a:endParaRPr lang="en-US" dirty="0"/>
+          </a:p>
+        </p:txBody>
+      </p:sp>
+      <p:sp>
+        <p:nvSpPr>
+          <p:cNvPr id="5" name="TextBox 4"/>
+          <p:cNvSpPr txBox="1"/>
+          <p:nvPr/>
+        </p:nvSpPr>
+        <p:spPr>
+          <a:xfrm>
+            <a:off x="1141410" y="4546600"/>
+            <a:ext cx="9475790" cy="584775"/>
+          </a:xfrm>
+          <a:prstGeom prst="rect">
+            <a:avLst/>
+          </a:prstGeom>
+          <a:noFill/>
+        </p:spPr>
+        <p:txBody>
+          <a:bodyPr wrap="square" rtlCol="0">
+            <a:spAutoFit/>
+          </a:bodyPr>
+          <a:lstStyle/>
+          <a:p>
+            <a:r>
+              <a:rPr lang="en-US" sz="3200" dirty="0">
+                <a:hlinkClick r:id="rId2"/>
+              </a:rPr>
+              <a:t>http://web-design-using-bootstrap.azurewebsites.net</a:t>
+            </a:r>
+            <a:r>
+              <a:rPr lang="en-US" sz="3200" dirty="0" smtClean="0">
+                <a:hlinkClick r:id="rId2"/>
+              </a:rPr>
+              <a:t>/</a:t>
+            </a:r>
+            <a:endParaRPr lang="en-US" sz="3200" dirty="0"/>
           </a:p>
         </p:txBody>
       </p:sp>
